--- a/CKDSurveillance/PPT/Q712.pptx
+++ b/CKDSurveillance/PPT/Q712.pptx
@@ -6,14 +6,10 @@
   </p:sldMasterIdLst>
   <p:sldIdLst>
     <p:sldId id="256" r:id="rId2"/>
-    <p:sldId id="267" r:id="rId3"/>
-    <p:sldId id="268" r:id="rId4"/>
-    <p:sldId id="269" r:id="rId5"/>
-    <p:sldId id="270" r:id="rId6"/>
-    <p:sldId id="271" r:id="rId7"/>
-    <p:sldId id="272" r:id="rId8"/>
-    <p:sldId id="273" r:id="rId9"/>
-    <p:sldId id="274" r:id="rId10"/>
+    <p:sldId id="268" r:id="rId3"/>
+    <p:sldId id="275" r:id="rId4"/>
+    <p:sldId id="272" r:id="rId5"/>
+    <p:sldId id="276" r:id="rId6"/>
   </p:sldIdLst>
   <p:sldSz cx="12192000" cy="6858000"/>
   <p:notesSz cx="6858000" cy="9144000"/>
@@ -169,9 +165,7 @@
           <c:spPr>
             <a:ln w="44450" cap="rnd">
               <a:solidFill>
-                <a:schemeClr val="bg2">
-                  <a:lumMod val="75000"/>
-                </a:schemeClr>
+                <a:srgbClr val="800080"/>
               </a:solidFill>
               <a:round/>
             </a:ln>
@@ -182,15 +176,11 @@
             <c:size val="5"/>
             <c:spPr>
               <a:solidFill>
-                <a:schemeClr val="bg2">
-                  <a:lumMod val="75000"/>
-                </a:schemeClr>
+                <a:srgbClr val="800080"/>
               </a:solidFill>
               <a:ln w="44450">
                 <a:solidFill>
-                  <a:schemeClr val="bg2">
-                    <a:lumMod val="75000"/>
-                  </a:schemeClr>
+                  <a:srgbClr val="800080"/>
                 </a:solidFill>
               </a:ln>
               <a:effectLst/>
@@ -223,7 +213,7 @@
             <c:numRef>
               <c:f>Overall!$B$2:$B$6</c:f>
               <c:numCache>
-                <c:formatCode>General</c:formatCode>
+                <c:formatCode>0.0</c:formatCode>
                 <c:ptCount val="5"/>
                 <c:pt idx="0">
                   <c:v>16.5</c:v>
@@ -246,7 +236,7 @@
           <c:smooth val="0"/>
           <c:extLst>
             <c:ext xmlns:c16="http://schemas.microsoft.com/office/drawing/2014/chart" uri="{C3380CC4-5D6E-409C-BE32-E72D297353CC}">
-              <c16:uniqueId val="{00000000-06F1-402F-AC67-EE9DDA3D64FE}"/>
+              <c16:uniqueId val="{00000000-6291-4F02-9E93-0D37DAB3F22C}"/>
             </c:ext>
           </c:extLst>
         </c:ser>
@@ -292,9 +282,9 @@
           <a:lstStyle/>
           <a:p>
             <a:pPr>
-              <a:defRPr sz="2400" b="0" i="0" u="none" strike="noStrike" kern="1200" baseline="0">
+              <a:defRPr sz="2300" b="0" i="0" u="none" strike="noStrike" kern="1200" baseline="0">
                 <a:solidFill>
-                  <a:schemeClr val="tx1"/>
+                  <a:sysClr val="windowText" lastClr="000000"/>
                 </a:solidFill>
                 <a:latin typeface="+mn-lt"/>
                 <a:ea typeface="+mn-ea"/>
@@ -339,9 +329,9 @@
               <a:lstStyle/>
               <a:p>
                 <a:pPr>
-                  <a:defRPr sz="2800" b="0" i="0" u="none" strike="noStrike" kern="1200" baseline="0">
+                  <a:defRPr sz="2400" b="0" i="0" u="none" strike="noStrike" kern="1200" baseline="0">
                     <a:solidFill>
-                      <a:schemeClr val="tx1"/>
+                      <a:sysClr val="windowText" lastClr="000000"/>
                     </a:solidFill>
                     <a:latin typeface="+mn-lt"/>
                     <a:ea typeface="+mn-ea"/>
@@ -349,24 +339,24 @@
                   </a:defRPr>
                 </a:pPr>
                 <a:r>
-                  <a:rPr lang="en-US" sz="2800" dirty="0">
+                  <a:rPr lang="en-US" sz="2400">
                     <a:solidFill>
-                      <a:schemeClr val="tx1"/>
+                      <a:sysClr val="windowText" lastClr="000000"/>
                     </a:solidFill>
                   </a:rPr>
                   <a:t>Food</a:t>
                 </a:r>
                 <a:r>
-                  <a:rPr lang="en-US" sz="2800" baseline="0" dirty="0">
+                  <a:rPr lang="en-US" sz="2400" baseline="0">
                     <a:solidFill>
-                      <a:schemeClr val="tx1"/>
+                      <a:sysClr val="windowText" lastClr="000000"/>
                     </a:solidFill>
                   </a:rPr>
                   <a:t> Insecurity (%)</a:t>
                 </a:r>
-                <a:endParaRPr lang="en-US" sz="2800" dirty="0">
+                <a:endParaRPr lang="en-US" sz="2400">
                   <a:solidFill>
-                    <a:schemeClr val="tx1"/>
+                    <a:sysClr val="windowText" lastClr="000000"/>
                   </a:solidFill>
                 </a:endParaRPr>
               </a:p>
@@ -376,8 +366,8 @@
             <c:manualLayout>
               <c:xMode val="edge"/>
               <c:yMode val="edge"/>
-              <c:x val="0"/>
-              <c:y val="0.15353650329687366"/>
+              <c:x val="3.1250000000000002E-3"/>
+              <c:y val="0.17682304972957286"/>
             </c:manualLayout>
           </c:layout>
           <c:overlay val="0"/>
@@ -393,9 +383,9 @@
             <a:lstStyle/>
             <a:p>
               <a:pPr>
-                <a:defRPr sz="2800" b="0" i="0" u="none" strike="noStrike" kern="1200" baseline="0">
+                <a:defRPr sz="2400" b="0" i="0" u="none" strike="noStrike" kern="1200" baseline="0">
                   <a:solidFill>
-                    <a:schemeClr val="tx1"/>
+                    <a:sysClr val="windowText" lastClr="000000"/>
                   </a:solidFill>
                   <a:latin typeface="+mn-lt"/>
                   <a:ea typeface="+mn-ea"/>
@@ -406,7 +396,7 @@
             </a:p>
           </c:txPr>
         </c:title>
-        <c:numFmt formatCode="General" sourceLinked="1"/>
+        <c:numFmt formatCode="0" sourceLinked="0"/>
         <c:majorTickMark val="none"/>
         <c:minorTickMark val="none"/>
         <c:tickLblPos val="nextTo"/>
@@ -422,9 +412,9 @@
           <a:lstStyle/>
           <a:p>
             <a:pPr>
-              <a:defRPr sz="2400" b="0" i="0" u="none" strike="noStrike" kern="1200" baseline="0">
+              <a:defRPr sz="2300" b="0" i="0" u="none" strike="noStrike" kern="1200" baseline="0">
                 <a:solidFill>
-                  <a:schemeClr val="tx1"/>
+                  <a:sysClr val="windowText" lastClr="000000"/>
                 </a:solidFill>
                 <a:latin typeface="+mn-lt"/>
                 <a:ea typeface="+mn-ea"/>
@@ -458,9 +448,12 @@
     <c:showDLblsOverMax val="0"/>
   </c:chart>
   <c:spPr>
-    <a:noFill/>
-    <a:ln>
+    <a:solidFill>
+      <a:schemeClr val="bg1"/>
+    </a:solidFill>
+    <a:ln w="9525" cap="flat" cmpd="sng" algn="ctr">
       <a:noFill/>
+      <a:round/>
     </a:ln>
     <a:effectLst/>
   </c:spPr>
@@ -509,7 +502,7 @@
               <c:strCache>
                 <c:ptCount val="1"/>
                 <c:pt idx="0">
-                  <c:v>Crude Overall</c:v>
+                  <c:v>Overall</c:v>
                 </c:pt>
               </c:strCache>
             </c:strRef>
@@ -517,9 +510,8 @@
           <c:spPr>
             <a:ln w="44450" cap="rnd">
               <a:solidFill>
-                <a:schemeClr val="tx1"/>
+                <a:srgbClr val="800080"/>
               </a:solidFill>
-              <a:prstDash val="sysDash"/>
               <a:round/>
             </a:ln>
             <a:effectLst/>
@@ -529,11 +521,11 @@
             <c:size val="5"/>
             <c:spPr>
               <a:solidFill>
-                <a:schemeClr val="tx1"/>
+                <a:srgbClr val="800080"/>
               </a:solidFill>
               <a:ln w="44450">
                 <a:solidFill>
-                  <a:schemeClr val="tx1"/>
+                  <a:srgbClr val="800080"/>
                 </a:solidFill>
               </a:ln>
               <a:effectLst/>
@@ -566,98 +558,6 @@
             <c:numRef>
               <c:f>Overall!$B$19:$B$23</c:f>
               <c:numCache>
-                <c:formatCode>General</c:formatCode>
-                <c:ptCount val="5"/>
-                <c:pt idx="0">
-                  <c:v>16.5</c:v>
-                </c:pt>
-                <c:pt idx="1">
-                  <c:v>18.100000000000001</c:v>
-                </c:pt>
-                <c:pt idx="2">
-                  <c:v>24.3</c:v>
-                </c:pt>
-                <c:pt idx="3">
-                  <c:v>26.5</c:v>
-                </c:pt>
-                <c:pt idx="4">
-                  <c:v>28.2</c:v>
-                </c:pt>
-              </c:numCache>
-            </c:numRef>
-          </c:val>
-          <c:smooth val="0"/>
-          <c:extLst>
-            <c:ext xmlns:c16="http://schemas.microsoft.com/office/drawing/2014/chart" uri="{C3380CC4-5D6E-409C-BE32-E72D297353CC}">
-              <c16:uniqueId val="{00000000-F836-4CCA-8765-1E31809C24D6}"/>
-            </c:ext>
-          </c:extLst>
-        </c:ser>
-        <c:ser>
-          <c:idx val="1"/>
-          <c:order val="1"/>
-          <c:tx>
-            <c:strRef>
-              <c:f>Overall!$C$18</c:f>
-              <c:strCache>
-                <c:ptCount val="1"/>
-                <c:pt idx="0">
-                  <c:v>Age-Standardized Overall</c:v>
-                </c:pt>
-              </c:strCache>
-            </c:strRef>
-          </c:tx>
-          <c:spPr>
-            <a:ln w="44450" cap="rnd">
-              <a:solidFill>
-                <a:srgbClr val="008080"/>
-              </a:solidFill>
-              <a:round/>
-            </a:ln>
-            <a:effectLst/>
-          </c:spPr>
-          <c:marker>
-            <c:symbol val="circle"/>
-            <c:size val="5"/>
-            <c:spPr>
-              <a:solidFill>
-                <a:srgbClr val="008080"/>
-              </a:solidFill>
-              <a:ln w="44450">
-                <a:solidFill>
-                  <a:srgbClr val="008080"/>
-                </a:solidFill>
-              </a:ln>
-              <a:effectLst/>
-            </c:spPr>
-          </c:marker>
-          <c:cat>
-            <c:strRef>
-              <c:f>Overall!$A$19:$A$23</c:f>
-              <c:strCache>
-                <c:ptCount val="5"/>
-                <c:pt idx="0">
-                  <c:v>2001–2004</c:v>
-                </c:pt>
-                <c:pt idx="1">
-                  <c:v>2005–2008</c:v>
-                </c:pt>
-                <c:pt idx="2">
-                  <c:v>2009–2012</c:v>
-                </c:pt>
-                <c:pt idx="3">
-                  <c:v>2013–2016</c:v>
-                </c:pt>
-                <c:pt idx="4">
-                  <c:v>2017–2020</c:v>
-                </c:pt>
-              </c:strCache>
-            </c:strRef>
-          </c:cat>
-          <c:val>
-            <c:numRef>
-              <c:f>Overall!$C$19:$C$23</c:f>
-              <c:numCache>
                 <c:formatCode>0.0</c:formatCode>
                 <c:ptCount val="5"/>
                 <c:pt idx="0">
@@ -673,7 +573,7 @@
                   <c:v>26.7</c:v>
                 </c:pt>
                 <c:pt idx="4">
-                  <c:v>28.7</c:v>
+                  <c:v>28.5</c:v>
                 </c:pt>
               </c:numCache>
             </c:numRef>
@@ -681,7 +581,7 @@
           <c:smooth val="0"/>
           <c:extLst>
             <c:ext xmlns:c16="http://schemas.microsoft.com/office/drawing/2014/chart" uri="{C3380CC4-5D6E-409C-BE32-E72D297353CC}">
-              <c16:uniqueId val="{00000001-F836-4CCA-8765-1E31809C24D6}"/>
+              <c16:uniqueId val="{00000000-3AAD-448E-B8A5-6C241A0F9263}"/>
             </c:ext>
           </c:extLst>
         </c:ser>
@@ -695,11 +595,11 @@
         </c:dLbls>
         <c:marker val="1"/>
         <c:smooth val="0"/>
-        <c:axId val="395257135"/>
-        <c:axId val="395256719"/>
+        <c:axId val="1771279439"/>
+        <c:axId val="1771276111"/>
       </c:lineChart>
       <c:catAx>
-        <c:axId val="395257135"/>
+        <c:axId val="1771279439"/>
         <c:scaling>
           <c:orientation val="minMax"/>
         </c:scaling>
@@ -727,9 +627,9 @@
           <a:lstStyle/>
           <a:p>
             <a:pPr>
-              <a:defRPr sz="2400" b="0" i="0" u="none" strike="noStrike" kern="1200" baseline="0">
+              <a:defRPr sz="2300" b="0" i="0" u="none" strike="noStrike" kern="1200" baseline="0">
                 <a:solidFill>
-                  <a:schemeClr val="tx1"/>
+                  <a:sysClr val="windowText" lastClr="000000"/>
                 </a:solidFill>
                 <a:latin typeface="+mn-lt"/>
                 <a:ea typeface="+mn-ea"/>
@@ -739,7 +639,7 @@
             <a:endParaRPr lang="en-US"/>
           </a:p>
         </c:txPr>
-        <c:crossAx val="395256719"/>
+        <c:crossAx val="1771276111"/>
         <c:crosses val="autoZero"/>
         <c:auto val="1"/>
         <c:lblAlgn val="ctr"/>
@@ -747,10 +647,9 @@
         <c:noMultiLvlLbl val="0"/>
       </c:catAx>
       <c:valAx>
-        <c:axId val="395256719"/>
+        <c:axId val="1771276111"/>
         <c:scaling>
           <c:orientation val="minMax"/>
-          <c:max val="30"/>
         </c:scaling>
         <c:delete val="0"/>
         <c:axPos val="l"/>
@@ -775,9 +674,9 @@
               <a:lstStyle/>
               <a:p>
                 <a:pPr>
-                  <a:defRPr sz="2800" b="0" i="0" u="none" strike="noStrike" kern="1200" baseline="0">
+                  <a:defRPr sz="2400" b="0" i="0" u="none" strike="noStrike" kern="1200" baseline="0">
                     <a:solidFill>
-                      <a:schemeClr val="tx1"/>
+                      <a:sysClr val="windowText" lastClr="000000"/>
                     </a:solidFill>
                     <a:latin typeface="+mn-lt"/>
                     <a:ea typeface="+mn-ea"/>
@@ -785,24 +684,24 @@
                   </a:defRPr>
                 </a:pPr>
                 <a:r>
-                  <a:rPr lang="en-US" sz="2800">
+                  <a:rPr lang="en-US" sz="2400">
                     <a:solidFill>
-                      <a:schemeClr val="tx1"/>
+                      <a:sysClr val="windowText" lastClr="000000"/>
                     </a:solidFill>
                   </a:rPr>
                   <a:t>Food</a:t>
                 </a:r>
                 <a:r>
-                  <a:rPr lang="en-US" sz="2800" baseline="0">
+                  <a:rPr lang="en-US" sz="2400" baseline="0">
                     <a:solidFill>
-                      <a:schemeClr val="tx1"/>
+                      <a:sysClr val="windowText" lastClr="000000"/>
                     </a:solidFill>
                   </a:rPr>
                   <a:t> Insecurity (%)</a:t>
                 </a:r>
-                <a:endParaRPr lang="en-US" sz="2800">
+                <a:endParaRPr lang="en-US" sz="2400">
                   <a:solidFill>
-                    <a:schemeClr val="tx1"/>
+                    <a:sysClr val="windowText" lastClr="000000"/>
                   </a:solidFill>
                 </a:endParaRPr>
               </a:p>
@@ -812,8 +711,8 @@
             <c:manualLayout>
               <c:xMode val="edge"/>
               <c:yMode val="edge"/>
-              <c:x val="0"/>
-              <c:y val="0.11029493421611966"/>
+              <c:x val="3.1250000000000002E-3"/>
+              <c:y val="0.17682304972957286"/>
             </c:manualLayout>
           </c:layout>
           <c:overlay val="0"/>
@@ -829,9 +728,9 @@
             <a:lstStyle/>
             <a:p>
               <a:pPr>
-                <a:defRPr sz="2800" b="0" i="0" u="none" strike="noStrike" kern="1200" baseline="0">
+                <a:defRPr sz="2400" b="0" i="0" u="none" strike="noStrike" kern="1200" baseline="0">
                   <a:solidFill>
-                    <a:schemeClr val="tx1"/>
+                    <a:sysClr val="windowText" lastClr="000000"/>
                   </a:solidFill>
                   <a:latin typeface="+mn-lt"/>
                   <a:ea typeface="+mn-ea"/>
@@ -842,7 +741,7 @@
             </a:p>
           </c:txPr>
         </c:title>
-        <c:numFmt formatCode="General" sourceLinked="1"/>
+        <c:numFmt formatCode="0" sourceLinked="0"/>
         <c:majorTickMark val="none"/>
         <c:minorTickMark val="none"/>
         <c:tickLblPos val="nextTo"/>
@@ -858,9 +757,9 @@
           <a:lstStyle/>
           <a:p>
             <a:pPr>
-              <a:defRPr sz="2400" b="0" i="0" u="none" strike="noStrike" kern="1200" baseline="0">
+              <a:defRPr sz="2300" b="0" i="0" u="none" strike="noStrike" kern="1200" baseline="0">
                 <a:solidFill>
-                  <a:schemeClr val="tx1"/>
+                  <a:sysClr val="windowText" lastClr="000000"/>
                 </a:solidFill>
                 <a:latin typeface="+mn-lt"/>
                 <a:ea typeface="+mn-ea"/>
@@ -870,7 +769,7 @@
             <a:endParaRPr lang="en-US"/>
           </a:p>
         </c:txPr>
-        <c:crossAx val="395257135"/>
+        <c:crossAx val="1771279439"/>
         <c:crosses val="autoZero"/>
         <c:crossBetween val="between"/>
       </c:valAx>
@@ -882,34 +781,6 @@
         <a:effectLst/>
       </c:spPr>
     </c:plotArea>
-    <c:legend>
-      <c:legendPos val="b"/>
-      <c:overlay val="0"/>
-      <c:spPr>
-        <a:noFill/>
-        <a:ln>
-          <a:noFill/>
-        </a:ln>
-        <a:effectLst/>
-      </c:spPr>
-      <c:txPr>
-        <a:bodyPr rot="0" spcFirstLastPara="1" vertOverflow="ellipsis" vert="horz" wrap="square" anchor="ctr" anchorCtr="1"/>
-        <a:lstStyle/>
-        <a:p>
-          <a:pPr>
-            <a:defRPr sz="2400" b="0" i="0" u="none" strike="noStrike" kern="1200" baseline="0">
-              <a:solidFill>
-                <a:schemeClr val="tx1"/>
-              </a:solidFill>
-              <a:latin typeface="+mn-lt"/>
-              <a:ea typeface="+mn-ea"/>
-              <a:cs typeface="+mn-cs"/>
-            </a:defRPr>
-          </a:pPr>
-          <a:endParaRPr lang="en-US"/>
-        </a:p>
-      </c:txPr>
-    </c:legend>
     <c:plotVisOnly val="1"/>
     <c:dispBlanksAs val="gap"/>
     <c:extLst>
@@ -922,9 +793,12 @@
     <c:showDLblsOverMax val="0"/>
   </c:chart>
   <c:spPr>
-    <a:noFill/>
-    <a:ln>
+    <a:solidFill>
+      <a:schemeClr val="bg1"/>
+    </a:solidFill>
+    <a:ln w="9525" cap="flat" cmpd="sng" algn="ctr">
       <a:noFill/>
+      <a:round/>
     </a:ln>
     <a:effectLst/>
   </c:spPr>
@@ -969,11 +843,11 @@
           <c:order val="0"/>
           <c:tx>
             <c:strRef>
-              <c:f>Age!$B$1</c:f>
+              <c:f>CKD!$B$2</c:f>
               <c:strCache>
                 <c:ptCount val="1"/>
                 <c:pt idx="0">
-                  <c:v>Overall</c:v>
+                  <c:v>With CKD</c:v>
                 </c:pt>
               </c:strCache>
             </c:strRef>
@@ -981,9 +855,8 @@
           <c:spPr>
             <a:ln w="44450" cap="rnd">
               <a:solidFill>
-                <a:schemeClr val="tx1"/>
+                <a:schemeClr val="accent1"/>
               </a:solidFill>
-              <a:prstDash val="sysDash"/>
               <a:round/>
             </a:ln>
             <a:effectLst/>
@@ -993,11 +866,11 @@
             <c:size val="5"/>
             <c:spPr>
               <a:solidFill>
-                <a:schemeClr val="tx1"/>
+                <a:schemeClr val="accent1"/>
               </a:solidFill>
               <a:ln w="44450">
                 <a:solidFill>
-                  <a:schemeClr val="tx1"/>
+                  <a:schemeClr val="accent1"/>
                 </a:solidFill>
               </a:ln>
               <a:effectLst/>
@@ -1005,7 +878,7 @@
           </c:marker>
           <c:cat>
             <c:strRef>
-              <c:f>Age!$A$2:$A$6</c:f>
+              <c:f>CKD!$A$3:$A$7</c:f>
               <c:strCache>
                 <c:ptCount val="5"/>
                 <c:pt idx="0">
@@ -1028,24 +901,24 @@
           </c:cat>
           <c:val>
             <c:numRef>
-              <c:f>Age!$B$2:$B$6</c:f>
+              <c:f>CKD!$B$3:$B$7</c:f>
               <c:numCache>
-                <c:formatCode>General</c:formatCode>
+                <c:formatCode>0.0</c:formatCode>
                 <c:ptCount val="5"/>
                 <c:pt idx="0">
-                  <c:v>16.5</c:v>
+                  <c:v>16.399999999999999</c:v>
                 </c:pt>
                 <c:pt idx="1">
-                  <c:v>18.100000000000001</c:v>
+                  <c:v>19.8</c:v>
                 </c:pt>
                 <c:pt idx="2">
-                  <c:v>24.3</c:v>
+                  <c:v>24.8</c:v>
                 </c:pt>
                 <c:pt idx="3">
-                  <c:v>26.5</c:v>
+                  <c:v>28.1</c:v>
                 </c:pt>
                 <c:pt idx="4">
-                  <c:v>28.2</c:v>
+                  <c:v>31</c:v>
                 </c:pt>
               </c:numCache>
             </c:numRef>
@@ -1053,7 +926,7 @@
           <c:smooth val="0"/>
           <c:extLst>
             <c:ext xmlns:c16="http://schemas.microsoft.com/office/drawing/2014/chart" uri="{C3380CC4-5D6E-409C-BE32-E72D297353CC}">
-              <c16:uniqueId val="{00000000-866F-41F9-8C35-61D3887F8E1E}"/>
+              <c16:uniqueId val="{00000000-3A88-4F2D-B7F8-6EFABCF42063}"/>
             </c:ext>
           </c:extLst>
         </c:ser>
@@ -1062,11 +935,11 @@
           <c:order val="1"/>
           <c:tx>
             <c:strRef>
-              <c:f>Age!$C$1</c:f>
+              <c:f>CKD!$C$2</c:f>
               <c:strCache>
                 <c:ptCount val="1"/>
                 <c:pt idx="0">
-                  <c:v>18–39 years</c:v>
+                  <c:v>Without CKD</c:v>
                 </c:pt>
               </c:strCache>
             </c:strRef>
@@ -1074,9 +947,7 @@
           <c:spPr>
             <a:ln w="44450" cap="rnd">
               <a:solidFill>
-                <a:schemeClr val="bg2">
-                  <a:lumMod val="75000"/>
-                </a:schemeClr>
+                <a:schemeClr val="accent2"/>
               </a:solidFill>
               <a:round/>
             </a:ln>
@@ -1087,15 +958,11 @@
             <c:size val="5"/>
             <c:spPr>
               <a:solidFill>
-                <a:schemeClr val="bg2">
-                  <a:lumMod val="75000"/>
-                </a:schemeClr>
+                <a:schemeClr val="accent2"/>
               </a:solidFill>
               <a:ln w="44450">
                 <a:solidFill>
-                  <a:schemeClr val="bg2">
-                    <a:lumMod val="75000"/>
-                  </a:schemeClr>
+                  <a:schemeClr val="accent2"/>
                 </a:solidFill>
               </a:ln>
               <a:effectLst/>
@@ -1103,7 +970,7 @@
           </c:marker>
           <c:cat>
             <c:strRef>
-              <c:f>Age!$A$2:$A$6</c:f>
+              <c:f>CKD!$A$3:$A$7</c:f>
               <c:strCache>
                 <c:ptCount val="5"/>
                 <c:pt idx="0">
@@ -1126,24 +993,24 @@
           </c:cat>
           <c:val>
             <c:numRef>
-              <c:f>Age!$C$2:$C$6</c:f>
+              <c:f>CKD!$C$3:$C$7</c:f>
               <c:numCache>
                 <c:formatCode>0.0</c:formatCode>
                 <c:ptCount val="5"/>
                 <c:pt idx="0">
-                  <c:v>21.9</c:v>
+                  <c:v>16.600000000000001</c:v>
                 </c:pt>
                 <c:pt idx="1">
-                  <c:v>25.1</c:v>
+                  <c:v>17.8</c:v>
                 </c:pt>
                 <c:pt idx="2">
-                  <c:v>32.299999999999997</c:v>
+                  <c:v>24.2</c:v>
                 </c:pt>
                 <c:pt idx="3">
-                  <c:v>34.1</c:v>
+                  <c:v>26.3</c:v>
                 </c:pt>
                 <c:pt idx="4">
-                  <c:v>36</c:v>
+                  <c:v>27.7</c:v>
                 </c:pt>
               </c:numCache>
             </c:numRef>
@@ -1151,291 +1018,7 @@
           <c:smooth val="0"/>
           <c:extLst>
             <c:ext xmlns:c16="http://schemas.microsoft.com/office/drawing/2014/chart" uri="{C3380CC4-5D6E-409C-BE32-E72D297353CC}">
-              <c16:uniqueId val="{00000001-866F-41F9-8C35-61D3887F8E1E}"/>
-            </c:ext>
-          </c:extLst>
-        </c:ser>
-        <c:ser>
-          <c:idx val="2"/>
-          <c:order val="2"/>
-          <c:tx>
-            <c:strRef>
-              <c:f>Age!$D$1</c:f>
-              <c:strCache>
-                <c:ptCount val="1"/>
-                <c:pt idx="0">
-                  <c:v>40–59 years</c:v>
-                </c:pt>
-              </c:strCache>
-            </c:strRef>
-          </c:tx>
-          <c:spPr>
-            <a:ln w="44450" cap="rnd">
-              <a:solidFill>
-                <a:srgbClr val="008080"/>
-              </a:solidFill>
-              <a:round/>
-            </a:ln>
-            <a:effectLst/>
-          </c:spPr>
-          <c:marker>
-            <c:symbol val="circle"/>
-            <c:size val="5"/>
-            <c:spPr>
-              <a:solidFill>
-                <a:srgbClr val="008080"/>
-              </a:solidFill>
-              <a:ln w="44450">
-                <a:solidFill>
-                  <a:srgbClr val="008080"/>
-                </a:solidFill>
-              </a:ln>
-              <a:effectLst/>
-            </c:spPr>
-          </c:marker>
-          <c:cat>
-            <c:strRef>
-              <c:f>Age!$A$2:$A$6</c:f>
-              <c:strCache>
-                <c:ptCount val="5"/>
-                <c:pt idx="0">
-                  <c:v>2001–2004</c:v>
-                </c:pt>
-                <c:pt idx="1">
-                  <c:v>2005–2008</c:v>
-                </c:pt>
-                <c:pt idx="2">
-                  <c:v>2009–2012</c:v>
-                </c:pt>
-                <c:pt idx="3">
-                  <c:v>2013–2016</c:v>
-                </c:pt>
-                <c:pt idx="4">
-                  <c:v>2017–2020</c:v>
-                </c:pt>
-              </c:strCache>
-            </c:strRef>
-          </c:cat>
-          <c:val>
-            <c:numRef>
-              <c:f>Age!$D$2:$D$6</c:f>
-              <c:numCache>
-                <c:formatCode>0.0</c:formatCode>
-                <c:ptCount val="5"/>
-                <c:pt idx="0">
-                  <c:v>14.8</c:v>
-                </c:pt>
-                <c:pt idx="1">
-                  <c:v>15.9</c:v>
-                </c:pt>
-                <c:pt idx="2">
-                  <c:v>24.4</c:v>
-                </c:pt>
-                <c:pt idx="3">
-                  <c:v>25.7</c:v>
-                </c:pt>
-                <c:pt idx="4">
-                  <c:v>27.6</c:v>
-                </c:pt>
-              </c:numCache>
-            </c:numRef>
-          </c:val>
-          <c:smooth val="0"/>
-          <c:extLst>
-            <c:ext xmlns:c16="http://schemas.microsoft.com/office/drawing/2014/chart" uri="{C3380CC4-5D6E-409C-BE32-E72D297353CC}">
-              <c16:uniqueId val="{00000002-866F-41F9-8C35-61D3887F8E1E}"/>
-            </c:ext>
-          </c:extLst>
-        </c:ser>
-        <c:ser>
-          <c:idx val="3"/>
-          <c:order val="3"/>
-          <c:tx>
-            <c:strRef>
-              <c:f>Age!$E$1</c:f>
-              <c:strCache>
-                <c:ptCount val="1"/>
-                <c:pt idx="0">
-                  <c:v>60–69 years</c:v>
-                </c:pt>
-              </c:strCache>
-            </c:strRef>
-          </c:tx>
-          <c:spPr>
-            <a:ln w="44450" cap="rnd">
-              <a:solidFill>
-                <a:schemeClr val="accent5">
-                  <a:lumMod val="75000"/>
-                </a:schemeClr>
-              </a:solidFill>
-              <a:round/>
-            </a:ln>
-            <a:effectLst/>
-          </c:spPr>
-          <c:marker>
-            <c:symbol val="circle"/>
-            <c:size val="5"/>
-            <c:spPr>
-              <a:solidFill>
-                <a:schemeClr val="accent5">
-                  <a:lumMod val="75000"/>
-                </a:schemeClr>
-              </a:solidFill>
-              <a:ln w="44450">
-                <a:solidFill>
-                  <a:schemeClr val="accent5">
-                    <a:lumMod val="75000"/>
-                  </a:schemeClr>
-                </a:solidFill>
-              </a:ln>
-              <a:effectLst/>
-            </c:spPr>
-          </c:marker>
-          <c:cat>
-            <c:strRef>
-              <c:f>Age!$A$2:$A$6</c:f>
-              <c:strCache>
-                <c:ptCount val="5"/>
-                <c:pt idx="0">
-                  <c:v>2001–2004</c:v>
-                </c:pt>
-                <c:pt idx="1">
-                  <c:v>2005–2008</c:v>
-                </c:pt>
-                <c:pt idx="2">
-                  <c:v>2009–2012</c:v>
-                </c:pt>
-                <c:pt idx="3">
-                  <c:v>2013–2016</c:v>
-                </c:pt>
-                <c:pt idx="4">
-                  <c:v>2017–2020</c:v>
-                </c:pt>
-              </c:strCache>
-            </c:strRef>
-          </c:cat>
-          <c:val>
-            <c:numRef>
-              <c:f>Age!$E$2:$E$6</c:f>
-              <c:numCache>
-                <c:formatCode>0.0</c:formatCode>
-                <c:ptCount val="5"/>
-                <c:pt idx="0">
-                  <c:v>9.6</c:v>
-                </c:pt>
-                <c:pt idx="1">
-                  <c:v>11</c:v>
-                </c:pt>
-                <c:pt idx="2">
-                  <c:v>13.6</c:v>
-                </c:pt>
-                <c:pt idx="3">
-                  <c:v>18.600000000000001</c:v>
-                </c:pt>
-                <c:pt idx="4">
-                  <c:v>20.9</c:v>
-                </c:pt>
-              </c:numCache>
-            </c:numRef>
-          </c:val>
-          <c:smooth val="0"/>
-          <c:extLst>
-            <c:ext xmlns:c16="http://schemas.microsoft.com/office/drawing/2014/chart" uri="{C3380CC4-5D6E-409C-BE32-E72D297353CC}">
-              <c16:uniqueId val="{00000003-866F-41F9-8C35-61D3887F8E1E}"/>
-            </c:ext>
-          </c:extLst>
-        </c:ser>
-        <c:ser>
-          <c:idx val="4"/>
-          <c:order val="4"/>
-          <c:tx>
-            <c:strRef>
-              <c:f>Age!$F$1</c:f>
-              <c:strCache>
-                <c:ptCount val="1"/>
-                <c:pt idx="0">
-                  <c:v>70+ years</c:v>
-                </c:pt>
-              </c:strCache>
-            </c:strRef>
-          </c:tx>
-          <c:spPr>
-            <a:ln w="44450" cap="rnd">
-              <a:solidFill>
-                <a:srgbClr val="002060">
-                  <a:alpha val="97000"/>
-                </a:srgbClr>
-              </a:solidFill>
-              <a:round/>
-            </a:ln>
-            <a:effectLst/>
-          </c:spPr>
-          <c:marker>
-            <c:symbol val="circle"/>
-            <c:size val="5"/>
-            <c:spPr>
-              <a:solidFill>
-                <a:srgbClr val="002060"/>
-              </a:solidFill>
-              <a:ln w="44450">
-                <a:solidFill>
-                  <a:srgbClr val="002060"/>
-                </a:solidFill>
-              </a:ln>
-              <a:effectLst/>
-            </c:spPr>
-          </c:marker>
-          <c:cat>
-            <c:strRef>
-              <c:f>Age!$A$2:$A$6</c:f>
-              <c:strCache>
-                <c:ptCount val="5"/>
-                <c:pt idx="0">
-                  <c:v>2001–2004</c:v>
-                </c:pt>
-                <c:pt idx="1">
-                  <c:v>2005–2008</c:v>
-                </c:pt>
-                <c:pt idx="2">
-                  <c:v>2009–2012</c:v>
-                </c:pt>
-                <c:pt idx="3">
-                  <c:v>2013–2016</c:v>
-                </c:pt>
-                <c:pt idx="4">
-                  <c:v>2017–2020</c:v>
-                </c:pt>
-              </c:strCache>
-            </c:strRef>
-          </c:cat>
-          <c:val>
-            <c:numRef>
-              <c:f>Age!$F$2:$F$6</c:f>
-              <c:numCache>
-                <c:formatCode>0.0</c:formatCode>
-                <c:ptCount val="5"/>
-                <c:pt idx="0">
-                  <c:v>8.8000000000000007</c:v>
-                </c:pt>
-                <c:pt idx="1">
-                  <c:v>8.8000000000000007</c:v>
-                </c:pt>
-                <c:pt idx="2">
-                  <c:v>9.3000000000000007</c:v>
-                </c:pt>
-                <c:pt idx="3">
-                  <c:v>15.4</c:v>
-                </c:pt>
-                <c:pt idx="4">
-                  <c:v>16.100000000000001</c:v>
-                </c:pt>
-              </c:numCache>
-            </c:numRef>
-          </c:val>
-          <c:smooth val="0"/>
-          <c:extLst>
-            <c:ext xmlns:c16="http://schemas.microsoft.com/office/drawing/2014/chart" uri="{C3380CC4-5D6E-409C-BE32-E72D297353CC}">
-              <c16:uniqueId val="{00000004-866F-41F9-8C35-61D3887F8E1E}"/>
+              <c16:uniqueId val="{00000001-3A88-4F2D-B7F8-6EFABCF42063}"/>
             </c:ext>
           </c:extLst>
         </c:ser>
@@ -1449,11 +1032,11 @@
         </c:dLbls>
         <c:marker val="1"/>
         <c:smooth val="0"/>
-        <c:axId val="401978095"/>
-        <c:axId val="401978511"/>
+        <c:axId val="1378634431"/>
+        <c:axId val="839905279"/>
       </c:lineChart>
       <c:catAx>
-        <c:axId val="401978095"/>
+        <c:axId val="1378634431"/>
         <c:scaling>
           <c:orientation val="minMax"/>
         </c:scaling>
@@ -1481,9 +1064,9 @@
           <a:lstStyle/>
           <a:p>
             <a:pPr>
-              <a:defRPr sz="2400" b="0" i="0" u="none" strike="noStrike" kern="1200" baseline="0">
+              <a:defRPr sz="2300" b="0" i="0" u="none" strike="noStrike" kern="1200" baseline="0">
                 <a:solidFill>
-                  <a:schemeClr val="tx1"/>
+                  <a:sysClr val="windowText" lastClr="000000"/>
                 </a:solidFill>
                 <a:latin typeface="+mn-lt"/>
                 <a:ea typeface="+mn-ea"/>
@@ -1493,7 +1076,7 @@
             <a:endParaRPr lang="en-US"/>
           </a:p>
         </c:txPr>
-        <c:crossAx val="401978511"/>
+        <c:crossAx val="839905279"/>
         <c:crosses val="autoZero"/>
         <c:auto val="1"/>
         <c:lblAlgn val="ctr"/>
@@ -1501,9 +1084,10 @@
         <c:noMultiLvlLbl val="0"/>
       </c:catAx>
       <c:valAx>
-        <c:axId val="401978511"/>
+        <c:axId val="839905279"/>
         <c:scaling>
           <c:orientation val="minMax"/>
+          <c:max val="40"/>
         </c:scaling>
         <c:delete val="0"/>
         <c:axPos val="l"/>
@@ -1528,9 +1112,9 @@
               <a:lstStyle/>
               <a:p>
                 <a:pPr>
-                  <a:defRPr sz="2800" b="0" i="0" u="none" strike="noStrike" kern="1200" baseline="0">
+                  <a:defRPr sz="2400" b="0" i="0" u="none" strike="noStrike" kern="1200" baseline="0">
                     <a:solidFill>
-                      <a:schemeClr val="tx1"/>
+                      <a:sysClr val="windowText" lastClr="000000"/>
                     </a:solidFill>
                     <a:latin typeface="+mn-lt"/>
                     <a:ea typeface="+mn-ea"/>
@@ -1538,24 +1122,24 @@
                   </a:defRPr>
                 </a:pPr>
                 <a:r>
-                  <a:rPr lang="en-US" sz="2800" dirty="0">
+                  <a:rPr lang="en-US" sz="2400">
                     <a:solidFill>
-                      <a:schemeClr val="tx1"/>
+                      <a:sysClr val="windowText" lastClr="000000"/>
                     </a:solidFill>
                   </a:rPr>
                   <a:t>Food</a:t>
                 </a:r>
                 <a:r>
-                  <a:rPr lang="en-US" sz="2800" baseline="0" dirty="0">
+                  <a:rPr lang="en-US" sz="2400" baseline="0">
                     <a:solidFill>
-                      <a:schemeClr val="tx1"/>
+                      <a:sysClr val="windowText" lastClr="000000"/>
                     </a:solidFill>
                   </a:rPr>
                   <a:t> Insecurity (%)</a:t>
                 </a:r>
-                <a:endParaRPr lang="en-US" sz="2800" dirty="0">
+                <a:endParaRPr lang="en-US" sz="2400">
                   <a:solidFill>
-                    <a:schemeClr val="tx1"/>
+                    <a:sysClr val="windowText" lastClr="000000"/>
                   </a:solidFill>
                 </a:endParaRPr>
               </a:p>
@@ -1565,8 +1149,8 @@
             <c:manualLayout>
               <c:xMode val="edge"/>
               <c:yMode val="edge"/>
-              <c:x val="0"/>
-              <c:y val="0.11018310442979021"/>
+              <c:x val="3.1250000000000002E-3"/>
+              <c:y val="0.13380831832115245"/>
             </c:manualLayout>
           </c:layout>
           <c:overlay val="0"/>
@@ -1582,9 +1166,9 @@
             <a:lstStyle/>
             <a:p>
               <a:pPr>
-                <a:defRPr sz="2800" b="0" i="0" u="none" strike="noStrike" kern="1200" baseline="0">
+                <a:defRPr sz="2400" b="0" i="0" u="none" strike="noStrike" kern="1200" baseline="0">
                   <a:solidFill>
-                    <a:schemeClr val="tx1"/>
+                    <a:sysClr val="windowText" lastClr="000000"/>
                   </a:solidFill>
                   <a:latin typeface="+mn-lt"/>
                   <a:ea typeface="+mn-ea"/>
@@ -1595,7 +1179,7 @@
             </a:p>
           </c:txPr>
         </c:title>
-        <c:numFmt formatCode="General" sourceLinked="1"/>
+        <c:numFmt formatCode="0" sourceLinked="0"/>
         <c:majorTickMark val="none"/>
         <c:minorTickMark val="none"/>
         <c:tickLblPos val="nextTo"/>
@@ -1611,9 +1195,9 @@
           <a:lstStyle/>
           <a:p>
             <a:pPr>
-              <a:defRPr sz="2400" b="0" i="0" u="none" strike="noStrike" kern="1200" baseline="0">
+              <a:defRPr sz="2300" b="0" i="0" u="none" strike="noStrike" kern="1200" baseline="0">
                 <a:solidFill>
-                  <a:schemeClr val="tx1"/>
+                  <a:sysClr val="windowText" lastClr="000000"/>
                 </a:solidFill>
                 <a:latin typeface="+mn-lt"/>
                 <a:ea typeface="+mn-ea"/>
@@ -1623,7 +1207,7 @@
             <a:endParaRPr lang="en-US"/>
           </a:p>
         </c:txPr>
-        <c:crossAx val="401978095"/>
+        <c:crossAx val="1378634431"/>
         <c:crosses val="autoZero"/>
         <c:crossBetween val="between"/>
       </c:valAx>
@@ -1641,10 +1225,10 @@
         <c:manualLayout>
           <c:xMode val="edge"/>
           <c:yMode val="edge"/>
-          <c:x val="0.10888361944566251"/>
-          <c:y val="0.89091606611055796"/>
-          <c:w val="0.87546420500829669"/>
-          <c:h val="9.0904164394195477E-2"/>
+          <c:x val="0.34439361876640429"/>
+          <c:y val="0.91397053718315913"/>
+          <c:w val="0.31121268044619421"/>
+          <c:h val="8.602946281684086E-2"/>
         </c:manualLayout>
       </c:layout>
       <c:overlay val="0"/>
@@ -1660,9 +1244,9 @@
         <a:lstStyle/>
         <a:p>
           <a:pPr>
-            <a:defRPr sz="2400" b="0" i="0" u="none" strike="noStrike" kern="1200" baseline="0">
+            <a:defRPr sz="2200" b="0" i="0" u="none" strike="noStrike" kern="1200" baseline="0">
               <a:solidFill>
-                <a:schemeClr val="tx1"/>
+                <a:sysClr val="windowText" lastClr="000000"/>
               </a:solidFill>
               <a:latin typeface="+mn-lt"/>
               <a:ea typeface="+mn-ea"/>
@@ -1685,9 +1269,12 @@
     <c:showDLblsOverMax val="0"/>
   </c:chart>
   <c:spPr>
-    <a:noFill/>
-    <a:ln>
+    <a:solidFill>
+      <a:schemeClr val="bg1"/>
+    </a:solidFill>
+    <a:ln w="9525" cap="flat" cmpd="sng" algn="ctr">
       <a:noFill/>
+      <a:round/>
     </a:ln>
     <a:effectLst/>
   </c:spPr>
@@ -1732,11 +1319,11 @@
           <c:order val="0"/>
           <c:tx>
             <c:strRef>
-              <c:f>Sex!$B$1</c:f>
+              <c:f>CKD!$I$2</c:f>
               <c:strCache>
                 <c:ptCount val="1"/>
                 <c:pt idx="0">
-                  <c:v>Male</c:v>
+                  <c:v>With CKD</c:v>
                 </c:pt>
               </c:strCache>
             </c:strRef>
@@ -1744,9 +1331,7 @@
           <c:spPr>
             <a:ln w="44450" cap="rnd">
               <a:solidFill>
-                <a:schemeClr val="bg2">
-                  <a:lumMod val="75000"/>
-                </a:schemeClr>
+                <a:schemeClr val="accent1"/>
               </a:solidFill>
               <a:round/>
             </a:ln>
@@ -1757,15 +1342,11 @@
             <c:size val="5"/>
             <c:spPr>
               <a:solidFill>
-                <a:schemeClr val="bg2">
-                  <a:lumMod val="75000"/>
-                </a:schemeClr>
+                <a:schemeClr val="accent1"/>
               </a:solidFill>
               <a:ln w="44450">
                 <a:solidFill>
-                  <a:schemeClr val="bg2">
-                    <a:lumMod val="75000"/>
-                  </a:schemeClr>
+                  <a:schemeClr val="accent1"/>
                 </a:solidFill>
               </a:ln>
               <a:effectLst/>
@@ -1773,7 +1354,7 @@
           </c:marker>
           <c:cat>
             <c:strRef>
-              <c:f>Sex!$A$2:$A$6</c:f>
+              <c:f>CKD!$H$3:$H$7</c:f>
               <c:strCache>
                 <c:ptCount val="5"/>
                 <c:pt idx="0">
@@ -1796,24 +1377,24 @@
           </c:cat>
           <c:val>
             <c:numRef>
-              <c:f>Sex!$B$2:$B$6</c:f>
+              <c:f>CKD!$I$3:$I$7</c:f>
               <c:numCache>
                 <c:formatCode>0.0</c:formatCode>
                 <c:ptCount val="5"/>
                 <c:pt idx="0">
-                  <c:v>15.4</c:v>
+                  <c:v>19.8</c:v>
                 </c:pt>
                 <c:pt idx="1">
-                  <c:v>17.7</c:v>
+                  <c:v>25.1</c:v>
                 </c:pt>
                 <c:pt idx="2">
-                  <c:v>23</c:v>
+                  <c:v>34.1</c:v>
                 </c:pt>
                 <c:pt idx="3">
-                  <c:v>25.4</c:v>
+                  <c:v>34.799999999999997</c:v>
                 </c:pt>
                 <c:pt idx="4">
-                  <c:v>27.1</c:v>
+                  <c:v>38.1</c:v>
                 </c:pt>
               </c:numCache>
             </c:numRef>
@@ -1821,7 +1402,7 @@
           <c:smooth val="0"/>
           <c:extLst>
             <c:ext xmlns:c16="http://schemas.microsoft.com/office/drawing/2014/chart" uri="{C3380CC4-5D6E-409C-BE32-E72D297353CC}">
-              <c16:uniqueId val="{00000000-2E15-4B59-9C46-7E265036CE24}"/>
+              <c16:uniqueId val="{00000000-1436-4F9C-8B9B-17F696AA997B}"/>
             </c:ext>
           </c:extLst>
         </c:ser>
@@ -1830,11 +1411,11 @@
           <c:order val="1"/>
           <c:tx>
             <c:strRef>
-              <c:f>Sex!$C$1</c:f>
+              <c:f>CKD!$J$2</c:f>
               <c:strCache>
                 <c:ptCount val="1"/>
                 <c:pt idx="0">
-                  <c:v>Female</c:v>
+                  <c:v>Without CKD</c:v>
                 </c:pt>
               </c:strCache>
             </c:strRef>
@@ -1842,7 +1423,7 @@
           <c:spPr>
             <a:ln w="44450" cap="rnd">
               <a:solidFill>
-                <a:srgbClr val="008080"/>
+                <a:schemeClr val="accent2"/>
               </a:solidFill>
               <a:round/>
             </a:ln>
@@ -1853,11 +1434,11 @@
             <c:size val="5"/>
             <c:spPr>
               <a:solidFill>
-                <a:srgbClr val="008080"/>
+                <a:schemeClr val="accent2"/>
               </a:solidFill>
               <a:ln w="44450">
                 <a:solidFill>
-                  <a:srgbClr val="008080"/>
+                  <a:schemeClr val="accent2"/>
                 </a:solidFill>
               </a:ln>
               <a:effectLst/>
@@ -1865,7 +1446,7 @@
           </c:marker>
           <c:cat>
             <c:strRef>
-              <c:f>Sex!$A$2:$A$6</c:f>
+              <c:f>CKD!$H$3:$H$7</c:f>
               <c:strCache>
                 <c:ptCount val="5"/>
                 <c:pt idx="0">
@@ -1888,24 +1469,24 @@
           </c:cat>
           <c:val>
             <c:numRef>
-              <c:f>Sex!$C$2:$C$6</c:f>
+              <c:f>CKD!$J$3:$J$7</c:f>
               <c:numCache>
                 <c:formatCode>0.0</c:formatCode>
                 <c:ptCount val="5"/>
                 <c:pt idx="0">
-                  <c:v>17.600000000000001</c:v>
+                  <c:v>15.4</c:v>
                 </c:pt>
                 <c:pt idx="1">
-                  <c:v>18.5</c:v>
+                  <c:v>16.899999999999999</c:v>
                 </c:pt>
                 <c:pt idx="2">
-                  <c:v>25.5</c:v>
+                  <c:v>23.1</c:v>
                 </c:pt>
                 <c:pt idx="3">
-                  <c:v>27.6</c:v>
+                  <c:v>25.7</c:v>
                 </c:pt>
                 <c:pt idx="4">
-                  <c:v>29.2</c:v>
+                  <c:v>27.2</c:v>
                 </c:pt>
               </c:numCache>
             </c:numRef>
@@ -1913,101 +1494,7 @@
           <c:smooth val="0"/>
           <c:extLst>
             <c:ext xmlns:c16="http://schemas.microsoft.com/office/drawing/2014/chart" uri="{C3380CC4-5D6E-409C-BE32-E72D297353CC}">
-              <c16:uniqueId val="{00000001-2E15-4B59-9C46-7E265036CE24}"/>
-            </c:ext>
-          </c:extLst>
-        </c:ser>
-        <c:ser>
-          <c:idx val="2"/>
-          <c:order val="2"/>
-          <c:tx>
-            <c:strRef>
-              <c:f>Sex!$D$1</c:f>
-              <c:strCache>
-                <c:ptCount val="1"/>
-                <c:pt idx="0">
-                  <c:v>Overall</c:v>
-                </c:pt>
-              </c:strCache>
-            </c:strRef>
-          </c:tx>
-          <c:spPr>
-            <a:ln w="44450" cap="rnd">
-              <a:solidFill>
-                <a:schemeClr val="tx1"/>
-              </a:solidFill>
-              <a:prstDash val="sysDash"/>
-              <a:round/>
-            </a:ln>
-            <a:effectLst/>
-          </c:spPr>
-          <c:marker>
-            <c:symbol val="circle"/>
-            <c:size val="5"/>
-            <c:spPr>
-              <a:blipFill>
-                <a:blip xmlns:r="http://schemas.openxmlformats.org/officeDocument/2006/relationships" r:embed="rId3"/>
-                <a:tile tx="0" ty="0" sx="100000" sy="100000" flip="none" algn="tl"/>
-              </a:blipFill>
-              <a:ln w="44450">
-                <a:solidFill>
-                  <a:schemeClr val="tx1"/>
-                </a:solidFill>
-              </a:ln>
-              <a:effectLst/>
-            </c:spPr>
-          </c:marker>
-          <c:cat>
-            <c:strRef>
-              <c:f>Sex!$A$2:$A$6</c:f>
-              <c:strCache>
-                <c:ptCount val="5"/>
-                <c:pt idx="0">
-                  <c:v>2001–2004</c:v>
-                </c:pt>
-                <c:pt idx="1">
-                  <c:v>2005–2008</c:v>
-                </c:pt>
-                <c:pt idx="2">
-                  <c:v>2009–2012</c:v>
-                </c:pt>
-                <c:pt idx="3">
-                  <c:v>2013–2016</c:v>
-                </c:pt>
-                <c:pt idx="4">
-                  <c:v>2017–2020</c:v>
-                </c:pt>
-              </c:strCache>
-            </c:strRef>
-          </c:cat>
-          <c:val>
-            <c:numRef>
-              <c:f>Sex!$D$2:$D$6</c:f>
-              <c:numCache>
-                <c:formatCode>General</c:formatCode>
-                <c:ptCount val="5"/>
-                <c:pt idx="0">
-                  <c:v>16.5</c:v>
-                </c:pt>
-                <c:pt idx="1">
-                  <c:v>18.100000000000001</c:v>
-                </c:pt>
-                <c:pt idx="2">
-                  <c:v>24.3</c:v>
-                </c:pt>
-                <c:pt idx="3">
-                  <c:v>26.5</c:v>
-                </c:pt>
-                <c:pt idx="4">
-                  <c:v>28.2</c:v>
-                </c:pt>
-              </c:numCache>
-            </c:numRef>
-          </c:val>
-          <c:smooth val="0"/>
-          <c:extLst>
-            <c:ext xmlns:c16="http://schemas.microsoft.com/office/drawing/2014/chart" uri="{C3380CC4-5D6E-409C-BE32-E72D297353CC}">
-              <c16:uniqueId val="{00000002-2E15-4B59-9C46-7E265036CE24}"/>
+              <c16:uniqueId val="{00000001-1436-4F9C-8B9B-17F696AA997B}"/>
             </c:ext>
           </c:extLst>
         </c:ser>
@@ -2021,11 +1508,11 @@
         </c:dLbls>
         <c:marker val="1"/>
         <c:smooth val="0"/>
-        <c:axId val="331637151"/>
-        <c:axId val="331636735"/>
+        <c:axId val="1776512079"/>
+        <c:axId val="1776514991"/>
       </c:lineChart>
       <c:catAx>
-        <c:axId val="331637151"/>
+        <c:axId val="1776512079"/>
         <c:scaling>
           <c:orientation val="minMax"/>
         </c:scaling>
@@ -2053,9 +1540,9 @@
           <a:lstStyle/>
           <a:p>
             <a:pPr>
-              <a:defRPr sz="2400" b="0" i="0" u="none" strike="noStrike" kern="1200" baseline="0">
+              <a:defRPr sz="2300" b="0" i="0" u="none" strike="noStrike" kern="1200" baseline="0">
                 <a:solidFill>
-                  <a:schemeClr val="tx1"/>
+                  <a:sysClr val="windowText" lastClr="000000"/>
                 </a:solidFill>
                 <a:latin typeface="+mn-lt"/>
                 <a:ea typeface="+mn-ea"/>
@@ -2065,7 +1552,7 @@
             <a:endParaRPr lang="en-US"/>
           </a:p>
         </c:txPr>
-        <c:crossAx val="331636735"/>
+        <c:crossAx val="1776514991"/>
         <c:crosses val="autoZero"/>
         <c:auto val="1"/>
         <c:lblAlgn val="ctr"/>
@@ -2073,10 +1560,10 @@
         <c:noMultiLvlLbl val="0"/>
       </c:catAx>
       <c:valAx>
-        <c:axId val="331636735"/>
+        <c:axId val="1776514991"/>
         <c:scaling>
           <c:orientation val="minMax"/>
-          <c:max val="30"/>
+          <c:max val="40"/>
         </c:scaling>
         <c:delete val="0"/>
         <c:axPos val="l"/>
@@ -2101,9 +1588,9 @@
               <a:lstStyle/>
               <a:p>
                 <a:pPr>
-                  <a:defRPr sz="2800" b="0" i="0" u="none" strike="noStrike" kern="1200" baseline="0">
+                  <a:defRPr sz="2400" b="0" i="0" u="none" strike="noStrike" kern="1200" baseline="0">
                     <a:solidFill>
-                      <a:schemeClr val="tx1"/>
+                      <a:sysClr val="windowText" lastClr="000000"/>
                     </a:solidFill>
                     <a:latin typeface="+mn-lt"/>
                     <a:ea typeface="+mn-ea"/>
@@ -2111,24 +1598,24 @@
                   </a:defRPr>
                 </a:pPr>
                 <a:r>
-                  <a:rPr lang="en-US" sz="2800" dirty="0">
+                  <a:rPr lang="en-US" sz="2400" dirty="0">
                     <a:solidFill>
-                      <a:schemeClr val="tx1"/>
+                      <a:sysClr val="windowText" lastClr="000000"/>
                     </a:solidFill>
                   </a:rPr>
                   <a:t>Food</a:t>
                 </a:r>
                 <a:r>
-                  <a:rPr lang="en-US" sz="2800" baseline="0" dirty="0">
+                  <a:rPr lang="en-US" sz="2400" baseline="0" dirty="0">
                     <a:solidFill>
-                      <a:schemeClr val="tx1"/>
+                      <a:sysClr val="windowText" lastClr="000000"/>
                     </a:solidFill>
                   </a:rPr>
                   <a:t> Insecurity (%)</a:t>
                 </a:r>
-                <a:endParaRPr lang="en-US" sz="2800" dirty="0">
+                <a:endParaRPr lang="en-US" sz="2400" dirty="0">
                   <a:solidFill>
-                    <a:schemeClr val="tx1"/>
+                    <a:sysClr val="windowText" lastClr="000000"/>
                   </a:solidFill>
                 </a:endParaRPr>
               </a:p>
@@ -2138,8 +1625,8 @@
             <c:manualLayout>
               <c:xMode val="edge"/>
               <c:yMode val="edge"/>
-              <c:x val="0"/>
-              <c:y val="0.10431303662973075"/>
+              <c:x val="3.1250002563156377E-3"/>
+              <c:y val="0.13380813825982424"/>
             </c:manualLayout>
           </c:layout>
           <c:overlay val="0"/>
@@ -2155,9 +1642,9 @@
             <a:lstStyle/>
             <a:p>
               <a:pPr>
-                <a:defRPr sz="2800" b="0" i="0" u="none" strike="noStrike" kern="1200" baseline="0">
+                <a:defRPr sz="2400" b="0" i="0" u="none" strike="noStrike" kern="1200" baseline="0">
                   <a:solidFill>
-                    <a:schemeClr val="tx1"/>
+                    <a:sysClr val="windowText" lastClr="000000"/>
                   </a:solidFill>
                   <a:latin typeface="+mn-lt"/>
                   <a:ea typeface="+mn-ea"/>
@@ -2184,9 +1671,9 @@
           <a:lstStyle/>
           <a:p>
             <a:pPr>
-              <a:defRPr sz="2400" b="0" i="0" u="none" strike="noStrike" kern="1200" baseline="0">
+              <a:defRPr sz="2300" b="0" i="0" u="none" strike="noStrike" kern="1200" baseline="0">
                 <a:solidFill>
-                  <a:schemeClr val="tx1"/>
+                  <a:sysClr val="windowText" lastClr="000000"/>
                 </a:solidFill>
                 <a:latin typeface="+mn-lt"/>
                 <a:ea typeface="+mn-ea"/>
@@ -2196,7 +1683,7 @@
             <a:endParaRPr lang="en-US"/>
           </a:p>
         </c:txPr>
-        <c:crossAx val="331637151"/>
+        <c:crossAx val="1776512079"/>
         <c:crosses val="autoZero"/>
         <c:crossBetween val="between"/>
       </c:valAx>
@@ -2210,6 +1697,16 @@
     </c:plotArea>
     <c:legend>
       <c:legendPos val="b"/>
+      <c:layout>
+        <c:manualLayout>
+          <c:xMode val="edge"/>
+          <c:yMode val="edge"/>
+          <c:x val="0.34439364701391467"/>
+          <c:y val="0.91397051929961248"/>
+          <c:w val="0.31121270597217077"/>
+          <c:h val="8.6029480700387503E-2"/>
+        </c:manualLayout>
+      </c:layout>
       <c:overlay val="0"/>
       <c:spPr>
         <a:noFill/>
@@ -2223,9 +1720,9 @@
         <a:lstStyle/>
         <a:p>
           <a:pPr>
-            <a:defRPr sz="2400" b="0" i="0" u="none" strike="noStrike" kern="1200" baseline="0">
+            <a:defRPr sz="2200" b="0" i="0" u="none" strike="noStrike" kern="1200" baseline="0">
               <a:solidFill>
-                <a:schemeClr val="tx1"/>
+                <a:sysClr val="windowText" lastClr="000000"/>
               </a:solidFill>
               <a:latin typeface="+mn-lt"/>
               <a:ea typeface="+mn-ea"/>
@@ -2248,2461 +1745,12 @@
     <c:showDLblsOverMax val="0"/>
   </c:chart>
   <c:spPr>
-    <a:noFill/>
-    <a:ln>
+    <a:solidFill>
+      <a:schemeClr val="bg1"/>
+    </a:solidFill>
+    <a:ln w="9525" cap="flat" cmpd="sng" algn="ctr">
       <a:noFill/>
-    </a:ln>
-    <a:effectLst/>
-  </c:spPr>
-  <c:txPr>
-    <a:bodyPr/>
-    <a:lstStyle/>
-    <a:p>
-      <a:pPr>
-        <a:defRPr/>
-      </a:pPr>
-      <a:endParaRPr lang="en-US"/>
-    </a:p>
-  </c:txPr>
-  <c:externalData r:id="rId4">
-    <c:autoUpdate val="0"/>
-  </c:externalData>
-</c:chartSpace>
-</file>
-
-<file path=ppt/charts/chart5.xml><?xml version="1.0" encoding="utf-8"?>
-<c:chartSpace xmlns:c="http://schemas.openxmlformats.org/drawingml/2006/chart" xmlns:a="http://schemas.openxmlformats.org/drawingml/2006/main" xmlns:r="http://schemas.openxmlformats.org/officeDocument/2006/relationships" xmlns:c16r2="http://schemas.microsoft.com/office/drawing/2015/06/chart">
-  <c:date1904 val="0"/>
-  <c:lang val="en-US"/>
-  <c:roundedCorners val="0"/>
-  <mc:AlternateContent xmlns:mc="http://schemas.openxmlformats.org/markup-compatibility/2006">
-    <mc:Choice xmlns:c14="http://schemas.microsoft.com/office/drawing/2007/8/2/chart" Requires="c14">
-      <c14:style val="102"/>
-    </mc:Choice>
-    <mc:Fallback>
-      <c:style val="2"/>
-    </mc:Fallback>
-  </mc:AlternateContent>
-  <c:chart>
-    <c:autoTitleDeleted val="1"/>
-    <c:plotArea>
-      <c:layout/>
-      <c:lineChart>
-        <c:grouping val="standard"/>
-        <c:varyColors val="0"/>
-        <c:ser>
-          <c:idx val="0"/>
-          <c:order val="0"/>
-          <c:tx>
-            <c:strRef>
-              <c:f>Race!$B$1</c:f>
-              <c:strCache>
-                <c:ptCount val="1"/>
-                <c:pt idx="0">
-                  <c:v>Overall</c:v>
-                </c:pt>
-              </c:strCache>
-            </c:strRef>
-          </c:tx>
-          <c:spPr>
-            <a:ln w="44450" cap="rnd">
-              <a:solidFill>
-                <a:schemeClr val="tx1"/>
-              </a:solidFill>
-              <a:prstDash val="sysDash"/>
-              <a:round/>
-            </a:ln>
-            <a:effectLst/>
-          </c:spPr>
-          <c:marker>
-            <c:symbol val="circle"/>
-            <c:size val="5"/>
-            <c:spPr>
-              <a:solidFill>
-                <a:schemeClr val="tx1">
-                  <a:alpha val="97000"/>
-                </a:schemeClr>
-              </a:solidFill>
-              <a:ln w="44450">
-                <a:solidFill>
-                  <a:schemeClr val="tx1"/>
-                </a:solidFill>
-              </a:ln>
-              <a:effectLst/>
-            </c:spPr>
-          </c:marker>
-          <c:cat>
-            <c:strRef>
-              <c:f>Race!$A$2:$A$6</c:f>
-              <c:strCache>
-                <c:ptCount val="5"/>
-                <c:pt idx="0">
-                  <c:v>2001–2004</c:v>
-                </c:pt>
-                <c:pt idx="1">
-                  <c:v>2005–2008</c:v>
-                </c:pt>
-                <c:pt idx="2">
-                  <c:v>2009–2012</c:v>
-                </c:pt>
-                <c:pt idx="3">
-                  <c:v>2013–2016</c:v>
-                </c:pt>
-                <c:pt idx="4">
-                  <c:v>2017–2020</c:v>
-                </c:pt>
-              </c:strCache>
-            </c:strRef>
-          </c:cat>
-          <c:val>
-            <c:numRef>
-              <c:f>Race!$B$2:$B$6</c:f>
-              <c:numCache>
-                <c:formatCode>General</c:formatCode>
-                <c:ptCount val="5"/>
-                <c:pt idx="0">
-                  <c:v>16.5</c:v>
-                </c:pt>
-                <c:pt idx="1">
-                  <c:v>18.100000000000001</c:v>
-                </c:pt>
-                <c:pt idx="2">
-                  <c:v>24.3</c:v>
-                </c:pt>
-                <c:pt idx="3">
-                  <c:v>26.5</c:v>
-                </c:pt>
-                <c:pt idx="4">
-                  <c:v>28.2</c:v>
-                </c:pt>
-              </c:numCache>
-            </c:numRef>
-          </c:val>
-          <c:smooth val="0"/>
-          <c:extLst>
-            <c:ext xmlns:c16="http://schemas.microsoft.com/office/drawing/2014/chart" uri="{C3380CC4-5D6E-409C-BE32-E72D297353CC}">
-              <c16:uniqueId val="{00000000-05B2-4DDF-BED5-0B810016B20F}"/>
-            </c:ext>
-          </c:extLst>
-        </c:ser>
-        <c:ser>
-          <c:idx val="1"/>
-          <c:order val="1"/>
-          <c:tx>
-            <c:strRef>
-              <c:f>Race!$C$1</c:f>
-              <c:strCache>
-                <c:ptCount val="1"/>
-                <c:pt idx="0">
-                  <c:v>Hispanic</c:v>
-                </c:pt>
-              </c:strCache>
-            </c:strRef>
-          </c:tx>
-          <c:spPr>
-            <a:ln w="44450" cap="rnd">
-              <a:solidFill>
-                <a:schemeClr val="accent5">
-                  <a:lumMod val="75000"/>
-                </a:schemeClr>
-              </a:solidFill>
-              <a:round/>
-            </a:ln>
-            <a:effectLst/>
-          </c:spPr>
-          <c:marker>
-            <c:symbol val="circle"/>
-            <c:size val="5"/>
-            <c:spPr>
-              <a:solidFill>
-                <a:schemeClr val="accent5">
-                  <a:lumMod val="75000"/>
-                </a:schemeClr>
-              </a:solidFill>
-              <a:ln w="44450">
-                <a:solidFill>
-                  <a:schemeClr val="accent5">
-                    <a:lumMod val="75000"/>
-                  </a:schemeClr>
-                </a:solidFill>
-              </a:ln>
-              <a:effectLst/>
-            </c:spPr>
-          </c:marker>
-          <c:cat>
-            <c:strRef>
-              <c:f>Race!$A$2:$A$6</c:f>
-              <c:strCache>
-                <c:ptCount val="5"/>
-                <c:pt idx="0">
-                  <c:v>2001–2004</c:v>
-                </c:pt>
-                <c:pt idx="1">
-                  <c:v>2005–2008</c:v>
-                </c:pt>
-                <c:pt idx="2">
-                  <c:v>2009–2012</c:v>
-                </c:pt>
-                <c:pt idx="3">
-                  <c:v>2013–2016</c:v>
-                </c:pt>
-                <c:pt idx="4">
-                  <c:v>2017–2020</c:v>
-                </c:pt>
-              </c:strCache>
-            </c:strRef>
-          </c:cat>
-          <c:val>
-            <c:numRef>
-              <c:f>Race!$C$2:$C$6</c:f>
-              <c:numCache>
-                <c:formatCode>0.0</c:formatCode>
-                <c:ptCount val="5"/>
-                <c:pt idx="0">
-                  <c:v>38.200000000000003</c:v>
-                </c:pt>
-                <c:pt idx="1">
-                  <c:v>40.799999999999997</c:v>
-                </c:pt>
-                <c:pt idx="2">
-                  <c:v>47</c:v>
-                </c:pt>
-                <c:pt idx="3">
-                  <c:v>47.6</c:v>
-                </c:pt>
-                <c:pt idx="4">
-                  <c:v>50.1</c:v>
-                </c:pt>
-              </c:numCache>
-            </c:numRef>
-          </c:val>
-          <c:smooth val="0"/>
-          <c:extLst>
-            <c:ext xmlns:c16="http://schemas.microsoft.com/office/drawing/2014/chart" uri="{C3380CC4-5D6E-409C-BE32-E72D297353CC}">
-              <c16:uniqueId val="{00000001-05B2-4DDF-BED5-0B810016B20F}"/>
-            </c:ext>
-          </c:extLst>
-        </c:ser>
-        <c:ser>
-          <c:idx val="2"/>
-          <c:order val="2"/>
-          <c:tx>
-            <c:strRef>
-              <c:f>Race!$D$1</c:f>
-              <c:strCache>
-                <c:ptCount val="1"/>
-                <c:pt idx="0">
-                  <c:v>Non-Hispanic Black</c:v>
-                </c:pt>
-              </c:strCache>
-            </c:strRef>
-          </c:tx>
-          <c:spPr>
-            <a:ln w="44450" cap="rnd">
-              <a:solidFill>
-                <a:srgbClr val="008080"/>
-              </a:solidFill>
-              <a:round/>
-            </a:ln>
-            <a:effectLst/>
-          </c:spPr>
-          <c:marker>
-            <c:symbol val="circle"/>
-            <c:size val="5"/>
-            <c:spPr>
-              <a:solidFill>
-                <a:srgbClr val="008080"/>
-              </a:solidFill>
-              <a:ln w="44450">
-                <a:solidFill>
-                  <a:srgbClr val="008080"/>
-                </a:solidFill>
-              </a:ln>
-              <a:effectLst/>
-            </c:spPr>
-          </c:marker>
-          <c:cat>
-            <c:strRef>
-              <c:f>Race!$A$2:$A$6</c:f>
-              <c:strCache>
-                <c:ptCount val="5"/>
-                <c:pt idx="0">
-                  <c:v>2001–2004</c:v>
-                </c:pt>
-                <c:pt idx="1">
-                  <c:v>2005–2008</c:v>
-                </c:pt>
-                <c:pt idx="2">
-                  <c:v>2009–2012</c:v>
-                </c:pt>
-                <c:pt idx="3">
-                  <c:v>2013–2016</c:v>
-                </c:pt>
-                <c:pt idx="4">
-                  <c:v>2017–2020</c:v>
-                </c:pt>
-              </c:strCache>
-            </c:strRef>
-          </c:cat>
-          <c:val>
-            <c:numRef>
-              <c:f>Race!$D$2:$D$6</c:f>
-              <c:numCache>
-                <c:formatCode>0.0</c:formatCode>
-                <c:ptCount val="5"/>
-                <c:pt idx="0">
-                  <c:v>29</c:v>
-                </c:pt>
-                <c:pt idx="1">
-                  <c:v>30</c:v>
-                </c:pt>
-                <c:pt idx="2">
-                  <c:v>43.2</c:v>
-                </c:pt>
-                <c:pt idx="3">
-                  <c:v>41.8</c:v>
-                </c:pt>
-                <c:pt idx="4">
-                  <c:v>43.8</c:v>
-                </c:pt>
-              </c:numCache>
-            </c:numRef>
-          </c:val>
-          <c:smooth val="0"/>
-          <c:extLst>
-            <c:ext xmlns:c16="http://schemas.microsoft.com/office/drawing/2014/chart" uri="{C3380CC4-5D6E-409C-BE32-E72D297353CC}">
-              <c16:uniqueId val="{00000002-05B2-4DDF-BED5-0B810016B20F}"/>
-            </c:ext>
-          </c:extLst>
-        </c:ser>
-        <c:ser>
-          <c:idx val="3"/>
-          <c:order val="3"/>
-          <c:tx>
-            <c:strRef>
-              <c:f>Race!$E$1</c:f>
-              <c:strCache>
-                <c:ptCount val="1"/>
-                <c:pt idx="0">
-                  <c:v>Non-Hispanic White</c:v>
-                </c:pt>
-              </c:strCache>
-            </c:strRef>
-          </c:tx>
-          <c:spPr>
-            <a:ln w="44450" cap="rnd">
-              <a:solidFill>
-                <a:schemeClr val="bg2">
-                  <a:lumMod val="75000"/>
-                </a:schemeClr>
-              </a:solidFill>
-              <a:round/>
-            </a:ln>
-            <a:effectLst/>
-          </c:spPr>
-          <c:marker>
-            <c:symbol val="circle"/>
-            <c:size val="5"/>
-            <c:spPr>
-              <a:solidFill>
-                <a:schemeClr val="bg2">
-                  <a:lumMod val="75000"/>
-                </a:schemeClr>
-              </a:solidFill>
-              <a:ln w="44450">
-                <a:solidFill>
-                  <a:schemeClr val="bg2">
-                    <a:lumMod val="75000"/>
-                  </a:schemeClr>
-                </a:solidFill>
-              </a:ln>
-              <a:effectLst/>
-            </c:spPr>
-          </c:marker>
-          <c:cat>
-            <c:strRef>
-              <c:f>Race!$A$2:$A$6</c:f>
-              <c:strCache>
-                <c:ptCount val="5"/>
-                <c:pt idx="0">
-                  <c:v>2001–2004</c:v>
-                </c:pt>
-                <c:pt idx="1">
-                  <c:v>2005–2008</c:v>
-                </c:pt>
-                <c:pt idx="2">
-                  <c:v>2009–2012</c:v>
-                </c:pt>
-                <c:pt idx="3">
-                  <c:v>2013–2016</c:v>
-                </c:pt>
-                <c:pt idx="4">
-                  <c:v>2017–2020</c:v>
-                </c:pt>
-              </c:strCache>
-            </c:strRef>
-          </c:cat>
-          <c:val>
-            <c:numRef>
-              <c:f>Race!$E$2:$E$6</c:f>
-              <c:numCache>
-                <c:formatCode>0.0</c:formatCode>
-                <c:ptCount val="5"/>
-                <c:pt idx="0">
-                  <c:v>11.3</c:v>
-                </c:pt>
-                <c:pt idx="1">
-                  <c:v>12.1</c:v>
-                </c:pt>
-                <c:pt idx="2">
-                  <c:v>16.7</c:v>
-                </c:pt>
-                <c:pt idx="3">
-                  <c:v>19.399999999999999</c:v>
-                </c:pt>
-                <c:pt idx="4">
-                  <c:v>19.600000000000001</c:v>
-                </c:pt>
-              </c:numCache>
-            </c:numRef>
-          </c:val>
-          <c:smooth val="0"/>
-          <c:extLst>
-            <c:ext xmlns:c16="http://schemas.microsoft.com/office/drawing/2014/chart" uri="{C3380CC4-5D6E-409C-BE32-E72D297353CC}">
-              <c16:uniqueId val="{00000003-05B2-4DDF-BED5-0B810016B20F}"/>
-            </c:ext>
-          </c:extLst>
-        </c:ser>
-        <c:ser>
-          <c:idx val="4"/>
-          <c:order val="4"/>
-          <c:tx>
-            <c:strRef>
-              <c:f>Race!$F$1</c:f>
-              <c:strCache>
-                <c:ptCount val="1"/>
-                <c:pt idx="0">
-                  <c:v>Other</c:v>
-                </c:pt>
-              </c:strCache>
-            </c:strRef>
-          </c:tx>
-          <c:spPr>
-            <a:ln w="44450" cap="rnd">
-              <a:solidFill>
-                <a:srgbClr val="002060"/>
-              </a:solidFill>
-              <a:round/>
-            </a:ln>
-            <a:effectLst/>
-          </c:spPr>
-          <c:marker>
-            <c:symbol val="circle"/>
-            <c:size val="5"/>
-            <c:spPr>
-              <a:solidFill>
-                <a:srgbClr val="002060"/>
-              </a:solidFill>
-              <a:ln w="44450">
-                <a:solidFill>
-                  <a:srgbClr val="002060"/>
-                </a:solidFill>
-              </a:ln>
-              <a:effectLst/>
-            </c:spPr>
-          </c:marker>
-          <c:cat>
-            <c:strRef>
-              <c:f>Race!$A$2:$A$6</c:f>
-              <c:strCache>
-                <c:ptCount val="5"/>
-                <c:pt idx="0">
-                  <c:v>2001–2004</c:v>
-                </c:pt>
-                <c:pt idx="1">
-                  <c:v>2005–2008</c:v>
-                </c:pt>
-                <c:pt idx="2">
-                  <c:v>2009–2012</c:v>
-                </c:pt>
-                <c:pt idx="3">
-                  <c:v>2013–2016</c:v>
-                </c:pt>
-                <c:pt idx="4">
-                  <c:v>2017–2020</c:v>
-                </c:pt>
-              </c:strCache>
-            </c:strRef>
-          </c:cat>
-          <c:val>
-            <c:numRef>
-              <c:f>Race!$F$2:$F$6</c:f>
-              <c:numCache>
-                <c:formatCode>0.0</c:formatCode>
-                <c:ptCount val="5"/>
-                <c:pt idx="0">
-                  <c:v>12.4</c:v>
-                </c:pt>
-                <c:pt idx="1">
-                  <c:v>21.2</c:v>
-                </c:pt>
-                <c:pt idx="2">
-                  <c:v>21.7</c:v>
-                </c:pt>
-                <c:pt idx="3">
-                  <c:v>24.5</c:v>
-                </c:pt>
-                <c:pt idx="4">
-                  <c:v>30.7</c:v>
-                </c:pt>
-              </c:numCache>
-            </c:numRef>
-          </c:val>
-          <c:smooth val="0"/>
-          <c:extLst>
-            <c:ext xmlns:c16="http://schemas.microsoft.com/office/drawing/2014/chart" uri="{C3380CC4-5D6E-409C-BE32-E72D297353CC}">
-              <c16:uniqueId val="{00000004-05B2-4DDF-BED5-0B810016B20F}"/>
-            </c:ext>
-          </c:extLst>
-        </c:ser>
-        <c:dLbls>
-          <c:showLegendKey val="0"/>
-          <c:showVal val="0"/>
-          <c:showCatName val="0"/>
-          <c:showSerName val="0"/>
-          <c:showPercent val="0"/>
-          <c:showBubbleSize val="0"/>
-        </c:dLbls>
-        <c:marker val="1"/>
-        <c:smooth val="0"/>
-        <c:axId val="401981007"/>
-        <c:axId val="401979343"/>
-      </c:lineChart>
-      <c:catAx>
-        <c:axId val="401981007"/>
-        <c:scaling>
-          <c:orientation val="minMax"/>
-        </c:scaling>
-        <c:delete val="0"/>
-        <c:axPos val="b"/>
-        <c:numFmt formatCode="General" sourceLinked="1"/>
-        <c:majorTickMark val="none"/>
-        <c:minorTickMark val="none"/>
-        <c:tickLblPos val="nextTo"/>
-        <c:spPr>
-          <a:noFill/>
-          <a:ln w="9525" cap="flat" cmpd="sng" algn="ctr">
-            <a:solidFill>
-              <a:schemeClr val="tx1">
-                <a:lumMod val="15000"/>
-                <a:lumOff val="85000"/>
-              </a:schemeClr>
-            </a:solidFill>
-            <a:round/>
-          </a:ln>
-          <a:effectLst/>
-        </c:spPr>
-        <c:txPr>
-          <a:bodyPr rot="-60000000" spcFirstLastPara="1" vertOverflow="ellipsis" vert="horz" wrap="square" anchor="ctr" anchorCtr="1"/>
-          <a:lstStyle/>
-          <a:p>
-            <a:pPr>
-              <a:defRPr sz="2400" b="0" i="0" u="none" strike="noStrike" kern="1200" baseline="0">
-                <a:solidFill>
-                  <a:schemeClr val="tx1"/>
-                </a:solidFill>
-                <a:latin typeface="+mn-lt"/>
-                <a:ea typeface="+mn-ea"/>
-                <a:cs typeface="+mn-cs"/>
-              </a:defRPr>
-            </a:pPr>
-            <a:endParaRPr lang="en-US"/>
-          </a:p>
-        </c:txPr>
-        <c:crossAx val="401979343"/>
-        <c:crosses val="autoZero"/>
-        <c:auto val="1"/>
-        <c:lblAlgn val="ctr"/>
-        <c:lblOffset val="100"/>
-        <c:noMultiLvlLbl val="0"/>
-      </c:catAx>
-      <c:valAx>
-        <c:axId val="401979343"/>
-        <c:scaling>
-          <c:orientation val="minMax"/>
-        </c:scaling>
-        <c:delete val="0"/>
-        <c:axPos val="l"/>
-        <c:majorGridlines>
-          <c:spPr>
-            <a:ln w="9525" cap="flat" cmpd="sng" algn="ctr">
-              <a:solidFill>
-                <a:schemeClr val="tx1">
-                  <a:lumMod val="15000"/>
-                  <a:lumOff val="85000"/>
-                </a:schemeClr>
-              </a:solidFill>
-              <a:round/>
-            </a:ln>
-            <a:effectLst/>
-          </c:spPr>
-        </c:majorGridlines>
-        <c:title>
-          <c:tx>
-            <c:rich>
-              <a:bodyPr rot="-5400000" spcFirstLastPara="1" vertOverflow="ellipsis" vert="horz" wrap="square" anchor="ctr" anchorCtr="1"/>
-              <a:lstStyle/>
-              <a:p>
-                <a:pPr>
-                  <a:defRPr sz="2800" b="0" i="0" u="none" strike="noStrike" kern="1200" baseline="0">
-                    <a:solidFill>
-                      <a:schemeClr val="tx1"/>
-                    </a:solidFill>
-                    <a:latin typeface="+mn-lt"/>
-                    <a:ea typeface="+mn-ea"/>
-                    <a:cs typeface="+mn-cs"/>
-                  </a:defRPr>
-                </a:pPr>
-                <a:r>
-                  <a:rPr lang="en-US" sz="2800" dirty="0">
-                    <a:solidFill>
-                      <a:schemeClr val="tx1"/>
-                    </a:solidFill>
-                  </a:rPr>
-                  <a:t>Food</a:t>
-                </a:r>
-                <a:r>
-                  <a:rPr lang="en-US" sz="2800" baseline="0" dirty="0">
-                    <a:solidFill>
-                      <a:schemeClr val="tx1"/>
-                    </a:solidFill>
-                  </a:rPr>
-                  <a:t> Insecurity (%)</a:t>
-                </a:r>
-                <a:endParaRPr lang="en-US" sz="2800" dirty="0">
-                  <a:solidFill>
-                    <a:schemeClr val="tx1"/>
-                  </a:solidFill>
-                </a:endParaRPr>
-              </a:p>
-            </c:rich>
-          </c:tx>
-          <c:layout>
-            <c:manualLayout>
-              <c:xMode val="edge"/>
-              <c:yMode val="edge"/>
-              <c:x val="0"/>
-              <c:y val="0.10391549867033684"/>
-            </c:manualLayout>
-          </c:layout>
-          <c:overlay val="0"/>
-          <c:spPr>
-            <a:noFill/>
-            <a:ln>
-              <a:noFill/>
-            </a:ln>
-            <a:effectLst/>
-          </c:spPr>
-          <c:txPr>
-            <a:bodyPr rot="-5400000" spcFirstLastPara="1" vertOverflow="ellipsis" vert="horz" wrap="square" anchor="ctr" anchorCtr="1"/>
-            <a:lstStyle/>
-            <a:p>
-              <a:pPr>
-                <a:defRPr sz="2800" b="0" i="0" u="none" strike="noStrike" kern="1200" baseline="0">
-                  <a:solidFill>
-                    <a:schemeClr val="tx1"/>
-                  </a:solidFill>
-                  <a:latin typeface="+mn-lt"/>
-                  <a:ea typeface="+mn-ea"/>
-                  <a:cs typeface="+mn-cs"/>
-                </a:defRPr>
-              </a:pPr>
-              <a:endParaRPr lang="en-US"/>
-            </a:p>
-          </c:txPr>
-        </c:title>
-        <c:numFmt formatCode="General" sourceLinked="1"/>
-        <c:majorTickMark val="none"/>
-        <c:minorTickMark val="none"/>
-        <c:tickLblPos val="nextTo"/>
-        <c:spPr>
-          <a:noFill/>
-          <a:ln>
-            <a:noFill/>
-          </a:ln>
-          <a:effectLst/>
-        </c:spPr>
-        <c:txPr>
-          <a:bodyPr rot="-60000000" spcFirstLastPara="1" vertOverflow="ellipsis" vert="horz" wrap="square" anchor="ctr" anchorCtr="1"/>
-          <a:lstStyle/>
-          <a:p>
-            <a:pPr>
-              <a:defRPr sz="2400" b="0" i="0" u="none" strike="noStrike" kern="1200" baseline="0">
-                <a:solidFill>
-                  <a:schemeClr val="tx1"/>
-                </a:solidFill>
-                <a:latin typeface="+mn-lt"/>
-                <a:ea typeface="+mn-ea"/>
-                <a:cs typeface="+mn-cs"/>
-              </a:defRPr>
-            </a:pPr>
-            <a:endParaRPr lang="en-US"/>
-          </a:p>
-        </c:txPr>
-        <c:crossAx val="401981007"/>
-        <c:crosses val="autoZero"/>
-        <c:crossBetween val="between"/>
-      </c:valAx>
-      <c:spPr>
-        <a:noFill/>
-        <a:ln>
-          <a:noFill/>
-        </a:ln>
-        <a:effectLst/>
-      </c:spPr>
-    </c:plotArea>
-    <c:legend>
-      <c:legendPos val="b"/>
-      <c:layout>
-        <c:manualLayout>
-          <c:xMode val="edge"/>
-          <c:yMode val="edge"/>
-          <c:x val="8.1438534668735713E-2"/>
-          <c:y val="0.89061964620645628"/>
-          <c:w val="0.89999992317489808"/>
-          <c:h val="9.1151183388940168E-2"/>
-        </c:manualLayout>
-      </c:layout>
-      <c:overlay val="0"/>
-      <c:spPr>
-        <a:noFill/>
-        <a:ln>
-          <a:noFill/>
-        </a:ln>
-        <a:effectLst/>
-      </c:spPr>
-      <c:txPr>
-        <a:bodyPr rot="0" spcFirstLastPara="1" vertOverflow="ellipsis" vert="horz" wrap="square" anchor="ctr" anchorCtr="1"/>
-        <a:lstStyle/>
-        <a:p>
-          <a:pPr>
-            <a:defRPr sz="2400" b="0" i="0" u="none" strike="noStrike" kern="1200" baseline="0">
-              <a:solidFill>
-                <a:schemeClr val="tx1"/>
-              </a:solidFill>
-              <a:latin typeface="+mn-lt"/>
-              <a:ea typeface="+mn-ea"/>
-              <a:cs typeface="+mn-cs"/>
-            </a:defRPr>
-          </a:pPr>
-          <a:endParaRPr lang="en-US"/>
-        </a:p>
-      </c:txPr>
-    </c:legend>
-    <c:plotVisOnly val="1"/>
-    <c:dispBlanksAs val="gap"/>
-    <c:extLst>
-      <c:ext xmlns:c16r3="http://schemas.microsoft.com/office/drawing/2017/03/chart" uri="{56B9EC1D-385E-4148-901F-78D8002777C0}">
-        <c16r3:dataDisplayOptions16>
-          <c16r3:dispNaAsBlank val="1"/>
-        </c16r3:dataDisplayOptions16>
-      </c:ext>
-    </c:extLst>
-    <c:showDLblsOverMax val="0"/>
-  </c:chart>
-  <c:spPr>
-    <a:noFill/>
-    <a:ln>
-      <a:noFill/>
-    </a:ln>
-    <a:effectLst/>
-  </c:spPr>
-  <c:txPr>
-    <a:bodyPr/>
-    <a:lstStyle/>
-    <a:p>
-      <a:pPr>
-        <a:defRPr/>
-      </a:pPr>
-      <a:endParaRPr lang="en-US"/>
-    </a:p>
-  </c:txPr>
-  <c:externalData r:id="rId3">
-    <c:autoUpdate val="0"/>
-  </c:externalData>
-</c:chartSpace>
-</file>
-
-<file path=ppt/charts/chart6.xml><?xml version="1.0" encoding="utf-8"?>
-<c:chartSpace xmlns:c="http://schemas.openxmlformats.org/drawingml/2006/chart" xmlns:a="http://schemas.openxmlformats.org/drawingml/2006/main" xmlns:r="http://schemas.openxmlformats.org/officeDocument/2006/relationships" xmlns:c16r2="http://schemas.microsoft.com/office/drawing/2015/06/chart">
-  <c:date1904 val="0"/>
-  <c:lang val="en-US"/>
-  <c:roundedCorners val="0"/>
-  <mc:AlternateContent xmlns:mc="http://schemas.openxmlformats.org/markup-compatibility/2006">
-    <mc:Choice xmlns:c14="http://schemas.microsoft.com/office/drawing/2007/8/2/chart" Requires="c14">
-      <c14:style val="102"/>
-    </mc:Choice>
-    <mc:Fallback>
-      <c:style val="2"/>
-    </mc:Fallback>
-  </mc:AlternateContent>
-  <c:chart>
-    <c:autoTitleDeleted val="1"/>
-    <c:plotArea>
-      <c:layout/>
-      <c:lineChart>
-        <c:grouping val="standard"/>
-        <c:varyColors val="0"/>
-        <c:ser>
-          <c:idx val="0"/>
-          <c:order val="0"/>
-          <c:tx>
-            <c:strRef>
-              <c:f>CKD!$B$72</c:f>
-              <c:strCache>
-                <c:ptCount val="1"/>
-                <c:pt idx="0">
-                  <c:v>Overall</c:v>
-                </c:pt>
-              </c:strCache>
-            </c:strRef>
-          </c:tx>
-          <c:spPr>
-            <a:ln w="44450" cap="rnd">
-              <a:solidFill>
-                <a:schemeClr val="tx1"/>
-              </a:solidFill>
-              <a:prstDash val="sysDash"/>
-              <a:round/>
-            </a:ln>
-            <a:effectLst/>
-          </c:spPr>
-          <c:marker>
-            <c:symbol val="circle"/>
-            <c:size val="5"/>
-            <c:spPr>
-              <a:solidFill>
-                <a:schemeClr val="tx1"/>
-              </a:solidFill>
-              <a:ln w="44450">
-                <a:solidFill>
-                  <a:schemeClr val="tx1"/>
-                </a:solidFill>
-              </a:ln>
-              <a:effectLst/>
-            </c:spPr>
-          </c:marker>
-          <c:cat>
-            <c:strRef>
-              <c:f>CKD!$A$73:$A$77</c:f>
-              <c:strCache>
-                <c:ptCount val="5"/>
-                <c:pt idx="0">
-                  <c:v>2001–2004</c:v>
-                </c:pt>
-                <c:pt idx="1">
-                  <c:v>2005–2008</c:v>
-                </c:pt>
-                <c:pt idx="2">
-                  <c:v>2009–2012</c:v>
-                </c:pt>
-                <c:pt idx="3">
-                  <c:v>2013–2016</c:v>
-                </c:pt>
-                <c:pt idx="4">
-                  <c:v>2017–2020</c:v>
-                </c:pt>
-              </c:strCache>
-            </c:strRef>
-          </c:cat>
-          <c:val>
-            <c:numRef>
-              <c:f>CKD!$B$73:$B$77</c:f>
-              <c:numCache>
-                <c:formatCode>General</c:formatCode>
-                <c:ptCount val="5"/>
-                <c:pt idx="0">
-                  <c:v>16.5</c:v>
-                </c:pt>
-                <c:pt idx="1">
-                  <c:v>18.100000000000001</c:v>
-                </c:pt>
-                <c:pt idx="2">
-                  <c:v>24.3</c:v>
-                </c:pt>
-                <c:pt idx="3">
-                  <c:v>26.5</c:v>
-                </c:pt>
-                <c:pt idx="4">
-                  <c:v>28.2</c:v>
-                </c:pt>
-              </c:numCache>
-            </c:numRef>
-          </c:val>
-          <c:smooth val="0"/>
-          <c:extLst>
-            <c:ext xmlns:c16="http://schemas.microsoft.com/office/drawing/2014/chart" uri="{C3380CC4-5D6E-409C-BE32-E72D297353CC}">
-              <c16:uniqueId val="{00000000-135E-4E11-BBC3-5C8BB92265B7}"/>
-            </c:ext>
-          </c:extLst>
-        </c:ser>
-        <c:ser>
-          <c:idx val="1"/>
-          <c:order val="1"/>
-          <c:tx>
-            <c:strRef>
-              <c:f>CKD!$C$72</c:f>
-              <c:strCache>
-                <c:ptCount val="1"/>
-                <c:pt idx="0">
-                  <c:v>With CKD</c:v>
-                </c:pt>
-              </c:strCache>
-            </c:strRef>
-          </c:tx>
-          <c:spPr>
-            <a:ln w="44450" cap="rnd">
-              <a:solidFill>
-                <a:schemeClr val="bg2">
-                  <a:lumMod val="75000"/>
-                </a:schemeClr>
-              </a:solidFill>
-              <a:round/>
-            </a:ln>
-            <a:effectLst/>
-          </c:spPr>
-          <c:marker>
-            <c:symbol val="circle"/>
-            <c:size val="5"/>
-            <c:spPr>
-              <a:solidFill>
-                <a:schemeClr val="bg2">
-                  <a:lumMod val="75000"/>
-                </a:schemeClr>
-              </a:solidFill>
-              <a:ln w="44450">
-                <a:solidFill>
-                  <a:schemeClr val="bg2">
-                    <a:lumMod val="75000"/>
-                  </a:schemeClr>
-                </a:solidFill>
-              </a:ln>
-              <a:effectLst/>
-            </c:spPr>
-          </c:marker>
-          <c:cat>
-            <c:strRef>
-              <c:f>CKD!$A$73:$A$77</c:f>
-              <c:strCache>
-                <c:ptCount val="5"/>
-                <c:pt idx="0">
-                  <c:v>2001–2004</c:v>
-                </c:pt>
-                <c:pt idx="1">
-                  <c:v>2005–2008</c:v>
-                </c:pt>
-                <c:pt idx="2">
-                  <c:v>2009–2012</c:v>
-                </c:pt>
-                <c:pt idx="3">
-                  <c:v>2013–2016</c:v>
-                </c:pt>
-                <c:pt idx="4">
-                  <c:v>2017–2020</c:v>
-                </c:pt>
-              </c:strCache>
-            </c:strRef>
-          </c:cat>
-          <c:val>
-            <c:numRef>
-              <c:f>CKD!$C$73:$C$77</c:f>
-              <c:numCache>
-                <c:formatCode>0.0</c:formatCode>
-                <c:ptCount val="5"/>
-                <c:pt idx="0">
-                  <c:v>16.399999999999999</c:v>
-                </c:pt>
-                <c:pt idx="1">
-                  <c:v>19.8</c:v>
-                </c:pt>
-                <c:pt idx="2">
-                  <c:v>24.8</c:v>
-                </c:pt>
-                <c:pt idx="3">
-                  <c:v>28.1</c:v>
-                </c:pt>
-                <c:pt idx="4">
-                  <c:v>31</c:v>
-                </c:pt>
-              </c:numCache>
-            </c:numRef>
-          </c:val>
-          <c:smooth val="0"/>
-          <c:extLst>
-            <c:ext xmlns:c16="http://schemas.microsoft.com/office/drawing/2014/chart" uri="{C3380CC4-5D6E-409C-BE32-E72D297353CC}">
-              <c16:uniqueId val="{00000001-135E-4E11-BBC3-5C8BB92265B7}"/>
-            </c:ext>
-          </c:extLst>
-        </c:ser>
-        <c:ser>
-          <c:idx val="2"/>
-          <c:order val="2"/>
-          <c:tx>
-            <c:strRef>
-              <c:f>CKD!$D$72</c:f>
-              <c:strCache>
-                <c:ptCount val="1"/>
-                <c:pt idx="0">
-                  <c:v>Without CKD</c:v>
-                </c:pt>
-              </c:strCache>
-            </c:strRef>
-          </c:tx>
-          <c:spPr>
-            <a:ln w="44450" cap="rnd">
-              <a:solidFill>
-                <a:srgbClr val="008080"/>
-              </a:solidFill>
-              <a:round/>
-            </a:ln>
-            <a:effectLst/>
-          </c:spPr>
-          <c:marker>
-            <c:symbol val="circle"/>
-            <c:size val="5"/>
-            <c:spPr>
-              <a:solidFill>
-                <a:srgbClr val="008080"/>
-              </a:solidFill>
-              <a:ln w="44450">
-                <a:solidFill>
-                  <a:srgbClr val="008080"/>
-                </a:solidFill>
-              </a:ln>
-              <a:effectLst/>
-            </c:spPr>
-          </c:marker>
-          <c:cat>
-            <c:strRef>
-              <c:f>CKD!$A$73:$A$77</c:f>
-              <c:strCache>
-                <c:ptCount val="5"/>
-                <c:pt idx="0">
-                  <c:v>2001–2004</c:v>
-                </c:pt>
-                <c:pt idx="1">
-                  <c:v>2005–2008</c:v>
-                </c:pt>
-                <c:pt idx="2">
-                  <c:v>2009–2012</c:v>
-                </c:pt>
-                <c:pt idx="3">
-                  <c:v>2013–2016</c:v>
-                </c:pt>
-                <c:pt idx="4">
-                  <c:v>2017–2020</c:v>
-                </c:pt>
-              </c:strCache>
-            </c:strRef>
-          </c:cat>
-          <c:val>
-            <c:numRef>
-              <c:f>CKD!$D$73:$D$77</c:f>
-              <c:numCache>
-                <c:formatCode>0.0</c:formatCode>
-                <c:ptCount val="5"/>
-                <c:pt idx="0">
-                  <c:v>16.600000000000001</c:v>
-                </c:pt>
-                <c:pt idx="1">
-                  <c:v>17.8</c:v>
-                </c:pt>
-                <c:pt idx="2">
-                  <c:v>24.2</c:v>
-                </c:pt>
-                <c:pt idx="3">
-                  <c:v>26.3</c:v>
-                </c:pt>
-                <c:pt idx="4">
-                  <c:v>27.7</c:v>
-                </c:pt>
-              </c:numCache>
-            </c:numRef>
-          </c:val>
-          <c:smooth val="0"/>
-          <c:extLst>
-            <c:ext xmlns:c16="http://schemas.microsoft.com/office/drawing/2014/chart" uri="{C3380CC4-5D6E-409C-BE32-E72D297353CC}">
-              <c16:uniqueId val="{00000002-135E-4E11-BBC3-5C8BB92265B7}"/>
-            </c:ext>
-          </c:extLst>
-        </c:ser>
-        <c:dLbls>
-          <c:showLegendKey val="0"/>
-          <c:showVal val="0"/>
-          <c:showCatName val="0"/>
-          <c:showSerName val="0"/>
-          <c:showPercent val="0"/>
-          <c:showBubbleSize val="0"/>
-        </c:dLbls>
-        <c:marker val="1"/>
-        <c:smooth val="0"/>
-        <c:axId val="1140233983"/>
-        <c:axId val="1140241887"/>
-      </c:lineChart>
-      <c:catAx>
-        <c:axId val="1140233983"/>
-        <c:scaling>
-          <c:orientation val="minMax"/>
-        </c:scaling>
-        <c:delete val="0"/>
-        <c:axPos val="b"/>
-        <c:numFmt formatCode="General" sourceLinked="1"/>
-        <c:majorTickMark val="none"/>
-        <c:minorTickMark val="none"/>
-        <c:tickLblPos val="nextTo"/>
-        <c:spPr>
-          <a:noFill/>
-          <a:ln w="9525" cap="flat" cmpd="sng" algn="ctr">
-            <a:solidFill>
-              <a:schemeClr val="tx1">
-                <a:lumMod val="15000"/>
-                <a:lumOff val="85000"/>
-              </a:schemeClr>
-            </a:solidFill>
-            <a:round/>
-          </a:ln>
-          <a:effectLst/>
-        </c:spPr>
-        <c:txPr>
-          <a:bodyPr rot="-60000000" spcFirstLastPara="1" vertOverflow="ellipsis" vert="horz" wrap="square" anchor="ctr" anchorCtr="1"/>
-          <a:lstStyle/>
-          <a:p>
-            <a:pPr>
-              <a:defRPr sz="2400" b="0" i="0" u="none" strike="noStrike" kern="1200" baseline="0">
-                <a:solidFill>
-                  <a:schemeClr val="tx1"/>
-                </a:solidFill>
-                <a:latin typeface="+mn-lt"/>
-                <a:ea typeface="+mn-ea"/>
-                <a:cs typeface="+mn-cs"/>
-              </a:defRPr>
-            </a:pPr>
-            <a:endParaRPr lang="en-US"/>
-          </a:p>
-        </c:txPr>
-        <c:crossAx val="1140241887"/>
-        <c:crosses val="autoZero"/>
-        <c:auto val="1"/>
-        <c:lblAlgn val="ctr"/>
-        <c:lblOffset val="100"/>
-        <c:noMultiLvlLbl val="0"/>
-      </c:catAx>
-      <c:valAx>
-        <c:axId val="1140241887"/>
-        <c:scaling>
-          <c:orientation val="minMax"/>
-        </c:scaling>
-        <c:delete val="0"/>
-        <c:axPos val="l"/>
-        <c:majorGridlines>
-          <c:spPr>
-            <a:ln w="9525" cap="flat" cmpd="sng" algn="ctr">
-              <a:solidFill>
-                <a:schemeClr val="tx1">
-                  <a:lumMod val="15000"/>
-                  <a:lumOff val="85000"/>
-                </a:schemeClr>
-              </a:solidFill>
-              <a:round/>
-            </a:ln>
-            <a:effectLst/>
-          </c:spPr>
-        </c:majorGridlines>
-        <c:title>
-          <c:tx>
-            <c:rich>
-              <a:bodyPr rot="-5400000" spcFirstLastPara="1" vertOverflow="ellipsis" vert="horz" wrap="square" anchor="ctr" anchorCtr="1"/>
-              <a:lstStyle/>
-              <a:p>
-                <a:pPr>
-                  <a:defRPr sz="2800" b="0" i="0" u="none" strike="noStrike" kern="1200" baseline="0">
-                    <a:solidFill>
-                      <a:schemeClr val="tx1"/>
-                    </a:solidFill>
-                    <a:latin typeface="+mn-lt"/>
-                    <a:ea typeface="+mn-ea"/>
-                    <a:cs typeface="+mn-cs"/>
-                  </a:defRPr>
-                </a:pPr>
-                <a:r>
-                  <a:rPr lang="en-US" sz="2800" dirty="0">
-                    <a:solidFill>
-                      <a:schemeClr val="tx1"/>
-                    </a:solidFill>
-                  </a:rPr>
-                  <a:t>Food</a:t>
-                </a:r>
-                <a:r>
-                  <a:rPr lang="en-US" sz="2800" baseline="0" dirty="0">
-                    <a:solidFill>
-                      <a:schemeClr val="tx1"/>
-                    </a:solidFill>
-                  </a:rPr>
-                  <a:t> Insecurity (%)</a:t>
-                </a:r>
-                <a:endParaRPr lang="en-US" sz="2800" dirty="0">
-                  <a:solidFill>
-                    <a:schemeClr val="tx1"/>
-                  </a:solidFill>
-                </a:endParaRPr>
-              </a:p>
-            </c:rich>
-          </c:tx>
-          <c:layout>
-            <c:manualLayout>
-              <c:xMode val="edge"/>
-              <c:yMode val="edge"/>
-              <c:x val="1.084087457005689E-3"/>
-              <c:y val="0.10651966587099448"/>
-            </c:manualLayout>
-          </c:layout>
-          <c:overlay val="0"/>
-          <c:spPr>
-            <a:noFill/>
-            <a:ln>
-              <a:noFill/>
-            </a:ln>
-            <a:effectLst/>
-          </c:spPr>
-          <c:txPr>
-            <a:bodyPr rot="-5400000" spcFirstLastPara="1" vertOverflow="ellipsis" vert="horz" wrap="square" anchor="ctr" anchorCtr="1"/>
-            <a:lstStyle/>
-            <a:p>
-              <a:pPr>
-                <a:defRPr sz="2800" b="0" i="0" u="none" strike="noStrike" kern="1200" baseline="0">
-                  <a:solidFill>
-                    <a:schemeClr val="tx1"/>
-                  </a:solidFill>
-                  <a:latin typeface="+mn-lt"/>
-                  <a:ea typeface="+mn-ea"/>
-                  <a:cs typeface="+mn-cs"/>
-                </a:defRPr>
-              </a:pPr>
-              <a:endParaRPr lang="en-US"/>
-            </a:p>
-          </c:txPr>
-        </c:title>
-        <c:numFmt formatCode="General" sourceLinked="1"/>
-        <c:majorTickMark val="none"/>
-        <c:minorTickMark val="none"/>
-        <c:tickLblPos val="nextTo"/>
-        <c:spPr>
-          <a:noFill/>
-          <a:ln>
-            <a:noFill/>
-          </a:ln>
-          <a:effectLst/>
-        </c:spPr>
-        <c:txPr>
-          <a:bodyPr rot="-60000000" spcFirstLastPara="1" vertOverflow="ellipsis" vert="horz" wrap="square" anchor="ctr" anchorCtr="1"/>
-          <a:lstStyle/>
-          <a:p>
-            <a:pPr>
-              <a:defRPr sz="2400" b="0" i="0" u="none" strike="noStrike" kern="1200" baseline="0">
-                <a:solidFill>
-                  <a:schemeClr val="tx1"/>
-                </a:solidFill>
-                <a:latin typeface="+mn-lt"/>
-                <a:ea typeface="+mn-ea"/>
-                <a:cs typeface="+mn-cs"/>
-              </a:defRPr>
-            </a:pPr>
-            <a:endParaRPr lang="en-US"/>
-          </a:p>
-        </c:txPr>
-        <c:crossAx val="1140233983"/>
-        <c:crosses val="autoZero"/>
-        <c:crossBetween val="between"/>
-      </c:valAx>
-      <c:spPr>
-        <a:noFill/>
-        <a:ln>
-          <a:noFill/>
-        </a:ln>
-        <a:effectLst/>
-      </c:spPr>
-    </c:plotArea>
-    <c:legend>
-      <c:legendPos val="b"/>
-      <c:overlay val="0"/>
-      <c:spPr>
-        <a:noFill/>
-        <a:ln>
-          <a:noFill/>
-        </a:ln>
-        <a:effectLst/>
-      </c:spPr>
-      <c:txPr>
-        <a:bodyPr rot="0" spcFirstLastPara="1" vertOverflow="ellipsis" vert="horz" wrap="square" anchor="ctr" anchorCtr="1"/>
-        <a:lstStyle/>
-        <a:p>
-          <a:pPr>
-            <a:defRPr sz="2400" b="0" i="0" u="none" strike="noStrike" kern="1200" baseline="0">
-              <a:solidFill>
-                <a:schemeClr val="tx1"/>
-              </a:solidFill>
-              <a:latin typeface="+mn-lt"/>
-              <a:ea typeface="+mn-ea"/>
-              <a:cs typeface="+mn-cs"/>
-            </a:defRPr>
-          </a:pPr>
-          <a:endParaRPr lang="en-US"/>
-        </a:p>
-      </c:txPr>
-    </c:legend>
-    <c:plotVisOnly val="1"/>
-    <c:dispBlanksAs val="gap"/>
-    <c:extLst>
-      <c:ext xmlns:c16r3="http://schemas.microsoft.com/office/drawing/2017/03/chart" uri="{56B9EC1D-385E-4148-901F-78D8002777C0}">
-        <c16r3:dataDisplayOptions16>
-          <c16r3:dispNaAsBlank val="1"/>
-        </c16r3:dataDisplayOptions16>
-      </c:ext>
-    </c:extLst>
-    <c:showDLblsOverMax val="0"/>
-  </c:chart>
-  <c:spPr>
-    <a:noFill/>
-    <a:ln>
-      <a:noFill/>
-    </a:ln>
-    <a:effectLst/>
-  </c:spPr>
-  <c:txPr>
-    <a:bodyPr/>
-    <a:lstStyle/>
-    <a:p>
-      <a:pPr>
-        <a:defRPr/>
-      </a:pPr>
-      <a:endParaRPr lang="en-US"/>
-    </a:p>
-  </c:txPr>
-  <c:externalData r:id="rId3">
-    <c:autoUpdate val="0"/>
-  </c:externalData>
-</c:chartSpace>
-</file>
-
-<file path=ppt/charts/chart7.xml><?xml version="1.0" encoding="utf-8"?>
-<c:chartSpace xmlns:c="http://schemas.openxmlformats.org/drawingml/2006/chart" xmlns:a="http://schemas.openxmlformats.org/drawingml/2006/main" xmlns:r="http://schemas.openxmlformats.org/officeDocument/2006/relationships" xmlns:c16r2="http://schemas.microsoft.com/office/drawing/2015/06/chart">
-  <c:date1904 val="0"/>
-  <c:lang val="en-US"/>
-  <c:roundedCorners val="0"/>
-  <mc:AlternateContent xmlns:mc="http://schemas.openxmlformats.org/markup-compatibility/2006">
-    <mc:Choice xmlns:c14="http://schemas.microsoft.com/office/drawing/2007/8/2/chart" Requires="c14">
-      <c14:style val="102"/>
-    </mc:Choice>
-    <mc:Fallback>
-      <c:style val="2"/>
-    </mc:Fallback>
-  </mc:AlternateContent>
-  <c:chart>
-    <c:autoTitleDeleted val="1"/>
-    <c:plotArea>
-      <c:layout/>
-      <c:lineChart>
-        <c:grouping val="standard"/>
-        <c:varyColors val="0"/>
-        <c:ser>
-          <c:idx val="0"/>
-          <c:order val="0"/>
-          <c:tx>
-            <c:strRef>
-              <c:f>Diabetes!$B$1</c:f>
-              <c:strCache>
-                <c:ptCount val="1"/>
-                <c:pt idx="0">
-                  <c:v>Overall</c:v>
-                </c:pt>
-              </c:strCache>
-            </c:strRef>
-          </c:tx>
-          <c:spPr>
-            <a:ln w="44450" cap="rnd">
-              <a:solidFill>
-                <a:schemeClr val="tx1"/>
-              </a:solidFill>
-              <a:prstDash val="sysDash"/>
-              <a:round/>
-            </a:ln>
-            <a:effectLst/>
-          </c:spPr>
-          <c:marker>
-            <c:symbol val="circle"/>
-            <c:size val="5"/>
-            <c:spPr>
-              <a:solidFill>
-                <a:schemeClr val="tx1"/>
-              </a:solidFill>
-              <a:ln w="44450">
-                <a:solidFill>
-                  <a:schemeClr val="tx1"/>
-                </a:solidFill>
-              </a:ln>
-              <a:effectLst/>
-            </c:spPr>
-          </c:marker>
-          <c:cat>
-            <c:strRef>
-              <c:f>Diabetes!$A$2:$A$6</c:f>
-              <c:strCache>
-                <c:ptCount val="5"/>
-                <c:pt idx="0">
-                  <c:v>2001–2004</c:v>
-                </c:pt>
-                <c:pt idx="1">
-                  <c:v>2005–2008</c:v>
-                </c:pt>
-                <c:pt idx="2">
-                  <c:v>2009–2012</c:v>
-                </c:pt>
-                <c:pt idx="3">
-                  <c:v>2013–2016</c:v>
-                </c:pt>
-                <c:pt idx="4">
-                  <c:v>2017–2020</c:v>
-                </c:pt>
-              </c:strCache>
-            </c:strRef>
-          </c:cat>
-          <c:val>
-            <c:numRef>
-              <c:f>Diabetes!$B$2:$B$6</c:f>
-              <c:numCache>
-                <c:formatCode>General</c:formatCode>
-                <c:ptCount val="5"/>
-                <c:pt idx="0">
-                  <c:v>16.5</c:v>
-                </c:pt>
-                <c:pt idx="1">
-                  <c:v>18.100000000000001</c:v>
-                </c:pt>
-                <c:pt idx="2">
-                  <c:v>24.3</c:v>
-                </c:pt>
-                <c:pt idx="3">
-                  <c:v>26.5</c:v>
-                </c:pt>
-                <c:pt idx="4">
-                  <c:v>28.2</c:v>
-                </c:pt>
-              </c:numCache>
-            </c:numRef>
-          </c:val>
-          <c:smooth val="0"/>
-          <c:extLst>
-            <c:ext xmlns:c16="http://schemas.microsoft.com/office/drawing/2014/chart" uri="{C3380CC4-5D6E-409C-BE32-E72D297353CC}">
-              <c16:uniqueId val="{00000000-3BBC-4655-B44C-AFA7787A5AA1}"/>
-            </c:ext>
-          </c:extLst>
-        </c:ser>
-        <c:ser>
-          <c:idx val="1"/>
-          <c:order val="1"/>
-          <c:tx>
-            <c:strRef>
-              <c:f>Diabetes!$C$1</c:f>
-              <c:strCache>
-                <c:ptCount val="1"/>
-                <c:pt idx="0">
-                  <c:v>Diabetes</c:v>
-                </c:pt>
-              </c:strCache>
-            </c:strRef>
-          </c:tx>
-          <c:spPr>
-            <a:ln w="44450" cap="rnd">
-              <a:solidFill>
-                <a:schemeClr val="bg2">
-                  <a:lumMod val="75000"/>
-                </a:schemeClr>
-              </a:solidFill>
-              <a:round/>
-            </a:ln>
-            <a:effectLst/>
-          </c:spPr>
-          <c:marker>
-            <c:symbol val="circle"/>
-            <c:size val="5"/>
-            <c:spPr>
-              <a:solidFill>
-                <a:schemeClr val="bg2">
-                  <a:lumMod val="75000"/>
-                </a:schemeClr>
-              </a:solidFill>
-              <a:ln w="44450">
-                <a:solidFill>
-                  <a:schemeClr val="bg2">
-                    <a:lumMod val="75000"/>
-                  </a:schemeClr>
-                </a:solidFill>
-              </a:ln>
-              <a:effectLst/>
-            </c:spPr>
-          </c:marker>
-          <c:cat>
-            <c:strRef>
-              <c:f>Diabetes!$A$2:$A$6</c:f>
-              <c:strCache>
-                <c:ptCount val="5"/>
-                <c:pt idx="0">
-                  <c:v>2001–2004</c:v>
-                </c:pt>
-                <c:pt idx="1">
-                  <c:v>2005–2008</c:v>
-                </c:pt>
-                <c:pt idx="2">
-                  <c:v>2009–2012</c:v>
-                </c:pt>
-                <c:pt idx="3">
-                  <c:v>2013–2016</c:v>
-                </c:pt>
-                <c:pt idx="4">
-                  <c:v>2017–2020</c:v>
-                </c:pt>
-              </c:strCache>
-            </c:strRef>
-          </c:cat>
-          <c:val>
-            <c:numRef>
-              <c:f>Diabetes!$C$2:$C$6</c:f>
-              <c:numCache>
-                <c:formatCode>0.0</c:formatCode>
-                <c:ptCount val="5"/>
-                <c:pt idx="0">
-                  <c:v>20.3</c:v>
-                </c:pt>
-                <c:pt idx="1">
-                  <c:v>20.8</c:v>
-                </c:pt>
-                <c:pt idx="2">
-                  <c:v>28.1</c:v>
-                </c:pt>
-                <c:pt idx="3">
-                  <c:v>32.5</c:v>
-                </c:pt>
-                <c:pt idx="4">
-                  <c:v>30.8</c:v>
-                </c:pt>
-              </c:numCache>
-            </c:numRef>
-          </c:val>
-          <c:smooth val="0"/>
-          <c:extLst>
-            <c:ext xmlns:c16="http://schemas.microsoft.com/office/drawing/2014/chart" uri="{C3380CC4-5D6E-409C-BE32-E72D297353CC}">
-              <c16:uniqueId val="{00000001-3BBC-4655-B44C-AFA7787A5AA1}"/>
-            </c:ext>
-          </c:extLst>
-        </c:ser>
-        <c:ser>
-          <c:idx val="2"/>
-          <c:order val="2"/>
-          <c:tx>
-            <c:strRef>
-              <c:f>Diabetes!$D$1</c:f>
-              <c:strCache>
-                <c:ptCount val="1"/>
-                <c:pt idx="0">
-                  <c:v>No Diabetes</c:v>
-                </c:pt>
-              </c:strCache>
-            </c:strRef>
-          </c:tx>
-          <c:spPr>
-            <a:ln w="44450" cap="rnd">
-              <a:solidFill>
-                <a:srgbClr val="008080"/>
-              </a:solidFill>
-              <a:round/>
-            </a:ln>
-            <a:effectLst/>
-          </c:spPr>
-          <c:marker>
-            <c:symbol val="circle"/>
-            <c:size val="5"/>
-            <c:spPr>
-              <a:solidFill>
-                <a:srgbClr val="008080"/>
-              </a:solidFill>
-              <a:ln w="44450">
-                <a:solidFill>
-                  <a:srgbClr val="008080"/>
-                </a:solidFill>
-              </a:ln>
-              <a:effectLst/>
-            </c:spPr>
-          </c:marker>
-          <c:cat>
-            <c:strRef>
-              <c:f>Diabetes!$A$2:$A$6</c:f>
-              <c:strCache>
-                <c:ptCount val="5"/>
-                <c:pt idx="0">
-                  <c:v>2001–2004</c:v>
-                </c:pt>
-                <c:pt idx="1">
-                  <c:v>2005–2008</c:v>
-                </c:pt>
-                <c:pt idx="2">
-                  <c:v>2009–2012</c:v>
-                </c:pt>
-                <c:pt idx="3">
-                  <c:v>2013–2016</c:v>
-                </c:pt>
-                <c:pt idx="4">
-                  <c:v>2017–2020</c:v>
-                </c:pt>
-              </c:strCache>
-            </c:strRef>
-          </c:cat>
-          <c:val>
-            <c:numRef>
-              <c:f>Diabetes!$D$2:$D$6</c:f>
-              <c:numCache>
-                <c:formatCode>0.0</c:formatCode>
-                <c:ptCount val="5"/>
-                <c:pt idx="0">
-                  <c:v>16.2</c:v>
-                </c:pt>
-                <c:pt idx="1">
-                  <c:v>17.8</c:v>
-                </c:pt>
-                <c:pt idx="2">
-                  <c:v>23.8</c:v>
-                </c:pt>
-                <c:pt idx="3">
-                  <c:v>25.7</c:v>
-                </c:pt>
-                <c:pt idx="4">
-                  <c:v>27.8</c:v>
-                </c:pt>
-              </c:numCache>
-            </c:numRef>
-          </c:val>
-          <c:smooth val="0"/>
-          <c:extLst>
-            <c:ext xmlns:c16="http://schemas.microsoft.com/office/drawing/2014/chart" uri="{C3380CC4-5D6E-409C-BE32-E72D297353CC}">
-              <c16:uniqueId val="{00000002-3BBC-4655-B44C-AFA7787A5AA1}"/>
-            </c:ext>
-          </c:extLst>
-        </c:ser>
-        <c:dLbls>
-          <c:showLegendKey val="0"/>
-          <c:showVal val="0"/>
-          <c:showCatName val="0"/>
-          <c:showSerName val="0"/>
-          <c:showPercent val="0"/>
-          <c:showBubbleSize val="0"/>
-        </c:dLbls>
-        <c:marker val="1"/>
-        <c:smooth val="0"/>
-        <c:axId val="86574447"/>
-        <c:axId val="86574863"/>
-      </c:lineChart>
-      <c:catAx>
-        <c:axId val="86574447"/>
-        <c:scaling>
-          <c:orientation val="minMax"/>
-        </c:scaling>
-        <c:delete val="0"/>
-        <c:axPos val="b"/>
-        <c:numFmt formatCode="General" sourceLinked="1"/>
-        <c:majorTickMark val="none"/>
-        <c:minorTickMark val="none"/>
-        <c:tickLblPos val="nextTo"/>
-        <c:spPr>
-          <a:noFill/>
-          <a:ln w="9525" cap="flat" cmpd="sng" algn="ctr">
-            <a:solidFill>
-              <a:schemeClr val="tx1">
-                <a:lumMod val="15000"/>
-                <a:lumOff val="85000"/>
-              </a:schemeClr>
-            </a:solidFill>
-            <a:round/>
-          </a:ln>
-          <a:effectLst/>
-        </c:spPr>
-        <c:txPr>
-          <a:bodyPr rot="-60000000" spcFirstLastPara="1" vertOverflow="ellipsis" vert="horz" wrap="square" anchor="ctr" anchorCtr="1"/>
-          <a:lstStyle/>
-          <a:p>
-            <a:pPr>
-              <a:defRPr sz="2400" b="0" i="0" u="none" strike="noStrike" kern="1200" baseline="0">
-                <a:solidFill>
-                  <a:schemeClr val="tx1"/>
-                </a:solidFill>
-                <a:latin typeface="+mn-lt"/>
-                <a:ea typeface="+mn-ea"/>
-                <a:cs typeface="+mn-cs"/>
-              </a:defRPr>
-            </a:pPr>
-            <a:endParaRPr lang="en-US"/>
-          </a:p>
-        </c:txPr>
-        <c:crossAx val="86574863"/>
-        <c:crosses val="autoZero"/>
-        <c:auto val="1"/>
-        <c:lblAlgn val="ctr"/>
-        <c:lblOffset val="100"/>
-        <c:noMultiLvlLbl val="0"/>
-      </c:catAx>
-      <c:valAx>
-        <c:axId val="86574863"/>
-        <c:scaling>
-          <c:orientation val="minMax"/>
-        </c:scaling>
-        <c:delete val="0"/>
-        <c:axPos val="l"/>
-        <c:majorGridlines>
-          <c:spPr>
-            <a:ln w="9525" cap="flat" cmpd="sng" algn="ctr">
-              <a:solidFill>
-                <a:schemeClr val="tx1">
-                  <a:lumMod val="15000"/>
-                  <a:lumOff val="85000"/>
-                </a:schemeClr>
-              </a:solidFill>
-              <a:round/>
-            </a:ln>
-            <a:effectLst/>
-          </c:spPr>
-        </c:majorGridlines>
-        <c:title>
-          <c:tx>
-            <c:rich>
-              <a:bodyPr rot="-5400000" spcFirstLastPara="1" vertOverflow="ellipsis" vert="horz" wrap="square" anchor="ctr" anchorCtr="1"/>
-              <a:lstStyle/>
-              <a:p>
-                <a:pPr>
-                  <a:defRPr sz="2800" b="0" i="0" u="none" strike="noStrike" kern="1200" baseline="0">
-                    <a:solidFill>
-                      <a:schemeClr val="tx1"/>
-                    </a:solidFill>
-                    <a:latin typeface="+mn-lt"/>
-                    <a:ea typeface="+mn-ea"/>
-                    <a:cs typeface="+mn-cs"/>
-                  </a:defRPr>
-                </a:pPr>
-                <a:r>
-                  <a:rPr lang="en-US" sz="2800" dirty="0">
-                    <a:solidFill>
-                      <a:schemeClr val="tx1"/>
-                    </a:solidFill>
-                  </a:rPr>
-                  <a:t>Food</a:t>
-                </a:r>
-                <a:r>
-                  <a:rPr lang="en-US" sz="2800" baseline="0" dirty="0">
-                    <a:solidFill>
-                      <a:schemeClr val="tx1"/>
-                    </a:solidFill>
-                  </a:rPr>
-                  <a:t> Insecurity (%)</a:t>
-                </a:r>
-                <a:endParaRPr lang="en-US" sz="2800" dirty="0">
-                  <a:solidFill>
-                    <a:schemeClr val="tx1"/>
-                  </a:solidFill>
-                </a:endParaRPr>
-              </a:p>
-            </c:rich>
-          </c:tx>
-          <c:layout>
-            <c:manualLayout>
-              <c:xMode val="edge"/>
-              <c:yMode val="edge"/>
-              <c:x val="1.0840875495447216E-3"/>
-              <c:y val="0.10346637766419901"/>
-            </c:manualLayout>
-          </c:layout>
-          <c:overlay val="0"/>
-          <c:spPr>
-            <a:noFill/>
-            <a:ln>
-              <a:noFill/>
-            </a:ln>
-            <a:effectLst/>
-          </c:spPr>
-          <c:txPr>
-            <a:bodyPr rot="-5400000" spcFirstLastPara="1" vertOverflow="ellipsis" vert="horz" wrap="square" anchor="ctr" anchorCtr="1"/>
-            <a:lstStyle/>
-            <a:p>
-              <a:pPr>
-                <a:defRPr sz="2800" b="0" i="0" u="none" strike="noStrike" kern="1200" baseline="0">
-                  <a:solidFill>
-                    <a:schemeClr val="tx1"/>
-                  </a:solidFill>
-                  <a:latin typeface="+mn-lt"/>
-                  <a:ea typeface="+mn-ea"/>
-                  <a:cs typeface="+mn-cs"/>
-                </a:defRPr>
-              </a:pPr>
-              <a:endParaRPr lang="en-US"/>
-            </a:p>
-          </c:txPr>
-        </c:title>
-        <c:numFmt formatCode="General" sourceLinked="1"/>
-        <c:majorTickMark val="none"/>
-        <c:minorTickMark val="none"/>
-        <c:tickLblPos val="nextTo"/>
-        <c:spPr>
-          <a:noFill/>
-          <a:ln>
-            <a:noFill/>
-          </a:ln>
-          <a:effectLst/>
-        </c:spPr>
-        <c:txPr>
-          <a:bodyPr rot="-60000000" spcFirstLastPara="1" vertOverflow="ellipsis" vert="horz" wrap="square" anchor="ctr" anchorCtr="1"/>
-          <a:lstStyle/>
-          <a:p>
-            <a:pPr>
-              <a:defRPr sz="2400" b="0" i="0" u="none" strike="noStrike" kern="1200" baseline="0">
-                <a:solidFill>
-                  <a:schemeClr val="tx1"/>
-                </a:solidFill>
-                <a:latin typeface="+mn-lt"/>
-                <a:ea typeface="+mn-ea"/>
-                <a:cs typeface="+mn-cs"/>
-              </a:defRPr>
-            </a:pPr>
-            <a:endParaRPr lang="en-US"/>
-          </a:p>
-        </c:txPr>
-        <c:crossAx val="86574447"/>
-        <c:crosses val="autoZero"/>
-        <c:crossBetween val="between"/>
-      </c:valAx>
-      <c:spPr>
-        <a:noFill/>
-        <a:ln>
-          <a:noFill/>
-        </a:ln>
-        <a:effectLst/>
-      </c:spPr>
-    </c:plotArea>
-    <c:legend>
-      <c:legendPos val="b"/>
-      <c:overlay val="0"/>
-      <c:spPr>
-        <a:noFill/>
-        <a:ln>
-          <a:noFill/>
-        </a:ln>
-        <a:effectLst/>
-      </c:spPr>
-      <c:txPr>
-        <a:bodyPr rot="0" spcFirstLastPara="1" vertOverflow="ellipsis" vert="horz" wrap="square" anchor="ctr" anchorCtr="1"/>
-        <a:lstStyle/>
-        <a:p>
-          <a:pPr>
-            <a:defRPr sz="2400" b="0" i="0" u="none" strike="noStrike" kern="1200" baseline="0">
-              <a:solidFill>
-                <a:schemeClr val="tx1"/>
-              </a:solidFill>
-              <a:latin typeface="+mn-lt"/>
-              <a:ea typeface="+mn-ea"/>
-              <a:cs typeface="+mn-cs"/>
-            </a:defRPr>
-          </a:pPr>
-          <a:endParaRPr lang="en-US"/>
-        </a:p>
-      </c:txPr>
-    </c:legend>
-    <c:plotVisOnly val="1"/>
-    <c:dispBlanksAs val="gap"/>
-    <c:extLst>
-      <c:ext xmlns:c16r3="http://schemas.microsoft.com/office/drawing/2017/03/chart" uri="{56B9EC1D-385E-4148-901F-78D8002777C0}">
-        <c16r3:dataDisplayOptions16>
-          <c16r3:dispNaAsBlank val="1"/>
-        </c16r3:dataDisplayOptions16>
-      </c:ext>
-    </c:extLst>
-    <c:showDLblsOverMax val="0"/>
-  </c:chart>
-  <c:spPr>
-    <a:noFill/>
-    <a:ln>
-      <a:noFill/>
-    </a:ln>
-    <a:effectLst/>
-  </c:spPr>
-  <c:txPr>
-    <a:bodyPr/>
-    <a:lstStyle/>
-    <a:p>
-      <a:pPr>
-        <a:defRPr/>
-      </a:pPr>
-      <a:endParaRPr lang="en-US"/>
-    </a:p>
-  </c:txPr>
-  <c:externalData r:id="rId3">
-    <c:autoUpdate val="0"/>
-  </c:externalData>
-</c:chartSpace>
-</file>
-
-<file path=ppt/charts/chart8.xml><?xml version="1.0" encoding="utf-8"?>
-<c:chartSpace xmlns:c="http://schemas.openxmlformats.org/drawingml/2006/chart" xmlns:a="http://schemas.openxmlformats.org/drawingml/2006/main" xmlns:r="http://schemas.openxmlformats.org/officeDocument/2006/relationships" xmlns:c16r2="http://schemas.microsoft.com/office/drawing/2015/06/chart">
-  <c:date1904 val="0"/>
-  <c:lang val="en-US"/>
-  <c:roundedCorners val="0"/>
-  <mc:AlternateContent xmlns:mc="http://schemas.openxmlformats.org/markup-compatibility/2006">
-    <mc:Choice xmlns:c14="http://schemas.microsoft.com/office/drawing/2007/8/2/chart" Requires="c14">
-      <c14:style val="102"/>
-    </mc:Choice>
-    <mc:Fallback>
-      <c:style val="2"/>
-    </mc:Fallback>
-  </mc:AlternateContent>
-  <c:chart>
-    <c:autoTitleDeleted val="1"/>
-    <c:plotArea>
-      <c:layout/>
-      <c:lineChart>
-        <c:grouping val="standard"/>
-        <c:varyColors val="0"/>
-        <c:ser>
-          <c:idx val="0"/>
-          <c:order val="0"/>
-          <c:tx>
-            <c:strRef>
-              <c:f>Hypertension!$B$1</c:f>
-              <c:strCache>
-                <c:ptCount val="1"/>
-                <c:pt idx="0">
-                  <c:v>Overall</c:v>
-                </c:pt>
-              </c:strCache>
-            </c:strRef>
-          </c:tx>
-          <c:spPr>
-            <a:ln w="44450" cap="rnd">
-              <a:solidFill>
-                <a:schemeClr val="tx1"/>
-              </a:solidFill>
-              <a:prstDash val="sysDash"/>
-              <a:round/>
-            </a:ln>
-            <a:effectLst/>
-          </c:spPr>
-          <c:marker>
-            <c:symbol val="circle"/>
-            <c:size val="5"/>
-            <c:spPr>
-              <a:solidFill>
-                <a:schemeClr val="tx1"/>
-              </a:solidFill>
-              <a:ln w="44450">
-                <a:solidFill>
-                  <a:schemeClr val="tx1"/>
-                </a:solidFill>
-              </a:ln>
-              <a:effectLst/>
-            </c:spPr>
-          </c:marker>
-          <c:cat>
-            <c:strRef>
-              <c:f>Hypertension!$A$2:$A$6</c:f>
-              <c:strCache>
-                <c:ptCount val="5"/>
-                <c:pt idx="0">
-                  <c:v>2001–2004</c:v>
-                </c:pt>
-                <c:pt idx="1">
-                  <c:v>2005–2008</c:v>
-                </c:pt>
-                <c:pt idx="2">
-                  <c:v>2009–2012</c:v>
-                </c:pt>
-                <c:pt idx="3">
-                  <c:v>2013–2016</c:v>
-                </c:pt>
-                <c:pt idx="4">
-                  <c:v>2017–2020</c:v>
-                </c:pt>
-              </c:strCache>
-            </c:strRef>
-          </c:cat>
-          <c:val>
-            <c:numRef>
-              <c:f>Hypertension!$B$2:$B$6</c:f>
-              <c:numCache>
-                <c:formatCode>General</c:formatCode>
-                <c:ptCount val="5"/>
-                <c:pt idx="0">
-                  <c:v>16.5</c:v>
-                </c:pt>
-                <c:pt idx="1">
-                  <c:v>18.100000000000001</c:v>
-                </c:pt>
-                <c:pt idx="2">
-                  <c:v>24.3</c:v>
-                </c:pt>
-                <c:pt idx="3">
-                  <c:v>26.5</c:v>
-                </c:pt>
-                <c:pt idx="4">
-                  <c:v>28.2</c:v>
-                </c:pt>
-              </c:numCache>
-            </c:numRef>
-          </c:val>
-          <c:smooth val="0"/>
-          <c:extLst>
-            <c:ext xmlns:c16="http://schemas.microsoft.com/office/drawing/2014/chart" uri="{C3380CC4-5D6E-409C-BE32-E72D297353CC}">
-              <c16:uniqueId val="{00000000-DB30-4C27-B42C-39B88A8B42AF}"/>
-            </c:ext>
-          </c:extLst>
-        </c:ser>
-        <c:ser>
-          <c:idx val="1"/>
-          <c:order val="1"/>
-          <c:tx>
-            <c:strRef>
-              <c:f>Hypertension!$C$1</c:f>
-              <c:strCache>
-                <c:ptCount val="1"/>
-                <c:pt idx="0">
-                  <c:v>Hypertension</c:v>
-                </c:pt>
-              </c:strCache>
-            </c:strRef>
-          </c:tx>
-          <c:spPr>
-            <a:ln w="44450" cap="rnd">
-              <a:solidFill>
-                <a:schemeClr val="accent5">
-                  <a:lumMod val="75000"/>
-                </a:schemeClr>
-              </a:solidFill>
-              <a:round/>
-            </a:ln>
-            <a:effectLst/>
-          </c:spPr>
-          <c:marker>
-            <c:symbol val="circle"/>
-            <c:size val="5"/>
-            <c:spPr>
-              <a:solidFill>
-                <a:schemeClr val="accent5">
-                  <a:lumMod val="75000"/>
-                </a:schemeClr>
-              </a:solidFill>
-              <a:ln w="44450">
-                <a:solidFill>
-                  <a:schemeClr val="accent5">
-                    <a:lumMod val="75000"/>
-                  </a:schemeClr>
-                </a:solidFill>
-              </a:ln>
-              <a:effectLst/>
-            </c:spPr>
-          </c:marker>
-          <c:cat>
-            <c:strRef>
-              <c:f>Hypertension!$A$2:$A$6</c:f>
-              <c:strCache>
-                <c:ptCount val="5"/>
-                <c:pt idx="0">
-                  <c:v>2001–2004</c:v>
-                </c:pt>
-                <c:pt idx="1">
-                  <c:v>2005–2008</c:v>
-                </c:pt>
-                <c:pt idx="2">
-                  <c:v>2009–2012</c:v>
-                </c:pt>
-                <c:pt idx="3">
-                  <c:v>2013–2016</c:v>
-                </c:pt>
-                <c:pt idx="4">
-                  <c:v>2017–2020</c:v>
-                </c:pt>
-              </c:strCache>
-            </c:strRef>
-          </c:cat>
-          <c:val>
-            <c:numRef>
-              <c:f>Hypertension!$C$2:$C$6</c:f>
-              <c:numCache>
-                <c:formatCode>0.0</c:formatCode>
-                <c:ptCount val="5"/>
-                <c:pt idx="0">
-                  <c:v>15.3</c:v>
-                </c:pt>
-                <c:pt idx="1">
-                  <c:v>15.9</c:v>
-                </c:pt>
-                <c:pt idx="2">
-                  <c:v>23.3</c:v>
-                </c:pt>
-                <c:pt idx="3">
-                  <c:v>25.9</c:v>
-                </c:pt>
-                <c:pt idx="4">
-                  <c:v>27.9</c:v>
-                </c:pt>
-              </c:numCache>
-            </c:numRef>
-          </c:val>
-          <c:smooth val="0"/>
-          <c:extLst>
-            <c:ext xmlns:c16="http://schemas.microsoft.com/office/drawing/2014/chart" uri="{C3380CC4-5D6E-409C-BE32-E72D297353CC}">
-              <c16:uniqueId val="{00000001-DB30-4C27-B42C-39B88A8B42AF}"/>
-            </c:ext>
-          </c:extLst>
-        </c:ser>
-        <c:ser>
-          <c:idx val="2"/>
-          <c:order val="2"/>
-          <c:tx>
-            <c:strRef>
-              <c:f>Hypertension!$D$1</c:f>
-              <c:strCache>
-                <c:ptCount val="1"/>
-                <c:pt idx="0">
-                  <c:v>No Hypertension</c:v>
-                </c:pt>
-              </c:strCache>
-            </c:strRef>
-          </c:tx>
-          <c:spPr>
-            <a:ln w="44450" cap="rnd">
-              <a:solidFill>
-                <a:schemeClr val="bg2">
-                  <a:lumMod val="75000"/>
-                </a:schemeClr>
-              </a:solidFill>
-              <a:round/>
-            </a:ln>
-            <a:effectLst/>
-          </c:spPr>
-          <c:marker>
-            <c:symbol val="circle"/>
-            <c:size val="5"/>
-            <c:spPr>
-              <a:solidFill>
-                <a:schemeClr val="bg2">
-                  <a:lumMod val="75000"/>
-                </a:schemeClr>
-              </a:solidFill>
-              <a:ln w="44450">
-                <a:solidFill>
-                  <a:schemeClr val="bg2">
-                    <a:lumMod val="75000"/>
-                  </a:schemeClr>
-                </a:solidFill>
-              </a:ln>
-              <a:effectLst/>
-            </c:spPr>
-          </c:marker>
-          <c:cat>
-            <c:strRef>
-              <c:f>Hypertension!$A$2:$A$6</c:f>
-              <c:strCache>
-                <c:ptCount val="5"/>
-                <c:pt idx="0">
-                  <c:v>2001–2004</c:v>
-                </c:pt>
-                <c:pt idx="1">
-                  <c:v>2005–2008</c:v>
-                </c:pt>
-                <c:pt idx="2">
-                  <c:v>2009–2012</c:v>
-                </c:pt>
-                <c:pt idx="3">
-                  <c:v>2013–2016</c:v>
-                </c:pt>
-                <c:pt idx="4">
-                  <c:v>2017–2020</c:v>
-                </c:pt>
-              </c:strCache>
-            </c:strRef>
-          </c:cat>
-          <c:val>
-            <c:numRef>
-              <c:f>Hypertension!$D$2:$D$6</c:f>
-              <c:numCache>
-                <c:formatCode>0.0</c:formatCode>
-                <c:ptCount val="5"/>
-                <c:pt idx="0">
-                  <c:v>17</c:v>
-                </c:pt>
-                <c:pt idx="1">
-                  <c:v>19.3</c:v>
-                </c:pt>
-                <c:pt idx="2">
-                  <c:v>24.8</c:v>
-                </c:pt>
-                <c:pt idx="3">
-                  <c:v>27</c:v>
-                </c:pt>
-                <c:pt idx="4">
-                  <c:v>28.4</c:v>
-                </c:pt>
-              </c:numCache>
-            </c:numRef>
-          </c:val>
-          <c:smooth val="0"/>
-          <c:extLst>
-            <c:ext xmlns:c16="http://schemas.microsoft.com/office/drawing/2014/chart" uri="{C3380CC4-5D6E-409C-BE32-E72D297353CC}">
-              <c16:uniqueId val="{00000002-DB30-4C27-B42C-39B88A8B42AF}"/>
-            </c:ext>
-          </c:extLst>
-        </c:ser>
-        <c:dLbls>
-          <c:showLegendKey val="0"/>
-          <c:showVal val="0"/>
-          <c:showCatName val="0"/>
-          <c:showSerName val="0"/>
-          <c:showPercent val="0"/>
-          <c:showBubbleSize val="0"/>
-        </c:dLbls>
-        <c:marker val="1"/>
-        <c:smooth val="0"/>
-        <c:axId val="336586655"/>
-        <c:axId val="336585823"/>
-      </c:lineChart>
-      <c:catAx>
-        <c:axId val="336586655"/>
-        <c:scaling>
-          <c:orientation val="minMax"/>
-        </c:scaling>
-        <c:delete val="0"/>
-        <c:axPos val="b"/>
-        <c:numFmt formatCode="General" sourceLinked="1"/>
-        <c:majorTickMark val="none"/>
-        <c:minorTickMark val="none"/>
-        <c:tickLblPos val="nextTo"/>
-        <c:spPr>
-          <a:noFill/>
-          <a:ln w="9525" cap="flat" cmpd="sng" algn="ctr">
-            <a:solidFill>
-              <a:schemeClr val="tx1">
-                <a:lumMod val="15000"/>
-                <a:lumOff val="85000"/>
-              </a:schemeClr>
-            </a:solidFill>
-            <a:round/>
-          </a:ln>
-          <a:effectLst/>
-        </c:spPr>
-        <c:txPr>
-          <a:bodyPr rot="-60000000" spcFirstLastPara="1" vertOverflow="ellipsis" vert="horz" wrap="square" anchor="ctr" anchorCtr="1"/>
-          <a:lstStyle/>
-          <a:p>
-            <a:pPr>
-              <a:defRPr sz="2400" b="0" i="0" u="none" strike="noStrike" kern="1200" baseline="0">
-                <a:solidFill>
-                  <a:schemeClr val="tx1"/>
-                </a:solidFill>
-                <a:latin typeface="+mn-lt"/>
-                <a:ea typeface="+mn-ea"/>
-                <a:cs typeface="+mn-cs"/>
-              </a:defRPr>
-            </a:pPr>
-            <a:endParaRPr lang="en-US"/>
-          </a:p>
-        </c:txPr>
-        <c:crossAx val="336585823"/>
-        <c:crosses val="autoZero"/>
-        <c:auto val="1"/>
-        <c:lblAlgn val="ctr"/>
-        <c:lblOffset val="100"/>
-        <c:noMultiLvlLbl val="0"/>
-      </c:catAx>
-      <c:valAx>
-        <c:axId val="336585823"/>
-        <c:scaling>
-          <c:orientation val="minMax"/>
-        </c:scaling>
-        <c:delete val="0"/>
-        <c:axPos val="l"/>
-        <c:majorGridlines>
-          <c:spPr>
-            <a:ln w="9525" cap="flat" cmpd="sng" algn="ctr">
-              <a:solidFill>
-                <a:schemeClr val="tx1">
-                  <a:lumMod val="15000"/>
-                  <a:lumOff val="85000"/>
-                </a:schemeClr>
-              </a:solidFill>
-              <a:round/>
-            </a:ln>
-            <a:effectLst/>
-          </c:spPr>
-        </c:majorGridlines>
-        <c:title>
-          <c:tx>
-            <c:rich>
-              <a:bodyPr rot="-5400000" spcFirstLastPara="1" vertOverflow="ellipsis" vert="horz" wrap="square" anchor="ctr" anchorCtr="1"/>
-              <a:lstStyle/>
-              <a:p>
-                <a:pPr>
-                  <a:defRPr sz="2800" b="0" i="0" u="none" strike="noStrike" kern="1200" baseline="0">
-                    <a:solidFill>
-                      <a:schemeClr val="tx1"/>
-                    </a:solidFill>
-                    <a:latin typeface="+mn-lt"/>
-                    <a:ea typeface="+mn-ea"/>
-                    <a:cs typeface="+mn-cs"/>
-                  </a:defRPr>
-                </a:pPr>
-                <a:r>
-                  <a:rPr lang="en-US" sz="2800" dirty="0">
-                    <a:solidFill>
-                      <a:schemeClr val="tx1"/>
-                    </a:solidFill>
-                  </a:rPr>
-                  <a:t>Food</a:t>
-                </a:r>
-                <a:r>
-                  <a:rPr lang="en-US" sz="2800" baseline="0" dirty="0">
-                    <a:solidFill>
-                      <a:schemeClr val="tx1"/>
-                    </a:solidFill>
-                  </a:rPr>
-                  <a:t> Insecurity (%)</a:t>
-                </a:r>
-                <a:endParaRPr lang="en-US" sz="2800" dirty="0">
-                  <a:solidFill>
-                    <a:schemeClr val="tx1"/>
-                  </a:solidFill>
-                </a:endParaRPr>
-              </a:p>
-            </c:rich>
-          </c:tx>
-          <c:layout>
-            <c:manualLayout>
-              <c:xMode val="edge"/>
-              <c:yMode val="edge"/>
-              <c:x val="0"/>
-              <c:y val="0.10359206687156984"/>
-            </c:manualLayout>
-          </c:layout>
-          <c:overlay val="0"/>
-          <c:spPr>
-            <a:noFill/>
-            <a:ln>
-              <a:noFill/>
-            </a:ln>
-            <a:effectLst/>
-          </c:spPr>
-          <c:txPr>
-            <a:bodyPr rot="-5400000" spcFirstLastPara="1" vertOverflow="ellipsis" vert="horz" wrap="square" anchor="ctr" anchorCtr="1"/>
-            <a:lstStyle/>
-            <a:p>
-              <a:pPr>
-                <a:defRPr sz="2800" b="0" i="0" u="none" strike="noStrike" kern="1200" baseline="0">
-                  <a:solidFill>
-                    <a:schemeClr val="tx1"/>
-                  </a:solidFill>
-                  <a:latin typeface="+mn-lt"/>
-                  <a:ea typeface="+mn-ea"/>
-                  <a:cs typeface="+mn-cs"/>
-                </a:defRPr>
-              </a:pPr>
-              <a:endParaRPr lang="en-US"/>
-            </a:p>
-          </c:txPr>
-        </c:title>
-        <c:numFmt formatCode="General" sourceLinked="1"/>
-        <c:majorTickMark val="none"/>
-        <c:minorTickMark val="none"/>
-        <c:tickLblPos val="nextTo"/>
-        <c:spPr>
-          <a:noFill/>
-          <a:ln>
-            <a:noFill/>
-          </a:ln>
-          <a:effectLst/>
-        </c:spPr>
-        <c:txPr>
-          <a:bodyPr rot="-60000000" spcFirstLastPara="1" vertOverflow="ellipsis" vert="horz" wrap="square" anchor="ctr" anchorCtr="1"/>
-          <a:lstStyle/>
-          <a:p>
-            <a:pPr>
-              <a:defRPr sz="2800" b="0" i="0" u="none" strike="noStrike" kern="1200" baseline="0">
-                <a:solidFill>
-                  <a:schemeClr val="tx1"/>
-                </a:solidFill>
-                <a:latin typeface="+mn-lt"/>
-                <a:ea typeface="+mn-ea"/>
-                <a:cs typeface="+mn-cs"/>
-              </a:defRPr>
-            </a:pPr>
-            <a:endParaRPr lang="en-US"/>
-          </a:p>
-        </c:txPr>
-        <c:crossAx val="336586655"/>
-        <c:crosses val="autoZero"/>
-        <c:crossBetween val="between"/>
-      </c:valAx>
-      <c:spPr>
-        <a:noFill/>
-        <a:ln>
-          <a:noFill/>
-        </a:ln>
-        <a:effectLst/>
-      </c:spPr>
-    </c:plotArea>
-    <c:legend>
-      <c:legendPos val="b"/>
-      <c:overlay val="0"/>
-      <c:spPr>
-        <a:noFill/>
-        <a:ln>
-          <a:noFill/>
-        </a:ln>
-        <a:effectLst/>
-      </c:spPr>
-      <c:txPr>
-        <a:bodyPr rot="0" spcFirstLastPara="1" vertOverflow="ellipsis" vert="horz" wrap="square" anchor="ctr" anchorCtr="1"/>
-        <a:lstStyle/>
-        <a:p>
-          <a:pPr>
-            <a:defRPr sz="2400" b="0" i="0" u="none" strike="noStrike" kern="1200" baseline="0">
-              <a:solidFill>
-                <a:schemeClr val="tx1"/>
-              </a:solidFill>
-              <a:latin typeface="+mn-lt"/>
-              <a:ea typeface="+mn-ea"/>
-              <a:cs typeface="+mn-cs"/>
-            </a:defRPr>
-          </a:pPr>
-          <a:endParaRPr lang="en-US"/>
-        </a:p>
-      </c:txPr>
-    </c:legend>
-    <c:plotVisOnly val="1"/>
-    <c:dispBlanksAs val="gap"/>
-    <c:extLst>
-      <c:ext xmlns:c16r3="http://schemas.microsoft.com/office/drawing/2017/03/chart" uri="{56B9EC1D-385E-4148-901F-78D8002777C0}">
-        <c16r3:dataDisplayOptions16>
-          <c16r3:dispNaAsBlank val="1"/>
-        </c16r3:dataDisplayOptions16>
-      </c:ext>
-    </c:extLst>
-    <c:showDLblsOverMax val="0"/>
-  </c:chart>
-  <c:spPr>
-    <a:noFill/>
-    <a:ln>
-      <a:noFill/>
+      <a:round/>
     </a:ln>
     <a:effectLst/>
   </c:spPr>
@@ -4882,166 +1930,6 @@
 </cs:colorStyle>
 </file>
 
-<file path=ppt/charts/colors5.xml><?xml version="1.0" encoding="utf-8"?>
-<cs:colorStyle xmlns:cs="http://schemas.microsoft.com/office/drawing/2012/chartStyle" xmlns:a="http://schemas.openxmlformats.org/drawingml/2006/main" meth="cycle" id="10">
-  <a:schemeClr val="accent1"/>
-  <a:schemeClr val="accent2"/>
-  <a:schemeClr val="accent3"/>
-  <a:schemeClr val="accent4"/>
-  <a:schemeClr val="accent5"/>
-  <a:schemeClr val="accent6"/>
-  <cs:variation/>
-  <cs:variation>
-    <a:lumMod val="60000"/>
-  </cs:variation>
-  <cs:variation>
-    <a:lumMod val="80000"/>
-    <a:lumOff val="20000"/>
-  </cs:variation>
-  <cs:variation>
-    <a:lumMod val="80000"/>
-  </cs:variation>
-  <cs:variation>
-    <a:lumMod val="60000"/>
-    <a:lumOff val="40000"/>
-  </cs:variation>
-  <cs:variation>
-    <a:lumMod val="50000"/>
-  </cs:variation>
-  <cs:variation>
-    <a:lumMod val="70000"/>
-    <a:lumOff val="30000"/>
-  </cs:variation>
-  <cs:variation>
-    <a:lumMod val="70000"/>
-  </cs:variation>
-  <cs:variation>
-    <a:lumMod val="50000"/>
-    <a:lumOff val="50000"/>
-  </cs:variation>
-</cs:colorStyle>
-</file>
-
-<file path=ppt/charts/colors6.xml><?xml version="1.0" encoding="utf-8"?>
-<cs:colorStyle xmlns:cs="http://schemas.microsoft.com/office/drawing/2012/chartStyle" xmlns:a="http://schemas.openxmlformats.org/drawingml/2006/main" meth="cycle" id="10">
-  <a:schemeClr val="accent1"/>
-  <a:schemeClr val="accent2"/>
-  <a:schemeClr val="accent3"/>
-  <a:schemeClr val="accent4"/>
-  <a:schemeClr val="accent5"/>
-  <a:schemeClr val="accent6"/>
-  <cs:variation/>
-  <cs:variation>
-    <a:lumMod val="60000"/>
-  </cs:variation>
-  <cs:variation>
-    <a:lumMod val="80000"/>
-    <a:lumOff val="20000"/>
-  </cs:variation>
-  <cs:variation>
-    <a:lumMod val="80000"/>
-  </cs:variation>
-  <cs:variation>
-    <a:lumMod val="60000"/>
-    <a:lumOff val="40000"/>
-  </cs:variation>
-  <cs:variation>
-    <a:lumMod val="50000"/>
-  </cs:variation>
-  <cs:variation>
-    <a:lumMod val="70000"/>
-    <a:lumOff val="30000"/>
-  </cs:variation>
-  <cs:variation>
-    <a:lumMod val="70000"/>
-  </cs:variation>
-  <cs:variation>
-    <a:lumMod val="50000"/>
-    <a:lumOff val="50000"/>
-  </cs:variation>
-</cs:colorStyle>
-</file>
-
-<file path=ppt/charts/colors7.xml><?xml version="1.0" encoding="utf-8"?>
-<cs:colorStyle xmlns:cs="http://schemas.microsoft.com/office/drawing/2012/chartStyle" xmlns:a="http://schemas.openxmlformats.org/drawingml/2006/main" meth="cycle" id="10">
-  <a:schemeClr val="accent1"/>
-  <a:schemeClr val="accent2"/>
-  <a:schemeClr val="accent3"/>
-  <a:schemeClr val="accent4"/>
-  <a:schemeClr val="accent5"/>
-  <a:schemeClr val="accent6"/>
-  <cs:variation/>
-  <cs:variation>
-    <a:lumMod val="60000"/>
-  </cs:variation>
-  <cs:variation>
-    <a:lumMod val="80000"/>
-    <a:lumOff val="20000"/>
-  </cs:variation>
-  <cs:variation>
-    <a:lumMod val="80000"/>
-  </cs:variation>
-  <cs:variation>
-    <a:lumMod val="60000"/>
-    <a:lumOff val="40000"/>
-  </cs:variation>
-  <cs:variation>
-    <a:lumMod val="50000"/>
-  </cs:variation>
-  <cs:variation>
-    <a:lumMod val="70000"/>
-    <a:lumOff val="30000"/>
-  </cs:variation>
-  <cs:variation>
-    <a:lumMod val="70000"/>
-  </cs:variation>
-  <cs:variation>
-    <a:lumMod val="50000"/>
-    <a:lumOff val="50000"/>
-  </cs:variation>
-</cs:colorStyle>
-</file>
-
-<file path=ppt/charts/colors8.xml><?xml version="1.0" encoding="utf-8"?>
-<cs:colorStyle xmlns:cs="http://schemas.microsoft.com/office/drawing/2012/chartStyle" xmlns:a="http://schemas.openxmlformats.org/drawingml/2006/main" meth="cycle" id="10">
-  <a:schemeClr val="accent1"/>
-  <a:schemeClr val="accent2"/>
-  <a:schemeClr val="accent3"/>
-  <a:schemeClr val="accent4"/>
-  <a:schemeClr val="accent5"/>
-  <a:schemeClr val="accent6"/>
-  <cs:variation/>
-  <cs:variation>
-    <a:lumMod val="60000"/>
-  </cs:variation>
-  <cs:variation>
-    <a:lumMod val="80000"/>
-    <a:lumOff val="20000"/>
-  </cs:variation>
-  <cs:variation>
-    <a:lumMod val="80000"/>
-  </cs:variation>
-  <cs:variation>
-    <a:lumMod val="60000"/>
-    <a:lumOff val="40000"/>
-  </cs:variation>
-  <cs:variation>
-    <a:lumMod val="50000"/>
-  </cs:variation>
-  <cs:variation>
-    <a:lumMod val="70000"/>
-    <a:lumOff val="30000"/>
-  </cs:variation>
-  <cs:variation>
-    <a:lumMod val="70000"/>
-  </cs:variation>
-  <cs:variation>
-    <a:lumMod val="50000"/>
-    <a:lumOff val="50000"/>
-  </cs:variation>
-</cs:colorStyle>
-</file>
-
 <file path=ppt/charts/style1.xml><?xml version="1.0" encoding="utf-8"?>
 <cs:chartStyle xmlns:cs="http://schemas.microsoft.com/office/drawing/2012/chartStyle" xmlns:a="http://schemas.openxmlformats.org/drawingml/2006/main" id="332">
   <cs:axisTitle>
@@ -6552,2018 +3440,6 @@
 </file>
 
 <file path=ppt/charts/style4.xml><?xml version="1.0" encoding="utf-8"?>
-<cs:chartStyle xmlns:cs="http://schemas.microsoft.com/office/drawing/2012/chartStyle" xmlns:a="http://schemas.openxmlformats.org/drawingml/2006/main" id="332">
-  <cs:axisTitle>
-    <cs:lnRef idx="0"/>
-    <cs:fillRef idx="0"/>
-    <cs:effectRef idx="0"/>
-    <cs:fontRef idx="minor">
-      <a:schemeClr val="tx1">
-        <a:lumMod val="65000"/>
-        <a:lumOff val="35000"/>
-      </a:schemeClr>
-    </cs:fontRef>
-    <cs:defRPr sz="1000" kern="1200"/>
-  </cs:axisTitle>
-  <cs:categoryAxis>
-    <cs:lnRef idx="0"/>
-    <cs:fillRef idx="0"/>
-    <cs:effectRef idx="0"/>
-    <cs:fontRef idx="minor">
-      <a:schemeClr val="tx1">
-        <a:lumMod val="65000"/>
-        <a:lumOff val="35000"/>
-      </a:schemeClr>
-    </cs:fontRef>
-    <cs:spPr>
-      <a:ln w="9525" cap="flat" cmpd="sng" algn="ctr">
-        <a:solidFill>
-          <a:schemeClr val="tx1">
-            <a:lumMod val="15000"/>
-            <a:lumOff val="85000"/>
-          </a:schemeClr>
-        </a:solidFill>
-        <a:round/>
-      </a:ln>
-    </cs:spPr>
-    <cs:defRPr sz="900" kern="1200"/>
-  </cs:categoryAxis>
-  <cs:chartArea mods="allowNoFillOverride allowNoLineOverride">
-    <cs:lnRef idx="0"/>
-    <cs:fillRef idx="0"/>
-    <cs:effectRef idx="0"/>
-    <cs:fontRef idx="minor">
-      <a:schemeClr val="tx1"/>
-    </cs:fontRef>
-    <cs:spPr>
-      <a:solidFill>
-        <a:schemeClr val="bg1"/>
-      </a:solidFill>
-      <a:ln w="9525" cap="flat" cmpd="sng" algn="ctr">
-        <a:solidFill>
-          <a:schemeClr val="tx1">
-            <a:lumMod val="15000"/>
-            <a:lumOff val="85000"/>
-          </a:schemeClr>
-        </a:solidFill>
-        <a:round/>
-      </a:ln>
-    </cs:spPr>
-    <cs:defRPr sz="1000" kern="1200"/>
-  </cs:chartArea>
-  <cs:dataLabel>
-    <cs:lnRef idx="0"/>
-    <cs:fillRef idx="0"/>
-    <cs:effectRef idx="0"/>
-    <cs:fontRef idx="minor">
-      <a:schemeClr val="tx1">
-        <a:lumMod val="75000"/>
-        <a:lumOff val="25000"/>
-      </a:schemeClr>
-    </cs:fontRef>
-    <cs:defRPr sz="900" kern="1200"/>
-  </cs:dataLabel>
-  <cs:dataLabelCallout>
-    <cs:lnRef idx="0"/>
-    <cs:fillRef idx="0"/>
-    <cs:effectRef idx="0"/>
-    <cs:fontRef idx="minor">
-      <a:schemeClr val="dk1">
-        <a:lumMod val="65000"/>
-        <a:lumOff val="35000"/>
-      </a:schemeClr>
-    </cs:fontRef>
-    <cs:spPr>
-      <a:solidFill>
-        <a:schemeClr val="lt1"/>
-      </a:solidFill>
-      <a:ln>
-        <a:solidFill>
-          <a:schemeClr val="dk1">
-            <a:lumMod val="25000"/>
-            <a:lumOff val="75000"/>
-          </a:schemeClr>
-        </a:solidFill>
-      </a:ln>
-    </cs:spPr>
-    <cs:defRPr sz="900" kern="1200"/>
-    <cs:bodyPr rot="0" spcFirstLastPara="1" vertOverflow="clip" horzOverflow="clip" vert="horz" wrap="square" lIns="36576" tIns="18288" rIns="36576" bIns="18288" anchor="ctr" anchorCtr="1">
-      <a:spAutoFit/>
-    </cs:bodyPr>
-  </cs:dataLabelCallout>
-  <cs:dataPoint>
-    <cs:lnRef idx="0"/>
-    <cs:fillRef idx="1">
-      <cs:styleClr val="auto"/>
-    </cs:fillRef>
-    <cs:effectRef idx="0"/>
-    <cs:fontRef idx="minor">
-      <a:schemeClr val="tx1"/>
-    </cs:fontRef>
-  </cs:dataPoint>
-  <cs:dataPoint3D>
-    <cs:lnRef idx="0"/>
-    <cs:fillRef idx="1">
-      <cs:styleClr val="auto"/>
-    </cs:fillRef>
-    <cs:effectRef idx="0"/>
-    <cs:fontRef idx="minor">
-      <a:schemeClr val="tx1"/>
-    </cs:fontRef>
-  </cs:dataPoint3D>
-  <cs:dataPointLine>
-    <cs:lnRef idx="0">
-      <cs:styleClr val="auto"/>
-    </cs:lnRef>
-    <cs:fillRef idx="1"/>
-    <cs:effectRef idx="0"/>
-    <cs:fontRef idx="minor">
-      <a:schemeClr val="tx1"/>
-    </cs:fontRef>
-    <cs:spPr>
-      <a:ln w="28575" cap="rnd">
-        <a:solidFill>
-          <a:schemeClr val="phClr"/>
-        </a:solidFill>
-        <a:round/>
-      </a:ln>
-    </cs:spPr>
-  </cs:dataPointLine>
-  <cs:dataPointMarker>
-    <cs:lnRef idx="0">
-      <cs:styleClr val="auto"/>
-    </cs:lnRef>
-    <cs:fillRef idx="1">
-      <cs:styleClr val="auto"/>
-    </cs:fillRef>
-    <cs:effectRef idx="0"/>
-    <cs:fontRef idx="minor">
-      <a:schemeClr val="tx1"/>
-    </cs:fontRef>
-    <cs:spPr>
-      <a:ln w="9525">
-        <a:solidFill>
-          <a:schemeClr val="phClr"/>
-        </a:solidFill>
-      </a:ln>
-    </cs:spPr>
-  </cs:dataPointMarker>
-  <cs:dataPointMarkerLayout symbol="circle" size="5"/>
-  <cs:dataPointWireframe>
-    <cs:lnRef idx="0">
-      <cs:styleClr val="auto"/>
-    </cs:lnRef>
-    <cs:fillRef idx="1"/>
-    <cs:effectRef idx="0"/>
-    <cs:fontRef idx="minor">
-      <a:schemeClr val="tx1"/>
-    </cs:fontRef>
-    <cs:spPr>
-      <a:ln w="9525" cap="rnd">
-        <a:solidFill>
-          <a:schemeClr val="phClr"/>
-        </a:solidFill>
-        <a:round/>
-      </a:ln>
-    </cs:spPr>
-  </cs:dataPointWireframe>
-  <cs:dataTable>
-    <cs:lnRef idx="0"/>
-    <cs:fillRef idx="0"/>
-    <cs:effectRef idx="0"/>
-    <cs:fontRef idx="minor">
-      <a:schemeClr val="tx1">
-        <a:lumMod val="65000"/>
-        <a:lumOff val="35000"/>
-      </a:schemeClr>
-    </cs:fontRef>
-    <cs:spPr>
-      <a:noFill/>
-      <a:ln w="9525" cap="flat" cmpd="sng" algn="ctr">
-        <a:solidFill>
-          <a:schemeClr val="tx1">
-            <a:lumMod val="15000"/>
-            <a:lumOff val="85000"/>
-          </a:schemeClr>
-        </a:solidFill>
-        <a:round/>
-      </a:ln>
-    </cs:spPr>
-    <cs:defRPr sz="900" kern="1200"/>
-  </cs:dataTable>
-  <cs:downBar>
-    <cs:lnRef idx="0"/>
-    <cs:fillRef idx="0"/>
-    <cs:effectRef idx="0"/>
-    <cs:fontRef idx="minor">
-      <a:schemeClr val="dk1"/>
-    </cs:fontRef>
-    <cs:spPr>
-      <a:solidFill>
-        <a:schemeClr val="dk1">
-          <a:lumMod val="65000"/>
-          <a:lumOff val="35000"/>
-        </a:schemeClr>
-      </a:solidFill>
-      <a:ln w="9525">
-        <a:solidFill>
-          <a:schemeClr val="tx1">
-            <a:lumMod val="65000"/>
-            <a:lumOff val="35000"/>
-          </a:schemeClr>
-        </a:solidFill>
-      </a:ln>
-    </cs:spPr>
-  </cs:downBar>
-  <cs:dropLine>
-    <cs:lnRef idx="0"/>
-    <cs:fillRef idx="0"/>
-    <cs:effectRef idx="0"/>
-    <cs:fontRef idx="minor">
-      <a:schemeClr val="tx1"/>
-    </cs:fontRef>
-    <cs:spPr>
-      <a:ln w="9525" cap="flat" cmpd="sng" algn="ctr">
-        <a:solidFill>
-          <a:schemeClr val="tx1">
-            <a:lumMod val="35000"/>
-            <a:lumOff val="65000"/>
-          </a:schemeClr>
-        </a:solidFill>
-        <a:round/>
-      </a:ln>
-    </cs:spPr>
-  </cs:dropLine>
-  <cs:errorBar>
-    <cs:lnRef idx="0"/>
-    <cs:fillRef idx="0"/>
-    <cs:effectRef idx="0"/>
-    <cs:fontRef idx="minor">
-      <a:schemeClr val="tx1"/>
-    </cs:fontRef>
-    <cs:spPr>
-      <a:ln w="9525" cap="flat" cmpd="sng" algn="ctr">
-        <a:solidFill>
-          <a:schemeClr val="tx1">
-            <a:lumMod val="65000"/>
-            <a:lumOff val="35000"/>
-          </a:schemeClr>
-        </a:solidFill>
-        <a:round/>
-      </a:ln>
-    </cs:spPr>
-  </cs:errorBar>
-  <cs:floor>
-    <cs:lnRef idx="0"/>
-    <cs:fillRef idx="0"/>
-    <cs:effectRef idx="0"/>
-    <cs:fontRef idx="minor">
-      <a:schemeClr val="tx1"/>
-    </cs:fontRef>
-    <cs:spPr>
-      <a:noFill/>
-      <a:ln>
-        <a:noFill/>
-      </a:ln>
-    </cs:spPr>
-  </cs:floor>
-  <cs:gridlineMajor>
-    <cs:lnRef idx="0"/>
-    <cs:fillRef idx="0"/>
-    <cs:effectRef idx="0"/>
-    <cs:fontRef idx="minor">
-      <a:schemeClr val="tx1"/>
-    </cs:fontRef>
-    <cs:spPr>
-      <a:ln w="9525" cap="flat" cmpd="sng" algn="ctr">
-        <a:solidFill>
-          <a:schemeClr val="tx1">
-            <a:lumMod val="15000"/>
-            <a:lumOff val="85000"/>
-          </a:schemeClr>
-        </a:solidFill>
-        <a:round/>
-      </a:ln>
-    </cs:spPr>
-  </cs:gridlineMajor>
-  <cs:gridlineMinor>
-    <cs:lnRef idx="0"/>
-    <cs:fillRef idx="0"/>
-    <cs:effectRef idx="0"/>
-    <cs:fontRef idx="minor">
-      <a:schemeClr val="tx1"/>
-    </cs:fontRef>
-    <cs:spPr>
-      <a:ln w="9525" cap="flat" cmpd="sng" algn="ctr">
-        <a:solidFill>
-          <a:schemeClr val="tx1">
-            <a:lumMod val="5000"/>
-            <a:lumOff val="95000"/>
-          </a:schemeClr>
-        </a:solidFill>
-        <a:round/>
-      </a:ln>
-    </cs:spPr>
-  </cs:gridlineMinor>
-  <cs:hiLoLine>
-    <cs:lnRef idx="0"/>
-    <cs:fillRef idx="0"/>
-    <cs:effectRef idx="0"/>
-    <cs:fontRef idx="minor">
-      <a:schemeClr val="tx1"/>
-    </cs:fontRef>
-    <cs:spPr>
-      <a:ln w="9525" cap="flat" cmpd="sng" algn="ctr">
-        <a:solidFill>
-          <a:schemeClr val="tx1">
-            <a:lumMod val="75000"/>
-            <a:lumOff val="25000"/>
-          </a:schemeClr>
-        </a:solidFill>
-        <a:round/>
-      </a:ln>
-    </cs:spPr>
-  </cs:hiLoLine>
-  <cs:leaderLine>
-    <cs:lnRef idx="0"/>
-    <cs:fillRef idx="0"/>
-    <cs:effectRef idx="0"/>
-    <cs:fontRef idx="minor">
-      <a:schemeClr val="tx1"/>
-    </cs:fontRef>
-    <cs:spPr>
-      <a:ln w="9525" cap="flat" cmpd="sng" algn="ctr">
-        <a:solidFill>
-          <a:schemeClr val="tx1">
-            <a:lumMod val="35000"/>
-            <a:lumOff val="65000"/>
-          </a:schemeClr>
-        </a:solidFill>
-        <a:round/>
-      </a:ln>
-    </cs:spPr>
-  </cs:leaderLine>
-  <cs:legend>
-    <cs:lnRef idx="0"/>
-    <cs:fillRef idx="0"/>
-    <cs:effectRef idx="0"/>
-    <cs:fontRef idx="minor">
-      <a:schemeClr val="tx1">
-        <a:lumMod val="65000"/>
-        <a:lumOff val="35000"/>
-      </a:schemeClr>
-    </cs:fontRef>
-    <cs:defRPr sz="900" kern="1200"/>
-  </cs:legend>
-  <cs:plotArea mods="allowNoFillOverride allowNoLineOverride">
-    <cs:lnRef idx="0"/>
-    <cs:fillRef idx="0"/>
-    <cs:effectRef idx="0"/>
-    <cs:fontRef idx="minor">
-      <a:schemeClr val="tx1"/>
-    </cs:fontRef>
-  </cs:plotArea>
-  <cs:plotArea3D mods="allowNoFillOverride allowNoLineOverride">
-    <cs:lnRef idx="0"/>
-    <cs:fillRef idx="0"/>
-    <cs:effectRef idx="0"/>
-    <cs:fontRef idx="minor">
-      <a:schemeClr val="tx1"/>
-    </cs:fontRef>
-  </cs:plotArea3D>
-  <cs:seriesAxis>
-    <cs:lnRef idx="0"/>
-    <cs:fillRef idx="0"/>
-    <cs:effectRef idx="0"/>
-    <cs:fontRef idx="minor">
-      <a:schemeClr val="tx1">
-        <a:lumMod val="65000"/>
-        <a:lumOff val="35000"/>
-      </a:schemeClr>
-    </cs:fontRef>
-    <cs:defRPr sz="900" kern="1200"/>
-  </cs:seriesAxis>
-  <cs:seriesLine>
-    <cs:lnRef idx="0"/>
-    <cs:fillRef idx="0"/>
-    <cs:effectRef idx="0"/>
-    <cs:fontRef idx="minor">
-      <a:schemeClr val="tx1"/>
-    </cs:fontRef>
-    <cs:spPr>
-      <a:ln w="9525" cap="flat" cmpd="sng" algn="ctr">
-        <a:solidFill>
-          <a:schemeClr val="tx1">
-            <a:lumMod val="35000"/>
-            <a:lumOff val="65000"/>
-          </a:schemeClr>
-        </a:solidFill>
-        <a:round/>
-      </a:ln>
-    </cs:spPr>
-  </cs:seriesLine>
-  <cs:title>
-    <cs:lnRef idx="0"/>
-    <cs:fillRef idx="0"/>
-    <cs:effectRef idx="0"/>
-    <cs:fontRef idx="minor">
-      <a:schemeClr val="tx1">
-        <a:lumMod val="65000"/>
-        <a:lumOff val="35000"/>
-      </a:schemeClr>
-    </cs:fontRef>
-    <cs:defRPr sz="1400" b="0" kern="1200" spc="0" baseline="0"/>
-  </cs:title>
-  <cs:trendline>
-    <cs:lnRef idx="0">
-      <cs:styleClr val="auto"/>
-    </cs:lnRef>
-    <cs:fillRef idx="0"/>
-    <cs:effectRef idx="0"/>
-    <cs:fontRef idx="minor">
-      <a:schemeClr val="tx1"/>
-    </cs:fontRef>
-    <cs:spPr>
-      <a:ln w="19050" cap="rnd">
-        <a:solidFill>
-          <a:schemeClr val="phClr"/>
-        </a:solidFill>
-        <a:prstDash val="sysDot"/>
-      </a:ln>
-    </cs:spPr>
-  </cs:trendline>
-  <cs:trendlineLabel>
-    <cs:lnRef idx="0"/>
-    <cs:fillRef idx="0"/>
-    <cs:effectRef idx="0"/>
-    <cs:fontRef idx="minor">
-      <a:schemeClr val="tx1">
-        <a:lumMod val="65000"/>
-        <a:lumOff val="35000"/>
-      </a:schemeClr>
-    </cs:fontRef>
-    <cs:defRPr sz="900" kern="1200"/>
-  </cs:trendlineLabel>
-  <cs:upBar>
-    <cs:lnRef idx="0"/>
-    <cs:fillRef idx="0"/>
-    <cs:effectRef idx="0"/>
-    <cs:fontRef idx="minor">
-      <a:schemeClr val="dk1"/>
-    </cs:fontRef>
-    <cs:spPr>
-      <a:solidFill>
-        <a:schemeClr val="lt1"/>
-      </a:solidFill>
-      <a:ln w="9525">
-        <a:solidFill>
-          <a:schemeClr val="tx1">
-            <a:lumMod val="15000"/>
-            <a:lumOff val="85000"/>
-          </a:schemeClr>
-        </a:solidFill>
-      </a:ln>
-    </cs:spPr>
-  </cs:upBar>
-  <cs:valueAxis>
-    <cs:lnRef idx="0"/>
-    <cs:fillRef idx="0"/>
-    <cs:effectRef idx="0"/>
-    <cs:fontRef idx="minor">
-      <a:schemeClr val="tx1">
-        <a:lumMod val="65000"/>
-        <a:lumOff val="35000"/>
-      </a:schemeClr>
-    </cs:fontRef>
-    <cs:defRPr sz="900" kern="1200"/>
-  </cs:valueAxis>
-  <cs:wall>
-    <cs:lnRef idx="0"/>
-    <cs:fillRef idx="0"/>
-    <cs:effectRef idx="0"/>
-    <cs:fontRef idx="minor">
-      <a:schemeClr val="tx1"/>
-    </cs:fontRef>
-    <cs:spPr>
-      <a:noFill/>
-      <a:ln>
-        <a:noFill/>
-      </a:ln>
-    </cs:spPr>
-  </cs:wall>
-</cs:chartStyle>
-</file>
-
-<file path=ppt/charts/style5.xml><?xml version="1.0" encoding="utf-8"?>
-<cs:chartStyle xmlns:cs="http://schemas.microsoft.com/office/drawing/2012/chartStyle" xmlns:a="http://schemas.openxmlformats.org/drawingml/2006/main" id="332">
-  <cs:axisTitle>
-    <cs:lnRef idx="0"/>
-    <cs:fillRef idx="0"/>
-    <cs:effectRef idx="0"/>
-    <cs:fontRef idx="minor">
-      <a:schemeClr val="tx1">
-        <a:lumMod val="65000"/>
-        <a:lumOff val="35000"/>
-      </a:schemeClr>
-    </cs:fontRef>
-    <cs:defRPr sz="1000" kern="1200"/>
-  </cs:axisTitle>
-  <cs:categoryAxis>
-    <cs:lnRef idx="0"/>
-    <cs:fillRef idx="0"/>
-    <cs:effectRef idx="0"/>
-    <cs:fontRef idx="minor">
-      <a:schemeClr val="tx1">
-        <a:lumMod val="65000"/>
-        <a:lumOff val="35000"/>
-      </a:schemeClr>
-    </cs:fontRef>
-    <cs:spPr>
-      <a:ln w="9525" cap="flat" cmpd="sng" algn="ctr">
-        <a:solidFill>
-          <a:schemeClr val="tx1">
-            <a:lumMod val="15000"/>
-            <a:lumOff val="85000"/>
-          </a:schemeClr>
-        </a:solidFill>
-        <a:round/>
-      </a:ln>
-    </cs:spPr>
-    <cs:defRPr sz="900" kern="1200"/>
-  </cs:categoryAxis>
-  <cs:chartArea mods="allowNoFillOverride allowNoLineOverride">
-    <cs:lnRef idx="0"/>
-    <cs:fillRef idx="0"/>
-    <cs:effectRef idx="0"/>
-    <cs:fontRef idx="minor">
-      <a:schemeClr val="tx1"/>
-    </cs:fontRef>
-    <cs:spPr>
-      <a:solidFill>
-        <a:schemeClr val="bg1"/>
-      </a:solidFill>
-      <a:ln w="9525" cap="flat" cmpd="sng" algn="ctr">
-        <a:solidFill>
-          <a:schemeClr val="tx1">
-            <a:lumMod val="15000"/>
-            <a:lumOff val="85000"/>
-          </a:schemeClr>
-        </a:solidFill>
-        <a:round/>
-      </a:ln>
-    </cs:spPr>
-    <cs:defRPr sz="1000" kern="1200"/>
-  </cs:chartArea>
-  <cs:dataLabel>
-    <cs:lnRef idx="0"/>
-    <cs:fillRef idx="0"/>
-    <cs:effectRef idx="0"/>
-    <cs:fontRef idx="minor">
-      <a:schemeClr val="tx1">
-        <a:lumMod val="75000"/>
-        <a:lumOff val="25000"/>
-      </a:schemeClr>
-    </cs:fontRef>
-    <cs:defRPr sz="900" kern="1200"/>
-  </cs:dataLabel>
-  <cs:dataLabelCallout>
-    <cs:lnRef idx="0"/>
-    <cs:fillRef idx="0"/>
-    <cs:effectRef idx="0"/>
-    <cs:fontRef idx="minor">
-      <a:schemeClr val="dk1">
-        <a:lumMod val="65000"/>
-        <a:lumOff val="35000"/>
-      </a:schemeClr>
-    </cs:fontRef>
-    <cs:spPr>
-      <a:solidFill>
-        <a:schemeClr val="lt1"/>
-      </a:solidFill>
-      <a:ln>
-        <a:solidFill>
-          <a:schemeClr val="dk1">
-            <a:lumMod val="25000"/>
-            <a:lumOff val="75000"/>
-          </a:schemeClr>
-        </a:solidFill>
-      </a:ln>
-    </cs:spPr>
-    <cs:defRPr sz="900" kern="1200"/>
-    <cs:bodyPr rot="0" spcFirstLastPara="1" vertOverflow="clip" horzOverflow="clip" vert="horz" wrap="square" lIns="36576" tIns="18288" rIns="36576" bIns="18288" anchor="ctr" anchorCtr="1">
-      <a:spAutoFit/>
-    </cs:bodyPr>
-  </cs:dataLabelCallout>
-  <cs:dataPoint>
-    <cs:lnRef idx="0"/>
-    <cs:fillRef idx="1">
-      <cs:styleClr val="auto"/>
-    </cs:fillRef>
-    <cs:effectRef idx="0"/>
-    <cs:fontRef idx="minor">
-      <a:schemeClr val="tx1"/>
-    </cs:fontRef>
-  </cs:dataPoint>
-  <cs:dataPoint3D>
-    <cs:lnRef idx="0"/>
-    <cs:fillRef idx="1">
-      <cs:styleClr val="auto"/>
-    </cs:fillRef>
-    <cs:effectRef idx="0"/>
-    <cs:fontRef idx="minor">
-      <a:schemeClr val="tx1"/>
-    </cs:fontRef>
-  </cs:dataPoint3D>
-  <cs:dataPointLine>
-    <cs:lnRef idx="0">
-      <cs:styleClr val="auto"/>
-    </cs:lnRef>
-    <cs:fillRef idx="1"/>
-    <cs:effectRef idx="0"/>
-    <cs:fontRef idx="minor">
-      <a:schemeClr val="tx1"/>
-    </cs:fontRef>
-    <cs:spPr>
-      <a:ln w="28575" cap="rnd">
-        <a:solidFill>
-          <a:schemeClr val="phClr"/>
-        </a:solidFill>
-        <a:round/>
-      </a:ln>
-    </cs:spPr>
-  </cs:dataPointLine>
-  <cs:dataPointMarker>
-    <cs:lnRef idx="0">
-      <cs:styleClr val="auto"/>
-    </cs:lnRef>
-    <cs:fillRef idx="1">
-      <cs:styleClr val="auto"/>
-    </cs:fillRef>
-    <cs:effectRef idx="0"/>
-    <cs:fontRef idx="minor">
-      <a:schemeClr val="tx1"/>
-    </cs:fontRef>
-    <cs:spPr>
-      <a:ln w="9525">
-        <a:solidFill>
-          <a:schemeClr val="phClr"/>
-        </a:solidFill>
-      </a:ln>
-    </cs:spPr>
-  </cs:dataPointMarker>
-  <cs:dataPointMarkerLayout symbol="circle" size="5"/>
-  <cs:dataPointWireframe>
-    <cs:lnRef idx="0">
-      <cs:styleClr val="auto"/>
-    </cs:lnRef>
-    <cs:fillRef idx="1"/>
-    <cs:effectRef idx="0"/>
-    <cs:fontRef idx="minor">
-      <a:schemeClr val="tx1"/>
-    </cs:fontRef>
-    <cs:spPr>
-      <a:ln w="9525" cap="rnd">
-        <a:solidFill>
-          <a:schemeClr val="phClr"/>
-        </a:solidFill>
-        <a:round/>
-      </a:ln>
-    </cs:spPr>
-  </cs:dataPointWireframe>
-  <cs:dataTable>
-    <cs:lnRef idx="0"/>
-    <cs:fillRef idx="0"/>
-    <cs:effectRef idx="0"/>
-    <cs:fontRef idx="minor">
-      <a:schemeClr val="tx1">
-        <a:lumMod val="65000"/>
-        <a:lumOff val="35000"/>
-      </a:schemeClr>
-    </cs:fontRef>
-    <cs:spPr>
-      <a:noFill/>
-      <a:ln w="9525" cap="flat" cmpd="sng" algn="ctr">
-        <a:solidFill>
-          <a:schemeClr val="tx1">
-            <a:lumMod val="15000"/>
-            <a:lumOff val="85000"/>
-          </a:schemeClr>
-        </a:solidFill>
-        <a:round/>
-      </a:ln>
-    </cs:spPr>
-    <cs:defRPr sz="900" kern="1200"/>
-  </cs:dataTable>
-  <cs:downBar>
-    <cs:lnRef idx="0"/>
-    <cs:fillRef idx="0"/>
-    <cs:effectRef idx="0"/>
-    <cs:fontRef idx="minor">
-      <a:schemeClr val="dk1"/>
-    </cs:fontRef>
-    <cs:spPr>
-      <a:solidFill>
-        <a:schemeClr val="dk1">
-          <a:lumMod val="65000"/>
-          <a:lumOff val="35000"/>
-        </a:schemeClr>
-      </a:solidFill>
-      <a:ln w="9525">
-        <a:solidFill>
-          <a:schemeClr val="tx1">
-            <a:lumMod val="65000"/>
-            <a:lumOff val="35000"/>
-          </a:schemeClr>
-        </a:solidFill>
-      </a:ln>
-    </cs:spPr>
-  </cs:downBar>
-  <cs:dropLine>
-    <cs:lnRef idx="0"/>
-    <cs:fillRef idx="0"/>
-    <cs:effectRef idx="0"/>
-    <cs:fontRef idx="minor">
-      <a:schemeClr val="tx1"/>
-    </cs:fontRef>
-    <cs:spPr>
-      <a:ln w="9525" cap="flat" cmpd="sng" algn="ctr">
-        <a:solidFill>
-          <a:schemeClr val="tx1">
-            <a:lumMod val="35000"/>
-            <a:lumOff val="65000"/>
-          </a:schemeClr>
-        </a:solidFill>
-        <a:round/>
-      </a:ln>
-    </cs:spPr>
-  </cs:dropLine>
-  <cs:errorBar>
-    <cs:lnRef idx="0"/>
-    <cs:fillRef idx="0"/>
-    <cs:effectRef idx="0"/>
-    <cs:fontRef idx="minor">
-      <a:schemeClr val="tx1"/>
-    </cs:fontRef>
-    <cs:spPr>
-      <a:ln w="9525" cap="flat" cmpd="sng" algn="ctr">
-        <a:solidFill>
-          <a:schemeClr val="tx1">
-            <a:lumMod val="65000"/>
-            <a:lumOff val="35000"/>
-          </a:schemeClr>
-        </a:solidFill>
-        <a:round/>
-      </a:ln>
-    </cs:spPr>
-  </cs:errorBar>
-  <cs:floor>
-    <cs:lnRef idx="0"/>
-    <cs:fillRef idx="0"/>
-    <cs:effectRef idx="0"/>
-    <cs:fontRef idx="minor">
-      <a:schemeClr val="tx1"/>
-    </cs:fontRef>
-    <cs:spPr>
-      <a:noFill/>
-      <a:ln>
-        <a:noFill/>
-      </a:ln>
-    </cs:spPr>
-  </cs:floor>
-  <cs:gridlineMajor>
-    <cs:lnRef idx="0"/>
-    <cs:fillRef idx="0"/>
-    <cs:effectRef idx="0"/>
-    <cs:fontRef idx="minor">
-      <a:schemeClr val="tx1"/>
-    </cs:fontRef>
-    <cs:spPr>
-      <a:ln w="9525" cap="flat" cmpd="sng" algn="ctr">
-        <a:solidFill>
-          <a:schemeClr val="tx1">
-            <a:lumMod val="15000"/>
-            <a:lumOff val="85000"/>
-          </a:schemeClr>
-        </a:solidFill>
-        <a:round/>
-      </a:ln>
-    </cs:spPr>
-  </cs:gridlineMajor>
-  <cs:gridlineMinor>
-    <cs:lnRef idx="0"/>
-    <cs:fillRef idx="0"/>
-    <cs:effectRef idx="0"/>
-    <cs:fontRef idx="minor">
-      <a:schemeClr val="tx1"/>
-    </cs:fontRef>
-    <cs:spPr>
-      <a:ln w="9525" cap="flat" cmpd="sng" algn="ctr">
-        <a:solidFill>
-          <a:schemeClr val="tx1">
-            <a:lumMod val="5000"/>
-            <a:lumOff val="95000"/>
-          </a:schemeClr>
-        </a:solidFill>
-        <a:round/>
-      </a:ln>
-    </cs:spPr>
-  </cs:gridlineMinor>
-  <cs:hiLoLine>
-    <cs:lnRef idx="0"/>
-    <cs:fillRef idx="0"/>
-    <cs:effectRef idx="0"/>
-    <cs:fontRef idx="minor">
-      <a:schemeClr val="tx1"/>
-    </cs:fontRef>
-    <cs:spPr>
-      <a:ln w="9525" cap="flat" cmpd="sng" algn="ctr">
-        <a:solidFill>
-          <a:schemeClr val="tx1">
-            <a:lumMod val="75000"/>
-            <a:lumOff val="25000"/>
-          </a:schemeClr>
-        </a:solidFill>
-        <a:round/>
-      </a:ln>
-    </cs:spPr>
-  </cs:hiLoLine>
-  <cs:leaderLine>
-    <cs:lnRef idx="0"/>
-    <cs:fillRef idx="0"/>
-    <cs:effectRef idx="0"/>
-    <cs:fontRef idx="minor">
-      <a:schemeClr val="tx1"/>
-    </cs:fontRef>
-    <cs:spPr>
-      <a:ln w="9525" cap="flat" cmpd="sng" algn="ctr">
-        <a:solidFill>
-          <a:schemeClr val="tx1">
-            <a:lumMod val="35000"/>
-            <a:lumOff val="65000"/>
-          </a:schemeClr>
-        </a:solidFill>
-        <a:round/>
-      </a:ln>
-    </cs:spPr>
-  </cs:leaderLine>
-  <cs:legend>
-    <cs:lnRef idx="0"/>
-    <cs:fillRef idx="0"/>
-    <cs:effectRef idx="0"/>
-    <cs:fontRef idx="minor">
-      <a:schemeClr val="tx1">
-        <a:lumMod val="65000"/>
-        <a:lumOff val="35000"/>
-      </a:schemeClr>
-    </cs:fontRef>
-    <cs:defRPr sz="900" kern="1200"/>
-  </cs:legend>
-  <cs:plotArea mods="allowNoFillOverride allowNoLineOverride">
-    <cs:lnRef idx="0"/>
-    <cs:fillRef idx="0"/>
-    <cs:effectRef idx="0"/>
-    <cs:fontRef idx="minor">
-      <a:schemeClr val="tx1"/>
-    </cs:fontRef>
-  </cs:plotArea>
-  <cs:plotArea3D mods="allowNoFillOverride allowNoLineOverride">
-    <cs:lnRef idx="0"/>
-    <cs:fillRef idx="0"/>
-    <cs:effectRef idx="0"/>
-    <cs:fontRef idx="minor">
-      <a:schemeClr val="tx1"/>
-    </cs:fontRef>
-  </cs:plotArea3D>
-  <cs:seriesAxis>
-    <cs:lnRef idx="0"/>
-    <cs:fillRef idx="0"/>
-    <cs:effectRef idx="0"/>
-    <cs:fontRef idx="minor">
-      <a:schemeClr val="tx1">
-        <a:lumMod val="65000"/>
-        <a:lumOff val="35000"/>
-      </a:schemeClr>
-    </cs:fontRef>
-    <cs:defRPr sz="900" kern="1200"/>
-  </cs:seriesAxis>
-  <cs:seriesLine>
-    <cs:lnRef idx="0"/>
-    <cs:fillRef idx="0"/>
-    <cs:effectRef idx="0"/>
-    <cs:fontRef idx="minor">
-      <a:schemeClr val="tx1"/>
-    </cs:fontRef>
-    <cs:spPr>
-      <a:ln w="9525" cap="flat" cmpd="sng" algn="ctr">
-        <a:solidFill>
-          <a:schemeClr val="tx1">
-            <a:lumMod val="35000"/>
-            <a:lumOff val="65000"/>
-          </a:schemeClr>
-        </a:solidFill>
-        <a:round/>
-      </a:ln>
-    </cs:spPr>
-  </cs:seriesLine>
-  <cs:title>
-    <cs:lnRef idx="0"/>
-    <cs:fillRef idx="0"/>
-    <cs:effectRef idx="0"/>
-    <cs:fontRef idx="minor">
-      <a:schemeClr val="tx1">
-        <a:lumMod val="65000"/>
-        <a:lumOff val="35000"/>
-      </a:schemeClr>
-    </cs:fontRef>
-    <cs:defRPr sz="1400" b="0" kern="1200" spc="0" baseline="0"/>
-  </cs:title>
-  <cs:trendline>
-    <cs:lnRef idx="0">
-      <cs:styleClr val="auto"/>
-    </cs:lnRef>
-    <cs:fillRef idx="0"/>
-    <cs:effectRef idx="0"/>
-    <cs:fontRef idx="minor">
-      <a:schemeClr val="tx1"/>
-    </cs:fontRef>
-    <cs:spPr>
-      <a:ln w="19050" cap="rnd">
-        <a:solidFill>
-          <a:schemeClr val="phClr"/>
-        </a:solidFill>
-        <a:prstDash val="sysDot"/>
-      </a:ln>
-    </cs:spPr>
-  </cs:trendline>
-  <cs:trendlineLabel>
-    <cs:lnRef idx="0"/>
-    <cs:fillRef idx="0"/>
-    <cs:effectRef idx="0"/>
-    <cs:fontRef idx="minor">
-      <a:schemeClr val="tx1">
-        <a:lumMod val="65000"/>
-        <a:lumOff val="35000"/>
-      </a:schemeClr>
-    </cs:fontRef>
-    <cs:defRPr sz="900" kern="1200"/>
-  </cs:trendlineLabel>
-  <cs:upBar>
-    <cs:lnRef idx="0"/>
-    <cs:fillRef idx="0"/>
-    <cs:effectRef idx="0"/>
-    <cs:fontRef idx="minor">
-      <a:schemeClr val="dk1"/>
-    </cs:fontRef>
-    <cs:spPr>
-      <a:solidFill>
-        <a:schemeClr val="lt1"/>
-      </a:solidFill>
-      <a:ln w="9525">
-        <a:solidFill>
-          <a:schemeClr val="tx1">
-            <a:lumMod val="15000"/>
-            <a:lumOff val="85000"/>
-          </a:schemeClr>
-        </a:solidFill>
-      </a:ln>
-    </cs:spPr>
-  </cs:upBar>
-  <cs:valueAxis>
-    <cs:lnRef idx="0"/>
-    <cs:fillRef idx="0"/>
-    <cs:effectRef idx="0"/>
-    <cs:fontRef idx="minor">
-      <a:schemeClr val="tx1">
-        <a:lumMod val="65000"/>
-        <a:lumOff val="35000"/>
-      </a:schemeClr>
-    </cs:fontRef>
-    <cs:defRPr sz="900" kern="1200"/>
-  </cs:valueAxis>
-  <cs:wall>
-    <cs:lnRef idx="0"/>
-    <cs:fillRef idx="0"/>
-    <cs:effectRef idx="0"/>
-    <cs:fontRef idx="minor">
-      <a:schemeClr val="tx1"/>
-    </cs:fontRef>
-    <cs:spPr>
-      <a:noFill/>
-      <a:ln>
-        <a:noFill/>
-      </a:ln>
-    </cs:spPr>
-  </cs:wall>
-</cs:chartStyle>
-</file>
-
-<file path=ppt/charts/style6.xml><?xml version="1.0" encoding="utf-8"?>
-<cs:chartStyle xmlns:cs="http://schemas.microsoft.com/office/drawing/2012/chartStyle" xmlns:a="http://schemas.openxmlformats.org/drawingml/2006/main" id="332">
-  <cs:axisTitle>
-    <cs:lnRef idx="0"/>
-    <cs:fillRef idx="0"/>
-    <cs:effectRef idx="0"/>
-    <cs:fontRef idx="minor">
-      <a:schemeClr val="tx1">
-        <a:lumMod val="65000"/>
-        <a:lumOff val="35000"/>
-      </a:schemeClr>
-    </cs:fontRef>
-    <cs:defRPr sz="1000" kern="1200"/>
-  </cs:axisTitle>
-  <cs:categoryAxis>
-    <cs:lnRef idx="0"/>
-    <cs:fillRef idx="0"/>
-    <cs:effectRef idx="0"/>
-    <cs:fontRef idx="minor">
-      <a:schemeClr val="tx1">
-        <a:lumMod val="65000"/>
-        <a:lumOff val="35000"/>
-      </a:schemeClr>
-    </cs:fontRef>
-    <cs:spPr>
-      <a:ln w="9525" cap="flat" cmpd="sng" algn="ctr">
-        <a:solidFill>
-          <a:schemeClr val="tx1">
-            <a:lumMod val="15000"/>
-            <a:lumOff val="85000"/>
-          </a:schemeClr>
-        </a:solidFill>
-        <a:round/>
-      </a:ln>
-    </cs:spPr>
-    <cs:defRPr sz="900" kern="1200"/>
-  </cs:categoryAxis>
-  <cs:chartArea mods="allowNoFillOverride allowNoLineOverride">
-    <cs:lnRef idx="0"/>
-    <cs:fillRef idx="0"/>
-    <cs:effectRef idx="0"/>
-    <cs:fontRef idx="minor">
-      <a:schemeClr val="tx1"/>
-    </cs:fontRef>
-    <cs:spPr>
-      <a:solidFill>
-        <a:schemeClr val="bg1"/>
-      </a:solidFill>
-      <a:ln w="9525" cap="flat" cmpd="sng" algn="ctr">
-        <a:solidFill>
-          <a:schemeClr val="tx1">
-            <a:lumMod val="15000"/>
-            <a:lumOff val="85000"/>
-          </a:schemeClr>
-        </a:solidFill>
-        <a:round/>
-      </a:ln>
-    </cs:spPr>
-    <cs:defRPr sz="1000" kern="1200"/>
-  </cs:chartArea>
-  <cs:dataLabel>
-    <cs:lnRef idx="0"/>
-    <cs:fillRef idx="0"/>
-    <cs:effectRef idx="0"/>
-    <cs:fontRef idx="minor">
-      <a:schemeClr val="tx1">
-        <a:lumMod val="75000"/>
-        <a:lumOff val="25000"/>
-      </a:schemeClr>
-    </cs:fontRef>
-    <cs:defRPr sz="900" kern="1200"/>
-  </cs:dataLabel>
-  <cs:dataLabelCallout>
-    <cs:lnRef idx="0"/>
-    <cs:fillRef idx="0"/>
-    <cs:effectRef idx="0"/>
-    <cs:fontRef idx="minor">
-      <a:schemeClr val="dk1">
-        <a:lumMod val="65000"/>
-        <a:lumOff val="35000"/>
-      </a:schemeClr>
-    </cs:fontRef>
-    <cs:spPr>
-      <a:solidFill>
-        <a:schemeClr val="lt1"/>
-      </a:solidFill>
-      <a:ln>
-        <a:solidFill>
-          <a:schemeClr val="dk1">
-            <a:lumMod val="25000"/>
-            <a:lumOff val="75000"/>
-          </a:schemeClr>
-        </a:solidFill>
-      </a:ln>
-    </cs:spPr>
-    <cs:defRPr sz="900" kern="1200"/>
-    <cs:bodyPr rot="0" spcFirstLastPara="1" vertOverflow="clip" horzOverflow="clip" vert="horz" wrap="square" lIns="36576" tIns="18288" rIns="36576" bIns="18288" anchor="ctr" anchorCtr="1">
-      <a:spAutoFit/>
-    </cs:bodyPr>
-  </cs:dataLabelCallout>
-  <cs:dataPoint>
-    <cs:lnRef idx="0"/>
-    <cs:fillRef idx="1">
-      <cs:styleClr val="auto"/>
-    </cs:fillRef>
-    <cs:effectRef idx="0"/>
-    <cs:fontRef idx="minor">
-      <a:schemeClr val="tx1"/>
-    </cs:fontRef>
-  </cs:dataPoint>
-  <cs:dataPoint3D>
-    <cs:lnRef idx="0"/>
-    <cs:fillRef idx="1">
-      <cs:styleClr val="auto"/>
-    </cs:fillRef>
-    <cs:effectRef idx="0"/>
-    <cs:fontRef idx="minor">
-      <a:schemeClr val="tx1"/>
-    </cs:fontRef>
-  </cs:dataPoint3D>
-  <cs:dataPointLine>
-    <cs:lnRef idx="0">
-      <cs:styleClr val="auto"/>
-    </cs:lnRef>
-    <cs:fillRef idx="1"/>
-    <cs:effectRef idx="0"/>
-    <cs:fontRef idx="minor">
-      <a:schemeClr val="tx1"/>
-    </cs:fontRef>
-    <cs:spPr>
-      <a:ln w="28575" cap="rnd">
-        <a:solidFill>
-          <a:schemeClr val="phClr"/>
-        </a:solidFill>
-        <a:round/>
-      </a:ln>
-    </cs:spPr>
-  </cs:dataPointLine>
-  <cs:dataPointMarker>
-    <cs:lnRef idx="0">
-      <cs:styleClr val="auto"/>
-    </cs:lnRef>
-    <cs:fillRef idx="1">
-      <cs:styleClr val="auto"/>
-    </cs:fillRef>
-    <cs:effectRef idx="0"/>
-    <cs:fontRef idx="minor">
-      <a:schemeClr val="tx1"/>
-    </cs:fontRef>
-    <cs:spPr>
-      <a:ln w="9525">
-        <a:solidFill>
-          <a:schemeClr val="phClr"/>
-        </a:solidFill>
-      </a:ln>
-    </cs:spPr>
-  </cs:dataPointMarker>
-  <cs:dataPointMarkerLayout symbol="circle" size="5"/>
-  <cs:dataPointWireframe>
-    <cs:lnRef idx="0">
-      <cs:styleClr val="auto"/>
-    </cs:lnRef>
-    <cs:fillRef idx="1"/>
-    <cs:effectRef idx="0"/>
-    <cs:fontRef idx="minor">
-      <a:schemeClr val="tx1"/>
-    </cs:fontRef>
-    <cs:spPr>
-      <a:ln w="9525" cap="rnd">
-        <a:solidFill>
-          <a:schemeClr val="phClr"/>
-        </a:solidFill>
-        <a:round/>
-      </a:ln>
-    </cs:spPr>
-  </cs:dataPointWireframe>
-  <cs:dataTable>
-    <cs:lnRef idx="0"/>
-    <cs:fillRef idx="0"/>
-    <cs:effectRef idx="0"/>
-    <cs:fontRef idx="minor">
-      <a:schemeClr val="tx1">
-        <a:lumMod val="65000"/>
-        <a:lumOff val="35000"/>
-      </a:schemeClr>
-    </cs:fontRef>
-    <cs:spPr>
-      <a:noFill/>
-      <a:ln w="9525" cap="flat" cmpd="sng" algn="ctr">
-        <a:solidFill>
-          <a:schemeClr val="tx1">
-            <a:lumMod val="15000"/>
-            <a:lumOff val="85000"/>
-          </a:schemeClr>
-        </a:solidFill>
-        <a:round/>
-      </a:ln>
-    </cs:spPr>
-    <cs:defRPr sz="900" kern="1200"/>
-  </cs:dataTable>
-  <cs:downBar>
-    <cs:lnRef idx="0"/>
-    <cs:fillRef idx="0"/>
-    <cs:effectRef idx="0"/>
-    <cs:fontRef idx="minor">
-      <a:schemeClr val="dk1"/>
-    </cs:fontRef>
-    <cs:spPr>
-      <a:solidFill>
-        <a:schemeClr val="dk1">
-          <a:lumMod val="65000"/>
-          <a:lumOff val="35000"/>
-        </a:schemeClr>
-      </a:solidFill>
-      <a:ln w="9525">
-        <a:solidFill>
-          <a:schemeClr val="tx1">
-            <a:lumMod val="65000"/>
-            <a:lumOff val="35000"/>
-          </a:schemeClr>
-        </a:solidFill>
-      </a:ln>
-    </cs:spPr>
-  </cs:downBar>
-  <cs:dropLine>
-    <cs:lnRef idx="0"/>
-    <cs:fillRef idx="0"/>
-    <cs:effectRef idx="0"/>
-    <cs:fontRef idx="minor">
-      <a:schemeClr val="tx1"/>
-    </cs:fontRef>
-    <cs:spPr>
-      <a:ln w="9525" cap="flat" cmpd="sng" algn="ctr">
-        <a:solidFill>
-          <a:schemeClr val="tx1">
-            <a:lumMod val="35000"/>
-            <a:lumOff val="65000"/>
-          </a:schemeClr>
-        </a:solidFill>
-        <a:round/>
-      </a:ln>
-    </cs:spPr>
-  </cs:dropLine>
-  <cs:errorBar>
-    <cs:lnRef idx="0"/>
-    <cs:fillRef idx="0"/>
-    <cs:effectRef idx="0"/>
-    <cs:fontRef idx="minor">
-      <a:schemeClr val="tx1"/>
-    </cs:fontRef>
-    <cs:spPr>
-      <a:ln w="9525" cap="flat" cmpd="sng" algn="ctr">
-        <a:solidFill>
-          <a:schemeClr val="tx1">
-            <a:lumMod val="65000"/>
-            <a:lumOff val="35000"/>
-          </a:schemeClr>
-        </a:solidFill>
-        <a:round/>
-      </a:ln>
-    </cs:spPr>
-  </cs:errorBar>
-  <cs:floor>
-    <cs:lnRef idx="0"/>
-    <cs:fillRef idx="0"/>
-    <cs:effectRef idx="0"/>
-    <cs:fontRef idx="minor">
-      <a:schemeClr val="tx1"/>
-    </cs:fontRef>
-    <cs:spPr>
-      <a:noFill/>
-      <a:ln>
-        <a:noFill/>
-      </a:ln>
-    </cs:spPr>
-  </cs:floor>
-  <cs:gridlineMajor>
-    <cs:lnRef idx="0"/>
-    <cs:fillRef idx="0"/>
-    <cs:effectRef idx="0"/>
-    <cs:fontRef idx="minor">
-      <a:schemeClr val="tx1"/>
-    </cs:fontRef>
-    <cs:spPr>
-      <a:ln w="9525" cap="flat" cmpd="sng" algn="ctr">
-        <a:solidFill>
-          <a:schemeClr val="tx1">
-            <a:lumMod val="15000"/>
-            <a:lumOff val="85000"/>
-          </a:schemeClr>
-        </a:solidFill>
-        <a:round/>
-      </a:ln>
-    </cs:spPr>
-  </cs:gridlineMajor>
-  <cs:gridlineMinor>
-    <cs:lnRef idx="0"/>
-    <cs:fillRef idx="0"/>
-    <cs:effectRef idx="0"/>
-    <cs:fontRef idx="minor">
-      <a:schemeClr val="tx1"/>
-    </cs:fontRef>
-    <cs:spPr>
-      <a:ln w="9525" cap="flat" cmpd="sng" algn="ctr">
-        <a:solidFill>
-          <a:schemeClr val="tx1">
-            <a:lumMod val="5000"/>
-            <a:lumOff val="95000"/>
-          </a:schemeClr>
-        </a:solidFill>
-        <a:round/>
-      </a:ln>
-    </cs:spPr>
-  </cs:gridlineMinor>
-  <cs:hiLoLine>
-    <cs:lnRef idx="0"/>
-    <cs:fillRef idx="0"/>
-    <cs:effectRef idx="0"/>
-    <cs:fontRef idx="minor">
-      <a:schemeClr val="tx1"/>
-    </cs:fontRef>
-    <cs:spPr>
-      <a:ln w="9525" cap="flat" cmpd="sng" algn="ctr">
-        <a:solidFill>
-          <a:schemeClr val="tx1">
-            <a:lumMod val="75000"/>
-            <a:lumOff val="25000"/>
-          </a:schemeClr>
-        </a:solidFill>
-        <a:round/>
-      </a:ln>
-    </cs:spPr>
-  </cs:hiLoLine>
-  <cs:leaderLine>
-    <cs:lnRef idx="0"/>
-    <cs:fillRef idx="0"/>
-    <cs:effectRef idx="0"/>
-    <cs:fontRef idx="minor">
-      <a:schemeClr val="tx1"/>
-    </cs:fontRef>
-    <cs:spPr>
-      <a:ln w="9525" cap="flat" cmpd="sng" algn="ctr">
-        <a:solidFill>
-          <a:schemeClr val="tx1">
-            <a:lumMod val="35000"/>
-            <a:lumOff val="65000"/>
-          </a:schemeClr>
-        </a:solidFill>
-        <a:round/>
-      </a:ln>
-    </cs:spPr>
-  </cs:leaderLine>
-  <cs:legend>
-    <cs:lnRef idx="0"/>
-    <cs:fillRef idx="0"/>
-    <cs:effectRef idx="0"/>
-    <cs:fontRef idx="minor">
-      <a:schemeClr val="tx1">
-        <a:lumMod val="65000"/>
-        <a:lumOff val="35000"/>
-      </a:schemeClr>
-    </cs:fontRef>
-    <cs:defRPr sz="900" kern="1200"/>
-  </cs:legend>
-  <cs:plotArea mods="allowNoFillOverride allowNoLineOverride">
-    <cs:lnRef idx="0"/>
-    <cs:fillRef idx="0"/>
-    <cs:effectRef idx="0"/>
-    <cs:fontRef idx="minor">
-      <a:schemeClr val="tx1"/>
-    </cs:fontRef>
-  </cs:plotArea>
-  <cs:plotArea3D mods="allowNoFillOverride allowNoLineOverride">
-    <cs:lnRef idx="0"/>
-    <cs:fillRef idx="0"/>
-    <cs:effectRef idx="0"/>
-    <cs:fontRef idx="minor">
-      <a:schemeClr val="tx1"/>
-    </cs:fontRef>
-  </cs:plotArea3D>
-  <cs:seriesAxis>
-    <cs:lnRef idx="0"/>
-    <cs:fillRef idx="0"/>
-    <cs:effectRef idx="0"/>
-    <cs:fontRef idx="minor">
-      <a:schemeClr val="tx1">
-        <a:lumMod val="65000"/>
-        <a:lumOff val="35000"/>
-      </a:schemeClr>
-    </cs:fontRef>
-    <cs:defRPr sz="900" kern="1200"/>
-  </cs:seriesAxis>
-  <cs:seriesLine>
-    <cs:lnRef idx="0"/>
-    <cs:fillRef idx="0"/>
-    <cs:effectRef idx="0"/>
-    <cs:fontRef idx="minor">
-      <a:schemeClr val="tx1"/>
-    </cs:fontRef>
-    <cs:spPr>
-      <a:ln w="9525" cap="flat" cmpd="sng" algn="ctr">
-        <a:solidFill>
-          <a:schemeClr val="tx1">
-            <a:lumMod val="35000"/>
-            <a:lumOff val="65000"/>
-          </a:schemeClr>
-        </a:solidFill>
-        <a:round/>
-      </a:ln>
-    </cs:spPr>
-  </cs:seriesLine>
-  <cs:title>
-    <cs:lnRef idx="0"/>
-    <cs:fillRef idx="0"/>
-    <cs:effectRef idx="0"/>
-    <cs:fontRef idx="minor">
-      <a:schemeClr val="tx1">
-        <a:lumMod val="65000"/>
-        <a:lumOff val="35000"/>
-      </a:schemeClr>
-    </cs:fontRef>
-    <cs:defRPr sz="1400" b="0" kern="1200" spc="0" baseline="0"/>
-  </cs:title>
-  <cs:trendline>
-    <cs:lnRef idx="0">
-      <cs:styleClr val="auto"/>
-    </cs:lnRef>
-    <cs:fillRef idx="0"/>
-    <cs:effectRef idx="0"/>
-    <cs:fontRef idx="minor">
-      <a:schemeClr val="tx1"/>
-    </cs:fontRef>
-    <cs:spPr>
-      <a:ln w="19050" cap="rnd">
-        <a:solidFill>
-          <a:schemeClr val="phClr"/>
-        </a:solidFill>
-        <a:prstDash val="sysDot"/>
-      </a:ln>
-    </cs:spPr>
-  </cs:trendline>
-  <cs:trendlineLabel>
-    <cs:lnRef idx="0"/>
-    <cs:fillRef idx="0"/>
-    <cs:effectRef idx="0"/>
-    <cs:fontRef idx="minor">
-      <a:schemeClr val="tx1">
-        <a:lumMod val="65000"/>
-        <a:lumOff val="35000"/>
-      </a:schemeClr>
-    </cs:fontRef>
-    <cs:defRPr sz="900" kern="1200"/>
-  </cs:trendlineLabel>
-  <cs:upBar>
-    <cs:lnRef idx="0"/>
-    <cs:fillRef idx="0"/>
-    <cs:effectRef idx="0"/>
-    <cs:fontRef idx="minor">
-      <a:schemeClr val="dk1"/>
-    </cs:fontRef>
-    <cs:spPr>
-      <a:solidFill>
-        <a:schemeClr val="lt1"/>
-      </a:solidFill>
-      <a:ln w="9525">
-        <a:solidFill>
-          <a:schemeClr val="tx1">
-            <a:lumMod val="15000"/>
-            <a:lumOff val="85000"/>
-          </a:schemeClr>
-        </a:solidFill>
-      </a:ln>
-    </cs:spPr>
-  </cs:upBar>
-  <cs:valueAxis>
-    <cs:lnRef idx="0"/>
-    <cs:fillRef idx="0"/>
-    <cs:effectRef idx="0"/>
-    <cs:fontRef idx="minor">
-      <a:schemeClr val="tx1">
-        <a:lumMod val="65000"/>
-        <a:lumOff val="35000"/>
-      </a:schemeClr>
-    </cs:fontRef>
-    <cs:defRPr sz="900" kern="1200"/>
-  </cs:valueAxis>
-  <cs:wall>
-    <cs:lnRef idx="0"/>
-    <cs:fillRef idx="0"/>
-    <cs:effectRef idx="0"/>
-    <cs:fontRef idx="minor">
-      <a:schemeClr val="tx1"/>
-    </cs:fontRef>
-    <cs:spPr>
-      <a:noFill/>
-      <a:ln>
-        <a:noFill/>
-      </a:ln>
-    </cs:spPr>
-  </cs:wall>
-</cs:chartStyle>
-</file>
-
-<file path=ppt/charts/style7.xml><?xml version="1.0" encoding="utf-8"?>
-<cs:chartStyle xmlns:cs="http://schemas.microsoft.com/office/drawing/2012/chartStyle" xmlns:a="http://schemas.openxmlformats.org/drawingml/2006/main" id="332">
-  <cs:axisTitle>
-    <cs:lnRef idx="0"/>
-    <cs:fillRef idx="0"/>
-    <cs:effectRef idx="0"/>
-    <cs:fontRef idx="minor">
-      <a:schemeClr val="tx1">
-        <a:lumMod val="65000"/>
-        <a:lumOff val="35000"/>
-      </a:schemeClr>
-    </cs:fontRef>
-    <cs:defRPr sz="1000" kern="1200"/>
-  </cs:axisTitle>
-  <cs:categoryAxis>
-    <cs:lnRef idx="0"/>
-    <cs:fillRef idx="0"/>
-    <cs:effectRef idx="0"/>
-    <cs:fontRef idx="minor">
-      <a:schemeClr val="tx1">
-        <a:lumMod val="65000"/>
-        <a:lumOff val="35000"/>
-      </a:schemeClr>
-    </cs:fontRef>
-    <cs:spPr>
-      <a:ln w="9525" cap="flat" cmpd="sng" algn="ctr">
-        <a:solidFill>
-          <a:schemeClr val="tx1">
-            <a:lumMod val="15000"/>
-            <a:lumOff val="85000"/>
-          </a:schemeClr>
-        </a:solidFill>
-        <a:round/>
-      </a:ln>
-    </cs:spPr>
-    <cs:defRPr sz="900" kern="1200"/>
-  </cs:categoryAxis>
-  <cs:chartArea mods="allowNoFillOverride allowNoLineOverride">
-    <cs:lnRef idx="0"/>
-    <cs:fillRef idx="0"/>
-    <cs:effectRef idx="0"/>
-    <cs:fontRef idx="minor">
-      <a:schemeClr val="tx1"/>
-    </cs:fontRef>
-    <cs:spPr>
-      <a:solidFill>
-        <a:schemeClr val="bg1"/>
-      </a:solidFill>
-      <a:ln w="9525" cap="flat" cmpd="sng" algn="ctr">
-        <a:solidFill>
-          <a:schemeClr val="tx1">
-            <a:lumMod val="15000"/>
-            <a:lumOff val="85000"/>
-          </a:schemeClr>
-        </a:solidFill>
-        <a:round/>
-      </a:ln>
-    </cs:spPr>
-    <cs:defRPr sz="1000" kern="1200"/>
-  </cs:chartArea>
-  <cs:dataLabel>
-    <cs:lnRef idx="0"/>
-    <cs:fillRef idx="0"/>
-    <cs:effectRef idx="0"/>
-    <cs:fontRef idx="minor">
-      <a:schemeClr val="tx1">
-        <a:lumMod val="75000"/>
-        <a:lumOff val="25000"/>
-      </a:schemeClr>
-    </cs:fontRef>
-    <cs:defRPr sz="900" kern="1200"/>
-  </cs:dataLabel>
-  <cs:dataLabelCallout>
-    <cs:lnRef idx="0"/>
-    <cs:fillRef idx="0"/>
-    <cs:effectRef idx="0"/>
-    <cs:fontRef idx="minor">
-      <a:schemeClr val="dk1">
-        <a:lumMod val="65000"/>
-        <a:lumOff val="35000"/>
-      </a:schemeClr>
-    </cs:fontRef>
-    <cs:spPr>
-      <a:solidFill>
-        <a:schemeClr val="lt1"/>
-      </a:solidFill>
-      <a:ln>
-        <a:solidFill>
-          <a:schemeClr val="dk1">
-            <a:lumMod val="25000"/>
-            <a:lumOff val="75000"/>
-          </a:schemeClr>
-        </a:solidFill>
-      </a:ln>
-    </cs:spPr>
-    <cs:defRPr sz="900" kern="1200"/>
-    <cs:bodyPr rot="0" spcFirstLastPara="1" vertOverflow="clip" horzOverflow="clip" vert="horz" wrap="square" lIns="36576" tIns="18288" rIns="36576" bIns="18288" anchor="ctr" anchorCtr="1">
-      <a:spAutoFit/>
-    </cs:bodyPr>
-  </cs:dataLabelCallout>
-  <cs:dataPoint>
-    <cs:lnRef idx="0"/>
-    <cs:fillRef idx="1">
-      <cs:styleClr val="auto"/>
-    </cs:fillRef>
-    <cs:effectRef idx="0"/>
-    <cs:fontRef idx="minor">
-      <a:schemeClr val="tx1"/>
-    </cs:fontRef>
-  </cs:dataPoint>
-  <cs:dataPoint3D>
-    <cs:lnRef idx="0"/>
-    <cs:fillRef idx="1">
-      <cs:styleClr val="auto"/>
-    </cs:fillRef>
-    <cs:effectRef idx="0"/>
-    <cs:fontRef idx="minor">
-      <a:schemeClr val="tx1"/>
-    </cs:fontRef>
-  </cs:dataPoint3D>
-  <cs:dataPointLine>
-    <cs:lnRef idx="0">
-      <cs:styleClr val="auto"/>
-    </cs:lnRef>
-    <cs:fillRef idx="1"/>
-    <cs:effectRef idx="0"/>
-    <cs:fontRef idx="minor">
-      <a:schemeClr val="tx1"/>
-    </cs:fontRef>
-    <cs:spPr>
-      <a:ln w="28575" cap="rnd">
-        <a:solidFill>
-          <a:schemeClr val="phClr"/>
-        </a:solidFill>
-        <a:round/>
-      </a:ln>
-    </cs:spPr>
-  </cs:dataPointLine>
-  <cs:dataPointMarker>
-    <cs:lnRef idx="0">
-      <cs:styleClr val="auto"/>
-    </cs:lnRef>
-    <cs:fillRef idx="1">
-      <cs:styleClr val="auto"/>
-    </cs:fillRef>
-    <cs:effectRef idx="0"/>
-    <cs:fontRef idx="minor">
-      <a:schemeClr val="tx1"/>
-    </cs:fontRef>
-    <cs:spPr>
-      <a:ln w="9525">
-        <a:solidFill>
-          <a:schemeClr val="phClr"/>
-        </a:solidFill>
-      </a:ln>
-    </cs:spPr>
-  </cs:dataPointMarker>
-  <cs:dataPointMarkerLayout symbol="circle" size="5"/>
-  <cs:dataPointWireframe>
-    <cs:lnRef idx="0">
-      <cs:styleClr val="auto"/>
-    </cs:lnRef>
-    <cs:fillRef idx="1"/>
-    <cs:effectRef idx="0"/>
-    <cs:fontRef idx="minor">
-      <a:schemeClr val="tx1"/>
-    </cs:fontRef>
-    <cs:spPr>
-      <a:ln w="9525" cap="rnd">
-        <a:solidFill>
-          <a:schemeClr val="phClr"/>
-        </a:solidFill>
-        <a:round/>
-      </a:ln>
-    </cs:spPr>
-  </cs:dataPointWireframe>
-  <cs:dataTable>
-    <cs:lnRef idx="0"/>
-    <cs:fillRef idx="0"/>
-    <cs:effectRef idx="0"/>
-    <cs:fontRef idx="minor">
-      <a:schemeClr val="tx1">
-        <a:lumMod val="65000"/>
-        <a:lumOff val="35000"/>
-      </a:schemeClr>
-    </cs:fontRef>
-    <cs:spPr>
-      <a:noFill/>
-      <a:ln w="9525" cap="flat" cmpd="sng" algn="ctr">
-        <a:solidFill>
-          <a:schemeClr val="tx1">
-            <a:lumMod val="15000"/>
-            <a:lumOff val="85000"/>
-          </a:schemeClr>
-        </a:solidFill>
-        <a:round/>
-      </a:ln>
-    </cs:spPr>
-    <cs:defRPr sz="900" kern="1200"/>
-  </cs:dataTable>
-  <cs:downBar>
-    <cs:lnRef idx="0"/>
-    <cs:fillRef idx="0"/>
-    <cs:effectRef idx="0"/>
-    <cs:fontRef idx="minor">
-      <a:schemeClr val="dk1"/>
-    </cs:fontRef>
-    <cs:spPr>
-      <a:solidFill>
-        <a:schemeClr val="dk1">
-          <a:lumMod val="65000"/>
-          <a:lumOff val="35000"/>
-        </a:schemeClr>
-      </a:solidFill>
-      <a:ln w="9525">
-        <a:solidFill>
-          <a:schemeClr val="tx1">
-            <a:lumMod val="65000"/>
-            <a:lumOff val="35000"/>
-          </a:schemeClr>
-        </a:solidFill>
-      </a:ln>
-    </cs:spPr>
-  </cs:downBar>
-  <cs:dropLine>
-    <cs:lnRef idx="0"/>
-    <cs:fillRef idx="0"/>
-    <cs:effectRef idx="0"/>
-    <cs:fontRef idx="minor">
-      <a:schemeClr val="tx1"/>
-    </cs:fontRef>
-    <cs:spPr>
-      <a:ln w="9525" cap="flat" cmpd="sng" algn="ctr">
-        <a:solidFill>
-          <a:schemeClr val="tx1">
-            <a:lumMod val="35000"/>
-            <a:lumOff val="65000"/>
-          </a:schemeClr>
-        </a:solidFill>
-        <a:round/>
-      </a:ln>
-    </cs:spPr>
-  </cs:dropLine>
-  <cs:errorBar>
-    <cs:lnRef idx="0"/>
-    <cs:fillRef idx="0"/>
-    <cs:effectRef idx="0"/>
-    <cs:fontRef idx="minor">
-      <a:schemeClr val="tx1"/>
-    </cs:fontRef>
-    <cs:spPr>
-      <a:ln w="9525" cap="flat" cmpd="sng" algn="ctr">
-        <a:solidFill>
-          <a:schemeClr val="tx1">
-            <a:lumMod val="65000"/>
-            <a:lumOff val="35000"/>
-          </a:schemeClr>
-        </a:solidFill>
-        <a:round/>
-      </a:ln>
-    </cs:spPr>
-  </cs:errorBar>
-  <cs:floor>
-    <cs:lnRef idx="0"/>
-    <cs:fillRef idx="0"/>
-    <cs:effectRef idx="0"/>
-    <cs:fontRef idx="minor">
-      <a:schemeClr val="tx1"/>
-    </cs:fontRef>
-    <cs:spPr>
-      <a:noFill/>
-      <a:ln>
-        <a:noFill/>
-      </a:ln>
-    </cs:spPr>
-  </cs:floor>
-  <cs:gridlineMajor>
-    <cs:lnRef idx="0"/>
-    <cs:fillRef idx="0"/>
-    <cs:effectRef idx="0"/>
-    <cs:fontRef idx="minor">
-      <a:schemeClr val="tx1"/>
-    </cs:fontRef>
-    <cs:spPr>
-      <a:ln w="9525" cap="flat" cmpd="sng" algn="ctr">
-        <a:solidFill>
-          <a:schemeClr val="tx1">
-            <a:lumMod val="15000"/>
-            <a:lumOff val="85000"/>
-          </a:schemeClr>
-        </a:solidFill>
-        <a:round/>
-      </a:ln>
-    </cs:spPr>
-  </cs:gridlineMajor>
-  <cs:gridlineMinor>
-    <cs:lnRef idx="0"/>
-    <cs:fillRef idx="0"/>
-    <cs:effectRef idx="0"/>
-    <cs:fontRef idx="minor">
-      <a:schemeClr val="tx1"/>
-    </cs:fontRef>
-    <cs:spPr>
-      <a:ln w="9525" cap="flat" cmpd="sng" algn="ctr">
-        <a:solidFill>
-          <a:schemeClr val="tx1">
-            <a:lumMod val="5000"/>
-            <a:lumOff val="95000"/>
-          </a:schemeClr>
-        </a:solidFill>
-        <a:round/>
-      </a:ln>
-    </cs:spPr>
-  </cs:gridlineMinor>
-  <cs:hiLoLine>
-    <cs:lnRef idx="0"/>
-    <cs:fillRef idx="0"/>
-    <cs:effectRef idx="0"/>
-    <cs:fontRef idx="minor">
-      <a:schemeClr val="tx1"/>
-    </cs:fontRef>
-    <cs:spPr>
-      <a:ln w="9525" cap="flat" cmpd="sng" algn="ctr">
-        <a:solidFill>
-          <a:schemeClr val="tx1">
-            <a:lumMod val="75000"/>
-            <a:lumOff val="25000"/>
-          </a:schemeClr>
-        </a:solidFill>
-        <a:round/>
-      </a:ln>
-    </cs:spPr>
-  </cs:hiLoLine>
-  <cs:leaderLine>
-    <cs:lnRef idx="0"/>
-    <cs:fillRef idx="0"/>
-    <cs:effectRef idx="0"/>
-    <cs:fontRef idx="minor">
-      <a:schemeClr val="tx1"/>
-    </cs:fontRef>
-    <cs:spPr>
-      <a:ln w="9525" cap="flat" cmpd="sng" algn="ctr">
-        <a:solidFill>
-          <a:schemeClr val="tx1">
-            <a:lumMod val="35000"/>
-            <a:lumOff val="65000"/>
-          </a:schemeClr>
-        </a:solidFill>
-        <a:round/>
-      </a:ln>
-    </cs:spPr>
-  </cs:leaderLine>
-  <cs:legend>
-    <cs:lnRef idx="0"/>
-    <cs:fillRef idx="0"/>
-    <cs:effectRef idx="0"/>
-    <cs:fontRef idx="minor">
-      <a:schemeClr val="tx1">
-        <a:lumMod val="65000"/>
-        <a:lumOff val="35000"/>
-      </a:schemeClr>
-    </cs:fontRef>
-    <cs:defRPr sz="900" kern="1200"/>
-  </cs:legend>
-  <cs:plotArea mods="allowNoFillOverride allowNoLineOverride">
-    <cs:lnRef idx="0"/>
-    <cs:fillRef idx="0"/>
-    <cs:effectRef idx="0"/>
-    <cs:fontRef idx="minor">
-      <a:schemeClr val="tx1"/>
-    </cs:fontRef>
-  </cs:plotArea>
-  <cs:plotArea3D mods="allowNoFillOverride allowNoLineOverride">
-    <cs:lnRef idx="0"/>
-    <cs:fillRef idx="0"/>
-    <cs:effectRef idx="0"/>
-    <cs:fontRef idx="minor">
-      <a:schemeClr val="tx1"/>
-    </cs:fontRef>
-  </cs:plotArea3D>
-  <cs:seriesAxis>
-    <cs:lnRef idx="0"/>
-    <cs:fillRef idx="0"/>
-    <cs:effectRef idx="0"/>
-    <cs:fontRef idx="minor">
-      <a:schemeClr val="tx1">
-        <a:lumMod val="65000"/>
-        <a:lumOff val="35000"/>
-      </a:schemeClr>
-    </cs:fontRef>
-    <cs:defRPr sz="900" kern="1200"/>
-  </cs:seriesAxis>
-  <cs:seriesLine>
-    <cs:lnRef idx="0"/>
-    <cs:fillRef idx="0"/>
-    <cs:effectRef idx="0"/>
-    <cs:fontRef idx="minor">
-      <a:schemeClr val="tx1"/>
-    </cs:fontRef>
-    <cs:spPr>
-      <a:ln w="9525" cap="flat" cmpd="sng" algn="ctr">
-        <a:solidFill>
-          <a:schemeClr val="tx1">
-            <a:lumMod val="35000"/>
-            <a:lumOff val="65000"/>
-          </a:schemeClr>
-        </a:solidFill>
-        <a:round/>
-      </a:ln>
-    </cs:spPr>
-  </cs:seriesLine>
-  <cs:title>
-    <cs:lnRef idx="0"/>
-    <cs:fillRef idx="0"/>
-    <cs:effectRef idx="0"/>
-    <cs:fontRef idx="minor">
-      <a:schemeClr val="tx1">
-        <a:lumMod val="65000"/>
-        <a:lumOff val="35000"/>
-      </a:schemeClr>
-    </cs:fontRef>
-    <cs:defRPr sz="1400" b="0" kern="1200" spc="0" baseline="0"/>
-  </cs:title>
-  <cs:trendline>
-    <cs:lnRef idx="0">
-      <cs:styleClr val="auto"/>
-    </cs:lnRef>
-    <cs:fillRef idx="0"/>
-    <cs:effectRef idx="0"/>
-    <cs:fontRef idx="minor">
-      <a:schemeClr val="tx1"/>
-    </cs:fontRef>
-    <cs:spPr>
-      <a:ln w="19050" cap="rnd">
-        <a:solidFill>
-          <a:schemeClr val="phClr"/>
-        </a:solidFill>
-        <a:prstDash val="sysDot"/>
-      </a:ln>
-    </cs:spPr>
-  </cs:trendline>
-  <cs:trendlineLabel>
-    <cs:lnRef idx="0"/>
-    <cs:fillRef idx="0"/>
-    <cs:effectRef idx="0"/>
-    <cs:fontRef idx="minor">
-      <a:schemeClr val="tx1">
-        <a:lumMod val="65000"/>
-        <a:lumOff val="35000"/>
-      </a:schemeClr>
-    </cs:fontRef>
-    <cs:defRPr sz="900" kern="1200"/>
-  </cs:trendlineLabel>
-  <cs:upBar>
-    <cs:lnRef idx="0"/>
-    <cs:fillRef idx="0"/>
-    <cs:effectRef idx="0"/>
-    <cs:fontRef idx="minor">
-      <a:schemeClr val="dk1"/>
-    </cs:fontRef>
-    <cs:spPr>
-      <a:solidFill>
-        <a:schemeClr val="lt1"/>
-      </a:solidFill>
-      <a:ln w="9525">
-        <a:solidFill>
-          <a:schemeClr val="tx1">
-            <a:lumMod val="15000"/>
-            <a:lumOff val="85000"/>
-          </a:schemeClr>
-        </a:solidFill>
-      </a:ln>
-    </cs:spPr>
-  </cs:upBar>
-  <cs:valueAxis>
-    <cs:lnRef idx="0"/>
-    <cs:fillRef idx="0"/>
-    <cs:effectRef idx="0"/>
-    <cs:fontRef idx="minor">
-      <a:schemeClr val="tx1">
-        <a:lumMod val="65000"/>
-        <a:lumOff val="35000"/>
-      </a:schemeClr>
-    </cs:fontRef>
-    <cs:defRPr sz="900" kern="1200"/>
-  </cs:valueAxis>
-  <cs:wall>
-    <cs:lnRef idx="0"/>
-    <cs:fillRef idx="0"/>
-    <cs:effectRef idx="0"/>
-    <cs:fontRef idx="minor">
-      <a:schemeClr val="tx1"/>
-    </cs:fontRef>
-    <cs:spPr>
-      <a:noFill/>
-      <a:ln>
-        <a:noFill/>
-      </a:ln>
-    </cs:spPr>
-  </cs:wall>
-</cs:chartStyle>
-</file>
-
-<file path=ppt/charts/style8.xml><?xml version="1.0" encoding="utf-8"?>
 <cs:chartStyle xmlns:cs="http://schemas.microsoft.com/office/drawing/2012/chartStyle" xmlns:a="http://schemas.openxmlformats.org/drawingml/2006/main" id="332">
   <cs:axisTitle>
     <cs:lnRef idx="0"/>
@@ -9195,7 +4071,7 @@
           <a:p>
             <a:fld id="{FEC8F623-83FF-45D9-9165-1796CF17F145}" type="datetimeFigureOut">
               <a:rPr lang="en-US" smtClean="0"/>
-              <a:t>10/19/2023</a:t>
+              <a:t>8/7/2024</a:t>
             </a:fld>
             <a:endParaRPr lang="en-US"/>
           </a:p>
@@ -9363,7 +4239,7 @@
           <a:p>
             <a:fld id="{FEC8F623-83FF-45D9-9165-1796CF17F145}" type="datetimeFigureOut">
               <a:rPr lang="en-US" smtClean="0"/>
-              <a:t>10/19/2023</a:t>
+              <a:t>8/7/2024</a:t>
             </a:fld>
             <a:endParaRPr lang="en-US"/>
           </a:p>
@@ -9541,7 +4417,7 @@
           <a:p>
             <a:fld id="{FEC8F623-83FF-45D9-9165-1796CF17F145}" type="datetimeFigureOut">
               <a:rPr lang="en-US" smtClean="0"/>
-              <a:t>10/19/2023</a:t>
+              <a:t>8/7/2024</a:t>
             </a:fld>
             <a:endParaRPr lang="en-US"/>
           </a:p>
@@ -9709,7 +4585,7 @@
           <a:p>
             <a:fld id="{FEC8F623-83FF-45D9-9165-1796CF17F145}" type="datetimeFigureOut">
               <a:rPr lang="en-US" smtClean="0"/>
-              <a:t>10/19/2023</a:t>
+              <a:t>8/7/2024</a:t>
             </a:fld>
             <a:endParaRPr lang="en-US"/>
           </a:p>
@@ -9989,7 +4865,7 @@
           <a:p>
             <a:fld id="{FEC8F623-83FF-45D9-9165-1796CF17F145}" type="datetimeFigureOut">
               <a:rPr lang="en-US" smtClean="0"/>
-              <a:t>10/19/2023</a:t>
+              <a:t>8/7/2024</a:t>
             </a:fld>
             <a:endParaRPr lang="en-US"/>
           </a:p>
@@ -10242,7 +5118,7 @@
           <a:p>
             <a:fld id="{FEC8F623-83FF-45D9-9165-1796CF17F145}" type="datetimeFigureOut">
               <a:rPr lang="en-US" smtClean="0"/>
-              <a:t>10/19/2023</a:t>
+              <a:t>8/7/2024</a:t>
             </a:fld>
             <a:endParaRPr lang="en-US"/>
           </a:p>
@@ -10630,7 +5506,7 @@
           <a:p>
             <a:fld id="{FEC8F623-83FF-45D9-9165-1796CF17F145}" type="datetimeFigureOut">
               <a:rPr lang="en-US" smtClean="0"/>
-              <a:t>10/19/2023</a:t>
+              <a:t>8/7/2024</a:t>
             </a:fld>
             <a:endParaRPr lang="en-US"/>
           </a:p>
@@ -10771,7 +5647,7 @@
           <a:p>
             <a:fld id="{FEC8F623-83FF-45D9-9165-1796CF17F145}" type="datetimeFigureOut">
               <a:rPr lang="en-US" smtClean="0"/>
-              <a:t>10/19/2023</a:t>
+              <a:t>8/7/2024</a:t>
             </a:fld>
             <a:endParaRPr lang="en-US"/>
           </a:p>
@@ -10866,7 +5742,7 @@
           <a:p>
             <a:fld id="{FEC8F623-83FF-45D9-9165-1796CF17F145}" type="datetimeFigureOut">
               <a:rPr lang="en-US" smtClean="0"/>
-              <a:t>10/19/2023</a:t>
+              <a:t>8/7/2024</a:t>
             </a:fld>
             <a:endParaRPr lang="en-US"/>
           </a:p>
@@ -11141,7 +6017,7 @@
           <a:p>
             <a:fld id="{FEC8F623-83FF-45D9-9165-1796CF17F145}" type="datetimeFigureOut">
               <a:rPr lang="en-US" smtClean="0"/>
-              <a:t>10/19/2023</a:t>
+              <a:t>8/7/2024</a:t>
             </a:fld>
             <a:endParaRPr lang="en-US"/>
           </a:p>
@@ -11393,7 +6269,7 @@
           <a:p>
             <a:fld id="{FEC8F623-83FF-45D9-9165-1796CF17F145}" type="datetimeFigureOut">
               <a:rPr lang="en-US" smtClean="0"/>
-              <a:t>10/19/2023</a:t>
+              <a:t>8/7/2024</a:t>
             </a:fld>
             <a:endParaRPr lang="en-US"/>
           </a:p>
@@ -11604,7 +6480,7 @@
           <a:p>
             <a:fld id="{FEC8F623-83FF-45D9-9165-1796CF17F145}" type="datetimeFigureOut">
               <a:rPr lang="en-US" smtClean="0"/>
-              <a:t>10/19/2023</a:t>
+              <a:t>8/7/2024</a:t>
             </a:fld>
             <a:endParaRPr lang="en-US"/>
           </a:p>
@@ -12095,7 +6971,7 @@
         <p:spPr>
           <a:xfrm>
             <a:off x="688423" y="3278632"/>
-            <a:ext cx="10815143" cy="2308324"/>
+            <a:ext cx="10815143" cy="2031325"/>
           </a:xfrm>
           <a:prstGeom prst="rect">
             <a:avLst/>
@@ -12110,22 +6986,26 @@
           <a:p>
             <a:pPr algn="l"/>
             <a:r>
-              <a:rPr lang="en-US" b="0" i="0" dirty="0">
+              <a:rPr lang="en-US" sz="1800" dirty="0">
+                <a:effectLst/>
+                <a:latin typeface="Open Sans" panose="020B0606030504020204" pitchFamily="34" charset="0"/>
+                <a:ea typeface="Open Sans" panose="020B0606030504020204" pitchFamily="34" charset="0"/>
+                <a:cs typeface="Open Sans" panose="020B0606030504020204" pitchFamily="34" charset="0"/>
+              </a:rPr>
+              <a:t>The prevalence of food insecurity trended higher among adults with or without CKD. During 2017–March 2020, the crude prevalence of food insecurity was 31.0% among adults with CKD and 27.7% among adults without CKD. </a:t>
+            </a:r>
+            <a:r>
+              <a:rPr lang="en-US" sz="1800" dirty="0">
                 <a:solidFill>
-                  <a:srgbClr val="000000"/>
+                  <a:srgbClr val="0D0D0D"/>
                 </a:solidFill>
                 <a:effectLst/>
                 <a:latin typeface="Open Sans" panose="020B0606030504020204" pitchFamily="34" charset="0"/>
+                <a:ea typeface="Open Sans" panose="020B0606030504020204" pitchFamily="34" charset="0"/>
+                <a:cs typeface="Open Sans" panose="020B0606030504020204" pitchFamily="34" charset="0"/>
               </a:rPr>
-              <a:t>The prevalence of food insecurity trended higher among adults with or without CKD. During 2017–March 2020, the crude prevalence of food insecurity was 31.0% among adults with CKD and 27.7% among adults without CKD. In 2017–March 2020, the age-standardized prevalence of food insecurity was higher among women, younger adults, Hispanics, and individuals with diabetes than their counterparts.</a:t>
+              <a:t>The age-standardized prevalence of food insecurity among adults with CKD was 38.1% and 27.2% among adults without CKD. </a:t>
             </a:r>
-            <a:endParaRPr lang="en-US" b="1" dirty="0">
-              <a:solidFill>
-                <a:srgbClr val="000000"/>
-              </a:solidFill>
-              <a:effectLst/>
-              <a:latin typeface="Open Sans" panose="020B0606030504020204" pitchFamily="34" charset="0"/>
-            </a:endParaRPr>
           </a:p>
           <a:p>
             <a:pPr algn="l"/>
@@ -12135,6 +7015,8 @@
               </a:solidFill>
               <a:effectLst/>
               <a:latin typeface="Open Sans" panose="020B0606030504020204" pitchFamily="34" charset="0"/>
+              <a:ea typeface="Open Sans" panose="020B0606030504020204" pitchFamily="34" charset="0"/>
+              <a:cs typeface="Open Sans" panose="020B0606030504020204" pitchFamily="34" charset="0"/>
             </a:endParaRPr>
           </a:p>
           <a:p>
@@ -12146,6 +7028,8 @@
                 </a:solidFill>
                 <a:effectLst/>
                 <a:latin typeface="Open Sans" panose="020B0606030504020204" pitchFamily="34" charset="0"/>
+                <a:ea typeface="Open Sans" panose="020B0606030504020204" pitchFamily="34" charset="0"/>
+                <a:cs typeface="Open Sans" panose="020B0606030504020204" pitchFamily="34" charset="0"/>
               </a:rPr>
               <a:t>Data Source: </a:t>
             </a:r>
@@ -12156,6 +7040,8 @@
                 </a:solidFill>
                 <a:effectLst/>
                 <a:latin typeface="Open Sans" panose="020B0606030504020204" pitchFamily="34" charset="0"/>
+                <a:ea typeface="Open Sans" panose="020B0606030504020204" pitchFamily="34" charset="0"/>
+                <a:cs typeface="Open Sans" panose="020B0606030504020204" pitchFamily="34" charset="0"/>
               </a:rPr>
               <a:t>NHANES</a:t>
             </a:r>
@@ -12209,8 +7095,20 @@
                     <a:lumOff val="35000"/>
                   </a:schemeClr>
                 </a:solidFill>
+                <a:hlinkClick r:id="rId3"/>
               </a:rPr>
               <a:t>https://nccd.cdc.gov/CKD/detail.aspx?Qnum=Q712</a:t>
+            </a:r>
+            <a:r>
+              <a:rPr lang="en-US" dirty="0">
+                <a:solidFill>
+                  <a:schemeClr val="tx1">
+                    <a:lumMod val="65000"/>
+                    <a:lumOff val="35000"/>
+                  </a:schemeClr>
+                </a:solidFill>
+              </a:rPr>
+              <a:t> </a:t>
             </a:r>
           </a:p>
         </p:txBody>
@@ -12247,7 +7145,13 @@
       </p:grpSpPr>
       <p:sp>
         <p:nvSpPr>
-          <p:cNvPr id="2" name="Title 1"/>
+          <p:cNvPr id="4" name="Title 1">
+            <a:extLst>
+              <a:ext uri="{FF2B5EF4-FFF2-40B4-BE49-F238E27FC236}">
+                <a16:creationId xmlns:a16="http://schemas.microsoft.com/office/drawing/2014/main" id="{508C5BD0-B4A6-414F-927E-AF3E560BAF5C}"/>
+              </a:ext>
+            </a:extLst>
+          </p:cNvPr>
           <p:cNvSpPr>
             <a:spLocks noGrp="1"/>
           </p:cNvSpPr>
@@ -12270,34 +7174,32 @@
             <a:pPr algn="ctr"/>
             <a:r>
               <a:rPr lang="en-US" b="1" dirty="0"/>
-              <a:t>Trends in Prevalence of Food Insecurity in U.S. Adults, Overall</a:t>
+              <a:t>Crude Trends in Prevalence of Food Insecurity in U.S. Adults, Overall</a:t>
             </a:r>
           </a:p>
         </p:txBody>
       </p:sp>
       <p:graphicFrame>
         <p:nvGraphicFramePr>
-          <p:cNvPr id="4" name="Chart 3">
+          <p:cNvPr id="6" name="Chart 5">
             <a:extLst>
               <a:ext uri="{FF2B5EF4-FFF2-40B4-BE49-F238E27FC236}">
                 <a16:creationId xmlns:a16="http://schemas.microsoft.com/office/drawing/2014/main" id="{6B6BB1AC-514E-4182-9615-67EAFFB7E484}"/>
               </a:ext>
             </a:extLst>
           </p:cNvPr>
-          <p:cNvGraphicFramePr>
-            <a:graphicFrameLocks/>
-          </p:cNvGraphicFramePr>
+          <p:cNvGraphicFramePr/>
           <p:nvPr>
             <p:extLst>
               <p:ext uri="{D42A27DB-BD31-4B8C-83A1-F6EECF244321}">
-                <p14:modId xmlns:p14="http://schemas.microsoft.com/office/powerpoint/2010/main" val="3516899144"/>
+                <p14:modId xmlns:p14="http://schemas.microsoft.com/office/powerpoint/2010/main" val="4191502396"/>
               </p:ext>
             </p:extLst>
           </p:nvPr>
         </p:nvGraphicFramePr>
         <p:xfrm>
-          <a:off x="238539" y="1364975"/>
-          <a:ext cx="11714921" cy="4863547"/>
+          <a:off x="0" y="1364975"/>
+          <a:ext cx="12192000" cy="4810538"/>
         </p:xfrm>
         <a:graphic>
           <a:graphicData uri="http://schemas.openxmlformats.org/drawingml/2006/chart">
@@ -12308,7 +7210,7 @@
     </p:spTree>
     <p:extLst>
       <p:ext uri="{BB962C8B-B14F-4D97-AF65-F5344CB8AC3E}">
-        <p14:creationId xmlns:p14="http://schemas.microsoft.com/office/powerpoint/2010/main" val="3236636429"/>
+        <p14:creationId xmlns:p14="http://schemas.microsoft.com/office/powerpoint/2010/main" val="3445895365"/>
       </p:ext>
     </p:extLst>
   </p:cSld>
@@ -12366,7 +7268,7 @@
             <a:pPr algn="ctr"/>
             <a:r>
               <a:rPr lang="en-US" b="1" dirty="0"/>
-              <a:t>Trends in Prevalence of Food Insecurity in U.S. Adults, Age-Standardized</a:t>
+              <a:t>Age-Standardized Trends in Prevalence of Food Insecurity in U.S. Adults, Overall</a:t>
             </a:r>
           </a:p>
         </p:txBody>
@@ -12376,24 +7278,22 @@
           <p:cNvPr id="5" name="Chart 4">
             <a:extLst>
               <a:ext uri="{FF2B5EF4-FFF2-40B4-BE49-F238E27FC236}">
-                <a16:creationId xmlns:a16="http://schemas.microsoft.com/office/drawing/2014/main" id="{328F2268-BEC2-4E01-BA86-1A7290B61DBF}"/>
+                <a16:creationId xmlns:a16="http://schemas.microsoft.com/office/drawing/2014/main" id="{E54A6E9B-C1E1-4CAD-87F8-AC43BDE6A3F6}"/>
               </a:ext>
             </a:extLst>
           </p:cNvPr>
-          <p:cNvGraphicFramePr>
-            <a:graphicFrameLocks/>
-          </p:cNvGraphicFramePr>
+          <p:cNvGraphicFramePr/>
           <p:nvPr>
             <p:extLst>
               <p:ext uri="{D42A27DB-BD31-4B8C-83A1-F6EECF244321}">
-                <p14:modId xmlns:p14="http://schemas.microsoft.com/office/powerpoint/2010/main" val="709434680"/>
+                <p14:modId xmlns:p14="http://schemas.microsoft.com/office/powerpoint/2010/main" val="3730684623"/>
               </p:ext>
             </p:extLst>
           </p:nvPr>
         </p:nvGraphicFramePr>
         <p:xfrm>
-          <a:off x="238539" y="1364976"/>
-          <a:ext cx="11714922" cy="4916554"/>
+          <a:off x="0" y="1364975"/>
+          <a:ext cx="12192000" cy="4810538"/>
         </p:xfrm>
         <a:graphic>
           <a:graphicData uri="http://schemas.openxmlformats.org/drawingml/2006/chart">
@@ -12404,7 +7304,7 @@
     </p:spTree>
     <p:extLst>
       <p:ext uri="{BB962C8B-B14F-4D97-AF65-F5344CB8AC3E}">
-        <p14:creationId xmlns:p14="http://schemas.microsoft.com/office/powerpoint/2010/main" val="3445895365"/>
+        <p14:creationId xmlns:p14="http://schemas.microsoft.com/office/powerpoint/2010/main" val="235032113"/>
       </p:ext>
     </p:extLst>
   </p:cSld>
@@ -12415,294 +7315,6 @@
 </file>
 
 <file path=ppt/slides/slide4.xml><?xml version="1.0" encoding="utf-8"?>
-<p:sld xmlns:a="http://schemas.openxmlformats.org/drawingml/2006/main" xmlns:r="http://schemas.openxmlformats.org/officeDocument/2006/relationships" xmlns:p="http://schemas.openxmlformats.org/presentationml/2006/main">
-  <p:cSld>
-    <p:spTree>
-      <p:nvGrpSpPr>
-        <p:cNvPr id="1" name=""/>
-        <p:cNvGrpSpPr/>
-        <p:nvPr/>
-      </p:nvGrpSpPr>
-      <p:grpSpPr>
-        <a:xfrm>
-          <a:off x="0" y="0"/>
-          <a:ext cx="0" cy="0"/>
-          <a:chOff x="0" y="0"/>
-          <a:chExt cx="0" cy="0"/>
-        </a:xfrm>
-      </p:grpSpPr>
-      <p:sp>
-        <p:nvSpPr>
-          <p:cNvPr id="4" name="Title 1">
-            <a:extLst>
-              <a:ext uri="{FF2B5EF4-FFF2-40B4-BE49-F238E27FC236}">
-                <a16:creationId xmlns:a16="http://schemas.microsoft.com/office/drawing/2014/main" id="{5AD7B97E-6CC4-459B-A0D3-3B43AD181487}"/>
-              </a:ext>
-            </a:extLst>
-          </p:cNvPr>
-          <p:cNvSpPr>
-            <a:spLocks noGrp="1"/>
-          </p:cNvSpPr>
-          <p:nvPr>
-            <p:ph type="title"/>
-          </p:nvPr>
-        </p:nvSpPr>
-        <p:spPr>
-          <a:xfrm>
-            <a:off x="238539" y="215349"/>
-            <a:ext cx="11714922" cy="1149626"/>
-          </a:xfrm>
-        </p:spPr>
-        <p:txBody>
-          <a:bodyPr>
-            <a:noAutofit/>
-          </a:bodyPr>
-          <a:lstStyle/>
-          <a:p>
-            <a:pPr algn="ctr"/>
-            <a:r>
-              <a:rPr lang="en-US" b="1" dirty="0"/>
-              <a:t>Trends in Prevalence of Food Insecurity in U.S. Adults, by Age Category</a:t>
-            </a:r>
-          </a:p>
-        </p:txBody>
-      </p:sp>
-      <p:graphicFrame>
-        <p:nvGraphicFramePr>
-          <p:cNvPr id="5" name="Chart 4">
-            <a:extLst>
-              <a:ext uri="{FF2B5EF4-FFF2-40B4-BE49-F238E27FC236}">
-                <a16:creationId xmlns:a16="http://schemas.microsoft.com/office/drawing/2014/main" id="{520AFB79-1DC1-4D20-9315-4E0757A79962}"/>
-              </a:ext>
-            </a:extLst>
-          </p:cNvPr>
-          <p:cNvGraphicFramePr>
-            <a:graphicFrameLocks/>
-          </p:cNvGraphicFramePr>
-          <p:nvPr>
-            <p:extLst>
-              <p:ext uri="{D42A27DB-BD31-4B8C-83A1-F6EECF244321}">
-                <p14:modId xmlns:p14="http://schemas.microsoft.com/office/powerpoint/2010/main" val="487178336"/>
-              </p:ext>
-            </p:extLst>
-          </p:nvPr>
-        </p:nvGraphicFramePr>
-        <p:xfrm>
-          <a:off x="238540" y="1364975"/>
-          <a:ext cx="11714921" cy="4890051"/>
-        </p:xfrm>
-        <a:graphic>
-          <a:graphicData uri="http://schemas.openxmlformats.org/drawingml/2006/chart">
-            <c:chart xmlns:c="http://schemas.openxmlformats.org/drawingml/2006/chart" xmlns:r="http://schemas.openxmlformats.org/officeDocument/2006/relationships" r:id="rId2"/>
-          </a:graphicData>
-        </a:graphic>
-      </p:graphicFrame>
-    </p:spTree>
-    <p:extLst>
-      <p:ext uri="{BB962C8B-B14F-4D97-AF65-F5344CB8AC3E}">
-        <p14:creationId xmlns:p14="http://schemas.microsoft.com/office/powerpoint/2010/main" val="1623289111"/>
-      </p:ext>
-    </p:extLst>
-  </p:cSld>
-  <p:clrMapOvr>
-    <a:masterClrMapping/>
-  </p:clrMapOvr>
-</p:sld>
-</file>
-
-<file path=ppt/slides/slide5.xml><?xml version="1.0" encoding="utf-8"?>
-<p:sld xmlns:a="http://schemas.openxmlformats.org/drawingml/2006/main" xmlns:r="http://schemas.openxmlformats.org/officeDocument/2006/relationships" xmlns:p="http://schemas.openxmlformats.org/presentationml/2006/main">
-  <p:cSld>
-    <p:spTree>
-      <p:nvGrpSpPr>
-        <p:cNvPr id="1" name=""/>
-        <p:cNvGrpSpPr/>
-        <p:nvPr/>
-      </p:nvGrpSpPr>
-      <p:grpSpPr>
-        <a:xfrm>
-          <a:off x="0" y="0"/>
-          <a:ext cx="0" cy="0"/>
-          <a:chOff x="0" y="0"/>
-          <a:chExt cx="0" cy="0"/>
-        </a:xfrm>
-      </p:grpSpPr>
-      <p:sp>
-        <p:nvSpPr>
-          <p:cNvPr id="4" name="Title 1">
-            <a:extLst>
-              <a:ext uri="{FF2B5EF4-FFF2-40B4-BE49-F238E27FC236}">
-                <a16:creationId xmlns:a16="http://schemas.microsoft.com/office/drawing/2014/main" id="{E68404BB-B10C-4494-8A77-36324924A214}"/>
-              </a:ext>
-            </a:extLst>
-          </p:cNvPr>
-          <p:cNvSpPr>
-            <a:spLocks noGrp="1"/>
-          </p:cNvSpPr>
-          <p:nvPr>
-            <p:ph type="title"/>
-          </p:nvPr>
-        </p:nvSpPr>
-        <p:spPr>
-          <a:xfrm>
-            <a:off x="238539" y="215349"/>
-            <a:ext cx="11714922" cy="1149626"/>
-          </a:xfrm>
-        </p:spPr>
-        <p:txBody>
-          <a:bodyPr>
-            <a:noAutofit/>
-          </a:bodyPr>
-          <a:lstStyle/>
-          <a:p>
-            <a:pPr algn="ctr"/>
-            <a:r>
-              <a:rPr lang="en-US" b="1" dirty="0"/>
-              <a:t>Trends in Prevalence of Food Insecurity in U.S. Adults, by Sex</a:t>
-            </a:r>
-          </a:p>
-        </p:txBody>
-      </p:sp>
-      <p:graphicFrame>
-        <p:nvGraphicFramePr>
-          <p:cNvPr id="5" name="Chart 4">
-            <a:extLst>
-              <a:ext uri="{FF2B5EF4-FFF2-40B4-BE49-F238E27FC236}">
-                <a16:creationId xmlns:a16="http://schemas.microsoft.com/office/drawing/2014/main" id="{95EB9794-9992-4B87-8739-9D2DF75F083F}"/>
-              </a:ext>
-            </a:extLst>
-          </p:cNvPr>
-          <p:cNvGraphicFramePr>
-            <a:graphicFrameLocks/>
-          </p:cNvGraphicFramePr>
-          <p:nvPr>
-            <p:extLst>
-              <p:ext uri="{D42A27DB-BD31-4B8C-83A1-F6EECF244321}">
-                <p14:modId xmlns:p14="http://schemas.microsoft.com/office/powerpoint/2010/main" val="351055579"/>
-              </p:ext>
-            </p:extLst>
-          </p:nvPr>
-        </p:nvGraphicFramePr>
-        <p:xfrm>
-          <a:off x="238539" y="1364975"/>
-          <a:ext cx="11714922" cy="4850295"/>
-        </p:xfrm>
-        <a:graphic>
-          <a:graphicData uri="http://schemas.openxmlformats.org/drawingml/2006/chart">
-            <c:chart xmlns:c="http://schemas.openxmlformats.org/drawingml/2006/chart" xmlns:r="http://schemas.openxmlformats.org/officeDocument/2006/relationships" r:id="rId2"/>
-          </a:graphicData>
-        </a:graphic>
-      </p:graphicFrame>
-    </p:spTree>
-    <p:extLst>
-      <p:ext uri="{BB962C8B-B14F-4D97-AF65-F5344CB8AC3E}">
-        <p14:creationId xmlns:p14="http://schemas.microsoft.com/office/powerpoint/2010/main" val="3904610119"/>
-      </p:ext>
-    </p:extLst>
-  </p:cSld>
-  <p:clrMapOvr>
-    <a:masterClrMapping/>
-  </p:clrMapOvr>
-</p:sld>
-</file>
-
-<file path=ppt/slides/slide6.xml><?xml version="1.0" encoding="utf-8"?>
-<p:sld xmlns:a="http://schemas.openxmlformats.org/drawingml/2006/main" xmlns:r="http://schemas.openxmlformats.org/officeDocument/2006/relationships" xmlns:p="http://schemas.openxmlformats.org/presentationml/2006/main">
-  <p:cSld>
-    <p:spTree>
-      <p:nvGrpSpPr>
-        <p:cNvPr id="1" name=""/>
-        <p:cNvGrpSpPr/>
-        <p:nvPr/>
-      </p:nvGrpSpPr>
-      <p:grpSpPr>
-        <a:xfrm>
-          <a:off x="0" y="0"/>
-          <a:ext cx="0" cy="0"/>
-          <a:chOff x="0" y="0"/>
-          <a:chExt cx="0" cy="0"/>
-        </a:xfrm>
-      </p:grpSpPr>
-      <p:sp>
-        <p:nvSpPr>
-          <p:cNvPr id="4" name="Title 1">
-            <a:extLst>
-              <a:ext uri="{FF2B5EF4-FFF2-40B4-BE49-F238E27FC236}">
-                <a16:creationId xmlns:a16="http://schemas.microsoft.com/office/drawing/2014/main" id="{E52F64D1-2C93-44F4-8EA7-6352990147AF}"/>
-              </a:ext>
-            </a:extLst>
-          </p:cNvPr>
-          <p:cNvSpPr>
-            <a:spLocks noGrp="1"/>
-          </p:cNvSpPr>
-          <p:nvPr>
-            <p:ph type="title"/>
-          </p:nvPr>
-        </p:nvSpPr>
-        <p:spPr>
-          <a:xfrm>
-            <a:off x="238539" y="215349"/>
-            <a:ext cx="11714922" cy="1149626"/>
-          </a:xfrm>
-        </p:spPr>
-        <p:txBody>
-          <a:bodyPr>
-            <a:noAutofit/>
-          </a:bodyPr>
-          <a:lstStyle/>
-          <a:p>
-            <a:pPr algn="ctr"/>
-            <a:r>
-              <a:rPr lang="en-US" b="1" dirty="0"/>
-              <a:t>Trends in Prevalence of Food Insecurity in U.S. Adults, by Race/Ethnicity</a:t>
-            </a:r>
-          </a:p>
-        </p:txBody>
-      </p:sp>
-      <p:graphicFrame>
-        <p:nvGraphicFramePr>
-          <p:cNvPr id="5" name="Chart 4">
-            <a:extLst>
-              <a:ext uri="{FF2B5EF4-FFF2-40B4-BE49-F238E27FC236}">
-                <a16:creationId xmlns:a16="http://schemas.microsoft.com/office/drawing/2014/main" id="{5BCF22DF-CB09-4F90-AA60-0CAA53A35834}"/>
-              </a:ext>
-            </a:extLst>
-          </p:cNvPr>
-          <p:cNvGraphicFramePr>
-            <a:graphicFrameLocks/>
-          </p:cNvGraphicFramePr>
-          <p:nvPr>
-            <p:extLst>
-              <p:ext uri="{D42A27DB-BD31-4B8C-83A1-F6EECF244321}">
-                <p14:modId xmlns:p14="http://schemas.microsoft.com/office/powerpoint/2010/main" val="1818056512"/>
-              </p:ext>
-            </p:extLst>
-          </p:nvPr>
-        </p:nvGraphicFramePr>
-        <p:xfrm>
-          <a:off x="238540" y="1364975"/>
-          <a:ext cx="11714921" cy="4876799"/>
-        </p:xfrm>
-        <a:graphic>
-          <a:graphicData uri="http://schemas.openxmlformats.org/drawingml/2006/chart">
-            <c:chart xmlns:c="http://schemas.openxmlformats.org/drawingml/2006/chart" xmlns:r="http://schemas.openxmlformats.org/officeDocument/2006/relationships" r:id="rId2"/>
-          </a:graphicData>
-        </a:graphic>
-      </p:graphicFrame>
-    </p:spTree>
-    <p:extLst>
-      <p:ext uri="{BB962C8B-B14F-4D97-AF65-F5344CB8AC3E}">
-        <p14:creationId xmlns:p14="http://schemas.microsoft.com/office/powerpoint/2010/main" val="1345856577"/>
-      </p:ext>
-    </p:extLst>
-  </p:cSld>
-  <p:clrMapOvr>
-    <a:masterClrMapping/>
-  </p:clrMapOvr>
-</p:sld>
-</file>
-
-<file path=ppt/slides/slide7.xml><?xml version="1.0" encoding="utf-8"?>
 <p:sld xmlns:a="http://schemas.openxmlformats.org/drawingml/2006/main" xmlns:r="http://schemas.openxmlformats.org/officeDocument/2006/relationships" xmlns:p="http://schemas.openxmlformats.org/presentationml/2006/main">
   <p:cSld>
     <p:spTree>
@@ -12750,34 +7362,32 @@
             <a:pPr algn="ctr"/>
             <a:r>
               <a:rPr lang="en-US" b="1" dirty="0"/>
-              <a:t>Trends in Prevalence of Food Insecurity in U.S. Adults, by CKD</a:t>
+              <a:t>Crude Trends in Prevalence of Food Insecurity in U.S. Adults, by CKD</a:t>
             </a:r>
           </a:p>
         </p:txBody>
       </p:sp>
       <p:graphicFrame>
         <p:nvGraphicFramePr>
-          <p:cNvPr id="5" name="Chart 4">
+          <p:cNvPr id="6" name="Chart 5">
             <a:extLst>
               <a:ext uri="{FF2B5EF4-FFF2-40B4-BE49-F238E27FC236}">
-                <a16:creationId xmlns:a16="http://schemas.microsoft.com/office/drawing/2014/main" id="{BB357AB5-BBBF-4D04-833A-725DAD3EF12B}"/>
+                <a16:creationId xmlns:a16="http://schemas.microsoft.com/office/drawing/2014/main" id="{30062305-505E-446C-8AC4-D149D744FBBE}"/>
               </a:ext>
             </a:extLst>
           </p:cNvPr>
-          <p:cNvGraphicFramePr>
-            <a:graphicFrameLocks/>
-          </p:cNvGraphicFramePr>
+          <p:cNvGraphicFramePr/>
           <p:nvPr>
             <p:extLst>
               <p:ext uri="{D42A27DB-BD31-4B8C-83A1-F6EECF244321}">
-                <p14:modId xmlns:p14="http://schemas.microsoft.com/office/powerpoint/2010/main" val="1203977743"/>
+                <p14:modId xmlns:p14="http://schemas.microsoft.com/office/powerpoint/2010/main" val="2347405932"/>
               </p:ext>
             </p:extLst>
           </p:nvPr>
         </p:nvGraphicFramePr>
         <p:xfrm>
-          <a:off x="238539" y="1364975"/>
-          <a:ext cx="11714922" cy="4876799"/>
+          <a:off x="0" y="1364975"/>
+          <a:ext cx="12192000" cy="4810538"/>
         </p:xfrm>
         <a:graphic>
           <a:graphicData uri="http://schemas.openxmlformats.org/drawingml/2006/chart">
@@ -12798,7 +7408,7 @@
 </p:sld>
 </file>
 
-<file path=ppt/slides/slide8.xml><?xml version="1.0" encoding="utf-8"?>
+<file path=ppt/slides/slide5.xml><?xml version="1.0" encoding="utf-8"?>
 <p:sld xmlns:a="http://schemas.openxmlformats.org/drawingml/2006/main" xmlns:r="http://schemas.openxmlformats.org/officeDocument/2006/relationships" xmlns:p="http://schemas.openxmlformats.org/presentationml/2006/main">
   <p:cSld>
     <p:spTree>
@@ -12820,7 +7430,7 @@
           <p:cNvPr id="4" name="Title 1">
             <a:extLst>
               <a:ext uri="{FF2B5EF4-FFF2-40B4-BE49-F238E27FC236}">
-                <a16:creationId xmlns:a16="http://schemas.microsoft.com/office/drawing/2014/main" id="{E2214326-E6BA-47E1-9F3F-5AA065CC4F16}"/>
+                <a16:creationId xmlns:a16="http://schemas.microsoft.com/office/drawing/2014/main" id="{6E0CB721-449C-4FBD-978C-8B8BFF916106}"/>
               </a:ext>
             </a:extLst>
           </p:cNvPr>
@@ -12846,7 +7456,7 @@
             <a:pPr algn="ctr"/>
             <a:r>
               <a:rPr lang="en-US" b="1" dirty="0"/>
-              <a:t>Trends in Prevalence of Food Insecurity in U.S. Adults, by Diabetes</a:t>
+              <a:t>Age-Standardized Trends in Prevalence of Food Insecurity in U.S. Adults, by CKD</a:t>
             </a:r>
           </a:p>
         </p:txBody>
@@ -12856,24 +7466,22 @@
           <p:cNvPr id="5" name="Chart 4">
             <a:extLst>
               <a:ext uri="{FF2B5EF4-FFF2-40B4-BE49-F238E27FC236}">
-                <a16:creationId xmlns:a16="http://schemas.microsoft.com/office/drawing/2014/main" id="{D925EE2E-5F11-4DEE-AE65-96CAF0995637}"/>
+                <a16:creationId xmlns:a16="http://schemas.microsoft.com/office/drawing/2014/main" id="{93172D24-C052-42FD-AF04-6D5F529DF1DD}"/>
               </a:ext>
             </a:extLst>
           </p:cNvPr>
-          <p:cNvGraphicFramePr>
-            <a:graphicFrameLocks/>
-          </p:cNvGraphicFramePr>
+          <p:cNvGraphicFramePr/>
           <p:nvPr>
             <p:extLst>
               <p:ext uri="{D42A27DB-BD31-4B8C-83A1-F6EECF244321}">
-                <p14:modId xmlns:p14="http://schemas.microsoft.com/office/powerpoint/2010/main" val="1159049613"/>
+                <p14:modId xmlns:p14="http://schemas.microsoft.com/office/powerpoint/2010/main" val="1414934746"/>
               </p:ext>
             </p:extLst>
           </p:nvPr>
         </p:nvGraphicFramePr>
         <p:xfrm>
-          <a:off x="238539" y="1364975"/>
-          <a:ext cx="11714921" cy="4903303"/>
+          <a:off x="0" y="1364975"/>
+          <a:ext cx="12191999" cy="4810537"/>
         </p:xfrm>
         <a:graphic>
           <a:graphicData uri="http://schemas.openxmlformats.org/drawingml/2006/chart">
@@ -12884,103 +7492,7 @@
     </p:spTree>
     <p:extLst>
       <p:ext uri="{BB962C8B-B14F-4D97-AF65-F5344CB8AC3E}">
-        <p14:creationId xmlns:p14="http://schemas.microsoft.com/office/powerpoint/2010/main" val="3534547655"/>
-      </p:ext>
-    </p:extLst>
-  </p:cSld>
-  <p:clrMapOvr>
-    <a:masterClrMapping/>
-  </p:clrMapOvr>
-</p:sld>
-</file>
-
-<file path=ppt/slides/slide9.xml><?xml version="1.0" encoding="utf-8"?>
-<p:sld xmlns:a="http://schemas.openxmlformats.org/drawingml/2006/main" xmlns:r="http://schemas.openxmlformats.org/officeDocument/2006/relationships" xmlns:p="http://schemas.openxmlformats.org/presentationml/2006/main">
-  <p:cSld>
-    <p:spTree>
-      <p:nvGrpSpPr>
-        <p:cNvPr id="1" name=""/>
-        <p:cNvGrpSpPr/>
-        <p:nvPr/>
-      </p:nvGrpSpPr>
-      <p:grpSpPr>
-        <a:xfrm>
-          <a:off x="0" y="0"/>
-          <a:ext cx="0" cy="0"/>
-          <a:chOff x="0" y="0"/>
-          <a:chExt cx="0" cy="0"/>
-        </a:xfrm>
-      </p:grpSpPr>
-      <p:sp>
-        <p:nvSpPr>
-          <p:cNvPr id="4" name="Title 1">
-            <a:extLst>
-              <a:ext uri="{FF2B5EF4-FFF2-40B4-BE49-F238E27FC236}">
-                <a16:creationId xmlns:a16="http://schemas.microsoft.com/office/drawing/2014/main" id="{18DB24D7-5C98-4C8A-B2F3-D932F1D6CD72}"/>
-              </a:ext>
-            </a:extLst>
-          </p:cNvPr>
-          <p:cNvSpPr>
-            <a:spLocks noGrp="1"/>
-          </p:cNvSpPr>
-          <p:nvPr>
-            <p:ph type="title"/>
-          </p:nvPr>
-        </p:nvSpPr>
-        <p:spPr>
-          <a:xfrm>
-            <a:off x="238539" y="215349"/>
-            <a:ext cx="11714922" cy="1149626"/>
-          </a:xfrm>
-        </p:spPr>
-        <p:txBody>
-          <a:bodyPr>
-            <a:noAutofit/>
-          </a:bodyPr>
-          <a:lstStyle/>
-          <a:p>
-            <a:pPr algn="ctr"/>
-            <a:r>
-              <a:rPr lang="en-US" b="1" dirty="0"/>
-              <a:t>Trends in Prevalence of Food Insecurity in U.S. Adults, by Hypertension</a:t>
-            </a:r>
-          </a:p>
-        </p:txBody>
-      </p:sp>
-      <p:graphicFrame>
-        <p:nvGraphicFramePr>
-          <p:cNvPr id="5" name="Chart 4">
-            <a:extLst>
-              <a:ext uri="{FF2B5EF4-FFF2-40B4-BE49-F238E27FC236}">
-                <a16:creationId xmlns:a16="http://schemas.microsoft.com/office/drawing/2014/main" id="{7759F837-7F54-4900-98E8-4F2A0E24FFB1}"/>
-              </a:ext>
-            </a:extLst>
-          </p:cNvPr>
-          <p:cNvGraphicFramePr>
-            <a:graphicFrameLocks/>
-          </p:cNvGraphicFramePr>
-          <p:nvPr>
-            <p:extLst>
-              <p:ext uri="{D42A27DB-BD31-4B8C-83A1-F6EECF244321}">
-                <p14:modId xmlns:p14="http://schemas.microsoft.com/office/powerpoint/2010/main" val="2527454905"/>
-              </p:ext>
-            </p:extLst>
-          </p:nvPr>
-        </p:nvGraphicFramePr>
-        <p:xfrm>
-          <a:off x="238539" y="1364975"/>
-          <a:ext cx="11714921" cy="4929808"/>
-        </p:xfrm>
-        <a:graphic>
-          <a:graphicData uri="http://schemas.openxmlformats.org/drawingml/2006/chart">
-            <c:chart xmlns:c="http://schemas.openxmlformats.org/drawingml/2006/chart" xmlns:r="http://schemas.openxmlformats.org/officeDocument/2006/relationships" r:id="rId2"/>
-          </a:graphicData>
-        </a:graphic>
-      </p:graphicFrame>
-    </p:spTree>
-    <p:extLst>
-      <p:ext uri="{BB962C8B-B14F-4D97-AF65-F5344CB8AC3E}">
-        <p14:creationId xmlns:p14="http://schemas.microsoft.com/office/powerpoint/2010/main" val="56249063"/>
+        <p14:creationId xmlns:p14="http://schemas.microsoft.com/office/powerpoint/2010/main" val="1091291484"/>
       </p:ext>
     </p:extLst>
   </p:cSld>
